--- a/FINAL CAPSTONE PROJECT FILES/BB Final Capstone Project - PPTX Presentation.pptx
+++ b/FINAL CAPSTONE PROJECT FILES/BB Final Capstone Project - PPTX Presentation.pptx
@@ -5,33 +5,36 @@
     <p:sldMasterId id="2147483798" r:id="rId1"/>
   </p:sldMasterIdLst>
   <p:notesMasterIdLst>
-    <p:notesMasterId r:id="rId26"/>
+    <p:notesMasterId r:id="rId29"/>
   </p:notesMasterIdLst>
   <p:sldIdLst>
     <p:sldId id="256" r:id="rId2"/>
     <p:sldId id="257" r:id="rId3"/>
-    <p:sldId id="258" r:id="rId4"/>
-    <p:sldId id="259" r:id="rId5"/>
-    <p:sldId id="260" r:id="rId6"/>
-    <p:sldId id="262" r:id="rId7"/>
-    <p:sldId id="305" r:id="rId8"/>
-    <p:sldId id="306" r:id="rId9"/>
-    <p:sldId id="322" r:id="rId10"/>
-    <p:sldId id="319" r:id="rId11"/>
-    <p:sldId id="320" r:id="rId12"/>
-    <p:sldId id="321" r:id="rId13"/>
-    <p:sldId id="261" r:id="rId14"/>
-    <p:sldId id="308" r:id="rId15"/>
-    <p:sldId id="309" r:id="rId16"/>
-    <p:sldId id="311" r:id="rId17"/>
-    <p:sldId id="310" r:id="rId18"/>
-    <p:sldId id="312" r:id="rId19"/>
-    <p:sldId id="313" r:id="rId20"/>
-    <p:sldId id="315" r:id="rId21"/>
-    <p:sldId id="316" r:id="rId22"/>
-    <p:sldId id="317" r:id="rId23"/>
-    <p:sldId id="318" r:id="rId24"/>
-    <p:sldId id="323" r:id="rId25"/>
+    <p:sldId id="328" r:id="rId4"/>
+    <p:sldId id="258" r:id="rId5"/>
+    <p:sldId id="259" r:id="rId6"/>
+    <p:sldId id="260" r:id="rId7"/>
+    <p:sldId id="262" r:id="rId8"/>
+    <p:sldId id="305" r:id="rId9"/>
+    <p:sldId id="306" r:id="rId10"/>
+    <p:sldId id="322" r:id="rId11"/>
+    <p:sldId id="319" r:id="rId12"/>
+    <p:sldId id="320" r:id="rId13"/>
+    <p:sldId id="321" r:id="rId14"/>
+    <p:sldId id="327" r:id="rId15"/>
+    <p:sldId id="261" r:id="rId16"/>
+    <p:sldId id="308" r:id="rId17"/>
+    <p:sldId id="309" r:id="rId18"/>
+    <p:sldId id="311" r:id="rId19"/>
+    <p:sldId id="310" r:id="rId20"/>
+    <p:sldId id="312" r:id="rId21"/>
+    <p:sldId id="313" r:id="rId22"/>
+    <p:sldId id="315" r:id="rId23"/>
+    <p:sldId id="316" r:id="rId24"/>
+    <p:sldId id="326" r:id="rId25"/>
+    <p:sldId id="317" r:id="rId26"/>
+    <p:sldId id="325" r:id="rId27"/>
+    <p:sldId id="323" r:id="rId28"/>
   </p:sldIdLst>
   <p:sldSz cx="12192000" cy="6858000"/>
   <p:notesSz cx="6858000" cy="9144000"/>
@@ -789,7 +792,7 @@
           <a:p>
             <a:fld id="{D17A38DF-8A95-4BD1-9DCE-37BC151E2653}" type="slidenum">
               <a:rPr lang="en-US" smtClean="0"/>
-              <a:t>6</a:t>
+              <a:t>7</a:t>
             </a:fld>
             <a:endParaRPr lang="en-US"/>
           </a:p>
@@ -852,7 +855,7 @@
           <a:bodyPr/>
           <a:lstStyle/>
           <a:p>
-            <a:endParaRPr lang="en-US" dirty="0"/>
+            <a:endParaRPr lang="en-US"/>
           </a:p>
         </p:txBody>
       </p:sp>
@@ -873,7 +876,7 @@
           <a:p>
             <a:fld id="{D17A38DF-8A95-4BD1-9DCE-37BC151E2653}" type="slidenum">
               <a:rPr lang="en-US" smtClean="0"/>
-              <a:t>10</a:t>
+              <a:t>13</a:t>
             </a:fld>
             <a:endParaRPr lang="en-US"/>
           </a:p>
@@ -882,7 +885,7 @@
     </p:spTree>
     <p:extLst>
       <p:ext uri="{BB962C8B-B14F-4D97-AF65-F5344CB8AC3E}">
-        <p14:creationId xmlns:p14="http://schemas.microsoft.com/office/powerpoint/2010/main" val="3690851248"/>
+        <p14:creationId xmlns:p14="http://schemas.microsoft.com/office/powerpoint/2010/main" val="4063437826"/>
       </p:ext>
     </p:extLst>
   </p:cSld>
@@ -936,7 +939,7 @@
           <a:bodyPr/>
           <a:lstStyle/>
           <a:p>
-            <a:endParaRPr lang="en-US"/>
+            <a:endParaRPr lang="en-US" dirty="0"/>
           </a:p>
         </p:txBody>
       </p:sp>
@@ -957,7 +960,7 @@
           <a:p>
             <a:fld id="{D17A38DF-8A95-4BD1-9DCE-37BC151E2653}" type="slidenum">
               <a:rPr lang="en-US" smtClean="0"/>
-              <a:t>12</a:t>
+              <a:t>24</a:t>
             </a:fld>
             <a:endParaRPr lang="en-US"/>
           </a:p>
@@ -966,91 +969,7 @@
     </p:spTree>
     <p:extLst>
       <p:ext uri="{BB962C8B-B14F-4D97-AF65-F5344CB8AC3E}">
-        <p14:creationId xmlns:p14="http://schemas.microsoft.com/office/powerpoint/2010/main" val="4063437826"/>
-      </p:ext>
-    </p:extLst>
-  </p:cSld>
-  <p:clrMapOvr>
-    <a:masterClrMapping/>
-  </p:clrMapOvr>
-</p:notes>
-</file>
-
-<file path=ppt/notesSlides/notesSlide5.xml><?xml version="1.0" encoding="utf-8"?>
-<p:notes xmlns:a="http://schemas.openxmlformats.org/drawingml/2006/main" xmlns:r="http://schemas.openxmlformats.org/officeDocument/2006/relationships" xmlns:p="http://schemas.openxmlformats.org/presentationml/2006/main">
-  <p:cSld>
-    <p:spTree>
-      <p:nvGrpSpPr>
-        <p:cNvPr id="1" name=""/>
-        <p:cNvGrpSpPr/>
-        <p:nvPr/>
-      </p:nvGrpSpPr>
-      <p:grpSpPr>
-        <a:xfrm>
-          <a:off x="0" y="0"/>
-          <a:ext cx="0" cy="0"/>
-          <a:chOff x="0" y="0"/>
-          <a:chExt cx="0" cy="0"/>
-        </a:xfrm>
-      </p:grpSpPr>
-      <p:sp>
-        <p:nvSpPr>
-          <p:cNvPr id="2" name="Slide Image Placeholder 1"/>
-          <p:cNvSpPr>
-            <a:spLocks noGrp="1" noRot="1" noChangeAspect="1"/>
-          </p:cNvSpPr>
-          <p:nvPr>
-            <p:ph type="sldImg"/>
-          </p:nvPr>
-        </p:nvSpPr>
-        <p:spPr/>
-      </p:sp>
-      <p:sp>
-        <p:nvSpPr>
-          <p:cNvPr id="3" name="Notes Placeholder 2"/>
-          <p:cNvSpPr>
-            <a:spLocks noGrp="1"/>
-          </p:cNvSpPr>
-          <p:nvPr>
-            <p:ph type="body" idx="1"/>
-          </p:nvPr>
-        </p:nvSpPr>
-        <p:spPr/>
-        <p:txBody>
-          <a:bodyPr/>
-          <a:lstStyle/>
-          <a:p>
-            <a:endParaRPr lang="en-US" dirty="0"/>
-          </a:p>
-        </p:txBody>
-      </p:sp>
-      <p:sp>
-        <p:nvSpPr>
-          <p:cNvPr id="4" name="Slide Number Placeholder 3"/>
-          <p:cNvSpPr>
-            <a:spLocks noGrp="1"/>
-          </p:cNvSpPr>
-          <p:nvPr>
-            <p:ph type="sldNum" sz="quarter" idx="5"/>
-          </p:nvPr>
-        </p:nvSpPr>
-        <p:spPr/>
-        <p:txBody>
-          <a:bodyPr/>
-          <a:lstStyle/>
-          <a:p>
-            <a:fld id="{D17A38DF-8A95-4BD1-9DCE-37BC151E2653}" type="slidenum">
-              <a:rPr lang="en-US" smtClean="0"/>
-              <a:t>23</a:t>
-            </a:fld>
-            <a:endParaRPr lang="en-US"/>
-          </a:p>
-        </p:txBody>
-      </p:sp>
-    </p:spTree>
-    <p:extLst>
-      <p:ext uri="{BB962C8B-B14F-4D97-AF65-F5344CB8AC3E}">
-        <p14:creationId xmlns:p14="http://schemas.microsoft.com/office/powerpoint/2010/main" val="2019964192"/>
+        <p14:creationId xmlns:p14="http://schemas.microsoft.com/office/powerpoint/2010/main" val="29433464"/>
       </p:ext>
     </p:extLst>
   </p:cSld>
@@ -7404,25 +7323,7 @@
                 <a:ea typeface="Calibri" panose="020F0502020204030204" pitchFamily="34" charset="0"/>
                 <a:cs typeface="Calibri" panose="020F0502020204030204" pitchFamily="34" charset="0"/>
               </a:rPr>
-              <a:t>By </a:t>
-            </a:r>
-            <a:r>
-              <a:rPr lang="en-US" sz="1800" i="1" dirty="0" err="1">
-                <a:effectLst/>
-                <a:latin typeface="Bookman Old Style" panose="02050604050505020204" pitchFamily="18" charset="0"/>
-                <a:ea typeface="Calibri" panose="020F0502020204030204" pitchFamily="34" charset="0"/>
-                <a:cs typeface="Calibri" panose="020F0502020204030204" pitchFamily="34" charset="0"/>
-              </a:rPr>
-              <a:t>Furhan</a:t>
-            </a:r>
-            <a:r>
-              <a:rPr lang="en-US" sz="1800" i="1" dirty="0">
-                <a:effectLst/>
-                <a:latin typeface="Bookman Old Style" panose="02050604050505020204" pitchFamily="18" charset="0"/>
-                <a:ea typeface="Calibri" panose="020F0502020204030204" pitchFamily="34" charset="0"/>
-                <a:cs typeface="Calibri" panose="020F0502020204030204" pitchFamily="34" charset="0"/>
-              </a:rPr>
-              <a:t> Babar and Mary Grace Boyd</a:t>
+              <a:t>By Furhan Babar and Mary Grace Boyd</a:t>
             </a:r>
           </a:p>
           <a:p>
@@ -7471,6 +7372,89 @@
           <a:chExt cx="0" cy="0"/>
         </a:xfrm>
       </p:grpSpPr>
+      <p:sp>
+        <p:nvSpPr>
+          <p:cNvPr id="4" name="Title 1">
+            <a:extLst>
+              <a:ext uri="{FF2B5EF4-FFF2-40B4-BE49-F238E27FC236}">
+                <a16:creationId xmlns:a16="http://schemas.microsoft.com/office/drawing/2014/main" id="{20F03BD6-24E5-42BC-AB1D-E0C4CD299811}"/>
+              </a:ext>
+            </a:extLst>
+          </p:cNvPr>
+          <p:cNvSpPr>
+            <a:spLocks noGrp="1"/>
+          </p:cNvSpPr>
+          <p:nvPr>
+            <p:ph type="title"/>
+          </p:nvPr>
+        </p:nvSpPr>
+        <p:spPr>
+          <a:xfrm>
+            <a:off x="1066800" y="1441938"/>
+            <a:ext cx="10058400" cy="3600456"/>
+          </a:xfrm>
+        </p:spPr>
+        <p:txBody>
+          <a:bodyPr vert="horz" lIns="91440" tIns="45720" rIns="91440" bIns="45720" rtlCol="0" anchor="b">
+            <a:normAutofit fontScale="90000"/>
+          </a:bodyPr>
+          <a:lstStyle/>
+          <a:p>
+            <a:r>
+              <a:rPr lang="en-US" sz="6700" b="1" i="1" dirty="0"/>
+              <a:t>BASELINE</a:t>
+            </a:r>
+            <a:br>
+              <a:rPr lang="en-US" sz="6700" b="1" i="1" dirty="0"/>
+            </a:br>
+            <a:r>
+              <a:rPr lang="en-US" sz="6700" b="1" i="1" dirty="0"/>
+              <a:t>ANALYSIS &amp; FINDINGS</a:t>
+            </a:r>
+            <a:br>
+              <a:rPr lang="en-US" sz="6700" b="1" i="1" dirty="0"/>
+            </a:br>
+            <a:r>
+              <a:rPr lang="en-US" sz="6700" b="1" i="1" dirty="0"/>
+              <a:t>using Tableau</a:t>
+            </a:r>
+            <a:br>
+              <a:rPr lang="en-US" sz="4800" i="1" dirty="0"/>
+            </a:br>
+            <a:endParaRPr lang="en-US" sz="4800" i="1" dirty="0"/>
+          </a:p>
+        </p:txBody>
+      </p:sp>
+    </p:spTree>
+    <p:extLst>
+      <p:ext uri="{BB962C8B-B14F-4D97-AF65-F5344CB8AC3E}">
+        <p14:creationId xmlns:p14="http://schemas.microsoft.com/office/powerpoint/2010/main" val="1057795427"/>
+      </p:ext>
+    </p:extLst>
+  </p:cSld>
+  <p:clrMapOvr>
+    <a:masterClrMapping/>
+  </p:clrMapOvr>
+</p:sld>
+</file>
+
+<file path=ppt/slides/slide11.xml><?xml version="1.0" encoding="utf-8"?>
+<p:sld xmlns:a="http://schemas.openxmlformats.org/drawingml/2006/main" xmlns:r="http://schemas.openxmlformats.org/officeDocument/2006/relationships" xmlns:p="http://schemas.openxmlformats.org/presentationml/2006/main">
+  <p:cSld>
+    <p:spTree>
+      <p:nvGrpSpPr>
+        <p:cNvPr id="1" name=""/>
+        <p:cNvGrpSpPr/>
+        <p:nvPr/>
+      </p:nvGrpSpPr>
+      <p:grpSpPr>
+        <a:xfrm>
+          <a:off x="0" y="0"/>
+          <a:ext cx="0" cy="0"/>
+          <a:chOff x="0" y="0"/>
+          <a:chExt cx="0" cy="0"/>
+        </a:xfrm>
+      </p:grpSpPr>
       <p:pic>
         <p:nvPicPr>
           <p:cNvPr id="3" name="Picture 2">
@@ -7485,16 +7469,15 @@
           </p:cNvPicPr>
           <p:nvPr/>
         </p:nvPicPr>
-        <p:blipFill>
-          <a:blip r:embed="rId3"/>
-          <a:stretch>
-            <a:fillRect/>
-          </a:stretch>
+        <p:blipFill rotWithShape="1">
+          <a:blip r:embed="rId2"/>
+          <a:srcRect r="10328"/>
+          <a:stretch/>
         </p:blipFill>
         <p:spPr>
           <a:xfrm>
-            <a:off x="4254760" y="1315617"/>
-            <a:ext cx="7717275" cy="4851918"/>
+            <a:off x="4360268" y="1447500"/>
+            <a:ext cx="7496177" cy="5058807"/>
           </a:xfrm>
           <a:prstGeom prst="rect">
             <a:avLst/>
@@ -7516,14 +7499,14 @@
           <p:nvPr/>
         </p:nvPicPr>
         <p:blipFill rotWithShape="1">
-          <a:blip r:embed="rId4"/>
+          <a:blip r:embed="rId3"/>
           <a:srcRect l="13460" t="4787" r="4285"/>
           <a:stretch/>
         </p:blipFill>
         <p:spPr>
           <a:xfrm>
             <a:off x="335555" y="461394"/>
-            <a:ext cx="5535730" cy="5174296"/>
+            <a:ext cx="4962127" cy="4638144"/>
           </a:xfrm>
           <a:prstGeom prst="rect">
             <a:avLst/>
@@ -7540,12 +7523,111 @@
           </a:effectLst>
         </p:spPr>
       </p:pic>
+      <p:sp>
+        <p:nvSpPr>
+          <p:cNvPr id="2" name="TextBox 1">
+            <a:extLst>
+              <a:ext uri="{FF2B5EF4-FFF2-40B4-BE49-F238E27FC236}">
+                <a16:creationId xmlns:a16="http://schemas.microsoft.com/office/drawing/2014/main" id="{7C686D90-147B-4BC7-B72B-7D48BA50F4CB}"/>
+              </a:ext>
+            </a:extLst>
+          </p:cNvPr>
+          <p:cNvSpPr txBox="1"/>
+          <p:nvPr/>
+        </p:nvSpPr>
+        <p:spPr>
+          <a:xfrm>
+            <a:off x="183921" y="4904493"/>
+            <a:ext cx="3912577" cy="738664"/>
+          </a:xfrm>
+          <a:prstGeom prst="rect">
+            <a:avLst/>
+          </a:prstGeom>
+          <a:solidFill>
+            <a:schemeClr val="tx1">
+              <a:lumMod val="85000"/>
+            </a:schemeClr>
+          </a:solidFill>
+        </p:spPr>
+        <p:txBody>
+          <a:bodyPr wrap="square" rtlCol="0">
+            <a:spAutoFit/>
+          </a:bodyPr>
+          <a:lstStyle/>
+          <a:p>
+            <a:pPr algn="ctr"/>
+            <a:r>
+              <a:rPr lang="en-US" sz="1400" dirty="0">
+                <a:solidFill>
+                  <a:schemeClr val="bg1"/>
+                </a:solidFill>
+              </a:rPr>
+              <a:t>Majority of missed or no-show appointments were in Manhattan although these were the zip codes that had the greatest number of patients</a:t>
+            </a:r>
+          </a:p>
+        </p:txBody>
+      </p:sp>
+      <p:sp>
+        <p:nvSpPr>
+          <p:cNvPr id="4" name="TextBox 3">
+            <a:extLst>
+              <a:ext uri="{FF2B5EF4-FFF2-40B4-BE49-F238E27FC236}">
+                <a16:creationId xmlns:a16="http://schemas.microsoft.com/office/drawing/2014/main" id="{AD5EC7A2-E125-48F5-9175-71A94A041115}"/>
+              </a:ext>
+            </a:extLst>
+          </p:cNvPr>
+          <p:cNvSpPr txBox="1"/>
+          <p:nvPr/>
+        </p:nvSpPr>
+        <p:spPr>
+          <a:xfrm>
+            <a:off x="5910924" y="1082132"/>
+            <a:ext cx="5123422" cy="523220"/>
+          </a:xfrm>
+          <a:prstGeom prst="rect">
+            <a:avLst/>
+          </a:prstGeom>
+          <a:solidFill>
+            <a:schemeClr val="tx1">
+              <a:lumMod val="85000"/>
+            </a:schemeClr>
+          </a:solidFill>
+        </p:spPr>
+        <p:txBody>
+          <a:bodyPr wrap="square" rtlCol="0">
+            <a:spAutoFit/>
+          </a:bodyPr>
+          <a:lstStyle/>
+          <a:p>
+            <a:pPr algn="ctr"/>
+            <a:r>
+              <a:rPr lang="en-US" sz="1400" dirty="0">
+                <a:solidFill>
+                  <a:schemeClr val="bg1"/>
+                </a:solidFill>
+              </a:rPr>
+              <a:t>This map shows the states were our no-show patients are located.</a:t>
+            </a:r>
+          </a:p>
+          <a:p>
+            <a:pPr algn="ctr"/>
+            <a:r>
+              <a:rPr lang="en-US" sz="1400" dirty="0">
+                <a:solidFill>
+                  <a:schemeClr val="bg1"/>
+                </a:solidFill>
+              </a:rPr>
+              <a:t>PA, NY, NJ, CT</a:t>
+            </a:r>
+          </a:p>
+        </p:txBody>
+      </p:sp>
       <p:pic>
         <p:nvPicPr>
-          <p:cNvPr id="4" name="Picture 3">
+          <p:cNvPr id="8" name="Picture 7">
             <a:extLst>
               <a:ext uri="{FF2B5EF4-FFF2-40B4-BE49-F238E27FC236}">
-                <a16:creationId xmlns:a16="http://schemas.microsoft.com/office/drawing/2014/main" id="{628DEE0F-24A3-446C-B32D-E312B3578956}"/>
+                <a16:creationId xmlns:a16="http://schemas.microsoft.com/office/drawing/2014/main" id="{32D56DB3-7FE1-4AF8-AE76-0D38DBFFBB62}"/>
               </a:ext>
             </a:extLst>
           </p:cNvPr>
@@ -7555,14 +7637,14 @@
           <p:nvPr/>
         </p:nvPicPr>
         <p:blipFill>
-          <a:blip r:embed="rId5"/>
+          <a:blip r:embed="rId4"/>
           <a:stretch>
             <a:fillRect/>
           </a:stretch>
         </p:blipFill>
         <p:spPr>
           <a:xfrm>
-            <a:off x="5353050" y="296442"/>
+            <a:off x="4318800" y="2780466"/>
             <a:ext cx="742950" cy="2038350"/>
           </a:xfrm>
           <a:prstGeom prst="rect">
@@ -7583,7 +7665,7 @@
 </p:sld>
 </file>
 
-<file path=ppt/slides/slide11.xml><?xml version="1.0" encoding="utf-8"?>
+<file path=ppt/slides/slide12.xml><?xml version="1.0" encoding="utf-8"?>
 <p:sld xmlns:a="http://schemas.openxmlformats.org/drawingml/2006/main" xmlns:r="http://schemas.openxmlformats.org/officeDocument/2006/relationships" xmlns:p="http://schemas.openxmlformats.org/presentationml/2006/main">
   <p:cSld>
     <p:spTree>
@@ -7643,7 +7725,7 @@
 </p:sld>
 </file>
 
-<file path=ppt/slides/slide12.xml><?xml version="1.0" encoding="utf-8"?>
+<file path=ppt/slides/slide13.xml><?xml version="1.0" encoding="utf-8"?>
 <p:sld xmlns:a="http://schemas.openxmlformats.org/drawingml/2006/main" xmlns:r="http://schemas.openxmlformats.org/officeDocument/2006/relationships" xmlns:p="http://schemas.openxmlformats.org/presentationml/2006/main">
   <p:cSld>
     <p:spTree>
@@ -7690,36 +7772,6 @@
           </a:prstGeom>
         </p:spPr>
       </p:pic>
-      <p:pic>
-        <p:nvPicPr>
-          <p:cNvPr id="4" name="Picture 3">
-            <a:extLst>
-              <a:ext uri="{FF2B5EF4-FFF2-40B4-BE49-F238E27FC236}">
-                <a16:creationId xmlns:a16="http://schemas.microsoft.com/office/drawing/2014/main" id="{A2E35872-9EFA-4974-90CB-39681BD20344}"/>
-              </a:ext>
-            </a:extLst>
-          </p:cNvPr>
-          <p:cNvPicPr>
-            <a:picLocks noChangeAspect="1"/>
-          </p:cNvPicPr>
-          <p:nvPr/>
-        </p:nvPicPr>
-        <p:blipFill>
-          <a:blip r:embed="rId4"/>
-          <a:stretch>
-            <a:fillRect/>
-          </a:stretch>
-        </p:blipFill>
-        <p:spPr>
-          <a:xfrm>
-            <a:off x="5671457" y="3512440"/>
-            <a:ext cx="5438363" cy="2892916"/>
-          </a:xfrm>
-          <a:prstGeom prst="rect">
-            <a:avLst/>
-          </a:prstGeom>
-        </p:spPr>
-      </p:pic>
     </p:spTree>
     <p:extLst>
       <p:ext uri="{BB962C8B-B14F-4D97-AF65-F5344CB8AC3E}">
@@ -7733,7 +7785,90 @@
 </p:sld>
 </file>
 
-<file path=ppt/slides/slide13.xml><?xml version="1.0" encoding="utf-8"?>
+<file path=ppt/slides/slide14.xml><?xml version="1.0" encoding="utf-8"?>
+<p:sld xmlns:a="http://schemas.openxmlformats.org/drawingml/2006/main" xmlns:r="http://schemas.openxmlformats.org/officeDocument/2006/relationships" xmlns:p="http://schemas.openxmlformats.org/presentationml/2006/main">
+  <p:cSld>
+    <p:spTree>
+      <p:nvGrpSpPr>
+        <p:cNvPr id="1" name=""/>
+        <p:cNvGrpSpPr/>
+        <p:nvPr/>
+      </p:nvGrpSpPr>
+      <p:grpSpPr>
+        <a:xfrm>
+          <a:off x="0" y="0"/>
+          <a:ext cx="0" cy="0"/>
+          <a:chOff x="0" y="0"/>
+          <a:chExt cx="0" cy="0"/>
+        </a:xfrm>
+      </p:grpSpPr>
+      <p:sp>
+        <p:nvSpPr>
+          <p:cNvPr id="4" name="Title 1">
+            <a:extLst>
+              <a:ext uri="{FF2B5EF4-FFF2-40B4-BE49-F238E27FC236}">
+                <a16:creationId xmlns:a16="http://schemas.microsoft.com/office/drawing/2014/main" id="{20F03BD6-24E5-42BC-AB1D-E0C4CD299811}"/>
+              </a:ext>
+            </a:extLst>
+          </p:cNvPr>
+          <p:cNvSpPr>
+            <a:spLocks noGrp="1"/>
+          </p:cNvSpPr>
+          <p:nvPr>
+            <p:ph type="title"/>
+          </p:nvPr>
+        </p:nvSpPr>
+        <p:spPr>
+          <a:xfrm>
+            <a:off x="1066800" y="1441938"/>
+            <a:ext cx="10058400" cy="3600456"/>
+          </a:xfrm>
+        </p:spPr>
+        <p:txBody>
+          <a:bodyPr vert="horz" lIns="91440" tIns="45720" rIns="91440" bIns="45720" rtlCol="0" anchor="b">
+            <a:normAutofit fontScale="90000"/>
+          </a:bodyPr>
+          <a:lstStyle/>
+          <a:p>
+            <a:r>
+              <a:rPr lang="en-US" sz="6700" b="1" i="1" dirty="0"/>
+              <a:t>CONCLUSIVE</a:t>
+            </a:r>
+            <a:br>
+              <a:rPr lang="en-US" sz="6700" b="1" i="1" dirty="0"/>
+            </a:br>
+            <a:r>
+              <a:rPr lang="en-US" sz="6700" b="1" i="1" dirty="0"/>
+              <a:t>ANALYSIS &amp; FINDINGS</a:t>
+            </a:r>
+            <a:br>
+              <a:rPr lang="en-US" sz="6700" b="1" i="1" dirty="0"/>
+            </a:br>
+            <a:r>
+              <a:rPr lang="en-US" sz="6700" b="1" i="1" dirty="0"/>
+              <a:t>using Tableau</a:t>
+            </a:r>
+            <a:br>
+              <a:rPr lang="en-US" sz="4800" i="1" dirty="0"/>
+            </a:br>
+            <a:endParaRPr lang="en-US" sz="4800" i="1" dirty="0"/>
+          </a:p>
+        </p:txBody>
+      </p:sp>
+    </p:spTree>
+    <p:extLst>
+      <p:ext uri="{BB962C8B-B14F-4D97-AF65-F5344CB8AC3E}">
+        <p14:creationId xmlns:p14="http://schemas.microsoft.com/office/powerpoint/2010/main" val="1887145628"/>
+      </p:ext>
+    </p:extLst>
+  </p:cSld>
+  <p:clrMapOvr>
+    <a:masterClrMapping/>
+  </p:clrMapOvr>
+</p:sld>
+</file>
+
+<file path=ppt/slides/slide15.xml><?xml version="1.0" encoding="utf-8"?>
 <p:sld xmlns:a="http://schemas.openxmlformats.org/drawingml/2006/main" xmlns:r="http://schemas.openxmlformats.org/officeDocument/2006/relationships" xmlns:p="http://schemas.openxmlformats.org/presentationml/2006/main">
   <p:cSld>
     <p:spTree>
@@ -7793,7 +7928,7 @@
 </p:sld>
 </file>
 
-<file path=ppt/slides/slide14.xml><?xml version="1.0" encoding="utf-8"?>
+<file path=ppt/slides/slide16.xml><?xml version="1.0" encoding="utf-8"?>
 <p:sld xmlns:a="http://schemas.openxmlformats.org/drawingml/2006/main" xmlns:r="http://schemas.openxmlformats.org/officeDocument/2006/relationships" xmlns:p="http://schemas.openxmlformats.org/presentationml/2006/main">
   <p:cSld>
     <p:spTree>
@@ -7934,7 +8069,7 @@
 </p:sld>
 </file>
 
-<file path=ppt/slides/slide15.xml><?xml version="1.0" encoding="utf-8"?>
+<file path=ppt/slides/slide17.xml><?xml version="1.0" encoding="utf-8"?>
 <p:sld xmlns:a="http://schemas.openxmlformats.org/drawingml/2006/main" xmlns:r="http://schemas.openxmlformats.org/officeDocument/2006/relationships" xmlns:p="http://schemas.openxmlformats.org/presentationml/2006/main">
   <p:cSld>
     <p:spTree>
@@ -8105,335 +8240,6 @@
     <p:extLst>
       <p:ext uri="{BB962C8B-B14F-4D97-AF65-F5344CB8AC3E}">
         <p14:creationId xmlns:p14="http://schemas.microsoft.com/office/powerpoint/2010/main" val="1443344896"/>
-      </p:ext>
-    </p:extLst>
-  </p:cSld>
-  <p:clrMapOvr>
-    <a:masterClrMapping/>
-  </p:clrMapOvr>
-</p:sld>
-</file>
-
-<file path=ppt/slides/slide16.xml><?xml version="1.0" encoding="utf-8"?>
-<p:sld xmlns:a="http://schemas.openxmlformats.org/drawingml/2006/main" xmlns:r="http://schemas.openxmlformats.org/officeDocument/2006/relationships" xmlns:p="http://schemas.openxmlformats.org/presentationml/2006/main">
-  <p:cSld>
-    <p:spTree>
-      <p:nvGrpSpPr>
-        <p:cNvPr id="1" name=""/>
-        <p:cNvGrpSpPr/>
-        <p:nvPr/>
-      </p:nvGrpSpPr>
-      <p:grpSpPr>
-        <a:xfrm>
-          <a:off x="0" y="0"/>
-          <a:ext cx="0" cy="0"/>
-          <a:chOff x="0" y="0"/>
-          <a:chExt cx="0" cy="0"/>
-        </a:xfrm>
-      </p:grpSpPr>
-      <p:sp>
-        <p:nvSpPr>
-          <p:cNvPr id="4" name="Title 1">
-            <a:extLst>
-              <a:ext uri="{FF2B5EF4-FFF2-40B4-BE49-F238E27FC236}">
-                <a16:creationId xmlns:a16="http://schemas.microsoft.com/office/drawing/2014/main" id="{A078FF18-5F4F-437C-AAB0-68011A281FEE}"/>
-              </a:ext>
-            </a:extLst>
-          </p:cNvPr>
-          <p:cNvSpPr>
-            <a:spLocks noGrp="1"/>
-          </p:cNvSpPr>
-          <p:nvPr>
-            <p:ph type="title"/>
-          </p:nvPr>
-        </p:nvSpPr>
-        <p:spPr>
-          <a:xfrm>
-            <a:off x="2056217" y="293162"/>
-            <a:ext cx="8805922" cy="434245"/>
-          </a:xfrm>
-        </p:spPr>
-        <p:txBody>
-          <a:bodyPr anchor="ctr">
-            <a:noAutofit/>
-          </a:bodyPr>
-          <a:lstStyle/>
-          <a:p>
-            <a:r>
-              <a:rPr lang="en-US" sz="2800" b="1" dirty="0">
-                <a:solidFill>
-                  <a:srgbClr val="FFFFFF"/>
-                </a:solidFill>
-              </a:rPr>
-              <a:t>No Show by Appointment Time – (Top 20 time slots)</a:t>
-            </a:r>
-          </a:p>
-        </p:txBody>
-      </p:sp>
-      <p:sp>
-        <p:nvSpPr>
-          <p:cNvPr id="5" name="Content Placeholder 2053">
-            <a:extLst>
-              <a:ext uri="{FF2B5EF4-FFF2-40B4-BE49-F238E27FC236}">
-                <a16:creationId xmlns:a16="http://schemas.microsoft.com/office/drawing/2014/main" id="{BC24FFCD-78B8-4332-ACD0-987DE8123B6E}"/>
-              </a:ext>
-            </a:extLst>
-          </p:cNvPr>
-          <p:cNvSpPr>
-            <a:spLocks noGrp="1"/>
-          </p:cNvSpPr>
-          <p:nvPr>
-            <p:ph idx="1"/>
-          </p:nvPr>
-        </p:nvSpPr>
-        <p:spPr>
-          <a:xfrm>
-            <a:off x="1855433" y="879721"/>
-            <a:ext cx="8805922" cy="723150"/>
-          </a:xfrm>
-        </p:spPr>
-        <p:txBody>
-          <a:bodyPr anchor="ctr">
-            <a:normAutofit fontScale="92500" lnSpcReduction="10000"/>
-          </a:bodyPr>
-          <a:lstStyle/>
-          <a:p>
-            <a:pPr algn="ctr"/>
-            <a:r>
-              <a:rPr lang="en-US" sz="1800" dirty="0">
-                <a:solidFill>
-                  <a:srgbClr val="FFFFFF"/>
-                </a:solidFill>
-              </a:rPr>
-              <a:t>9am appointments has the highest NS rate.</a:t>
-            </a:r>
-          </a:p>
-          <a:p>
-            <a:pPr algn="ctr"/>
-            <a:r>
-              <a:rPr lang="en-US" sz="1800" dirty="0">
-                <a:solidFill>
-                  <a:srgbClr val="FFFFFF"/>
-                </a:solidFill>
-              </a:rPr>
-              <a:t>Tuesday had the highest NS rate among all the time slots</a:t>
-            </a:r>
-          </a:p>
-        </p:txBody>
-      </p:sp>
-      <p:pic>
-        <p:nvPicPr>
-          <p:cNvPr id="6" name="Picture 5">
-            <a:extLst>
-              <a:ext uri="{FF2B5EF4-FFF2-40B4-BE49-F238E27FC236}">
-                <a16:creationId xmlns:a16="http://schemas.microsoft.com/office/drawing/2014/main" id="{6234A6EA-7390-47B8-A270-49CFB45C05D7}"/>
-              </a:ext>
-            </a:extLst>
-          </p:cNvPr>
-          <p:cNvPicPr>
-            <a:picLocks noChangeAspect="1"/>
-          </p:cNvPicPr>
-          <p:nvPr/>
-        </p:nvPicPr>
-        <p:blipFill>
-          <a:blip r:embed="rId2"/>
-          <a:stretch>
-            <a:fillRect/>
-          </a:stretch>
-        </p:blipFill>
-        <p:spPr>
-          <a:xfrm>
-            <a:off x="476250" y="1672607"/>
-            <a:ext cx="11239500" cy="4746779"/>
-          </a:xfrm>
-          <a:prstGeom prst="rect">
-            <a:avLst/>
-          </a:prstGeom>
-        </p:spPr>
-      </p:pic>
-      <p:pic>
-        <p:nvPicPr>
-          <p:cNvPr id="7" name="Picture 6">
-            <a:extLst>
-              <a:ext uri="{FF2B5EF4-FFF2-40B4-BE49-F238E27FC236}">
-                <a16:creationId xmlns:a16="http://schemas.microsoft.com/office/drawing/2014/main" id="{6FD2EB03-0AE7-42A9-9BD1-130162CBEEFD}"/>
-              </a:ext>
-            </a:extLst>
-          </p:cNvPr>
-          <p:cNvPicPr>
-            <a:picLocks noChangeAspect="1"/>
-          </p:cNvPicPr>
-          <p:nvPr/>
-        </p:nvPicPr>
-        <p:blipFill>
-          <a:blip r:embed="rId3"/>
-          <a:stretch>
-            <a:fillRect/>
-          </a:stretch>
-        </p:blipFill>
-        <p:spPr>
-          <a:xfrm>
-            <a:off x="9829800" y="4876337"/>
-            <a:ext cx="1885950" cy="1543050"/>
-          </a:xfrm>
-          <a:prstGeom prst="rect">
-            <a:avLst/>
-          </a:prstGeom>
-        </p:spPr>
-      </p:pic>
-    </p:spTree>
-    <p:extLst>
-      <p:ext uri="{BB962C8B-B14F-4D97-AF65-F5344CB8AC3E}">
-        <p14:creationId xmlns:p14="http://schemas.microsoft.com/office/powerpoint/2010/main" val="3741109863"/>
-      </p:ext>
-    </p:extLst>
-  </p:cSld>
-  <p:clrMapOvr>
-    <a:masterClrMapping/>
-  </p:clrMapOvr>
-</p:sld>
-</file>
-
-<file path=ppt/slides/slide17.xml><?xml version="1.0" encoding="utf-8"?>
-<p:sld xmlns:a="http://schemas.openxmlformats.org/drawingml/2006/main" xmlns:r="http://schemas.openxmlformats.org/officeDocument/2006/relationships" xmlns:p="http://schemas.openxmlformats.org/presentationml/2006/main">
-  <p:cSld>
-    <p:spTree>
-      <p:nvGrpSpPr>
-        <p:cNvPr id="1" name=""/>
-        <p:cNvGrpSpPr/>
-        <p:nvPr/>
-      </p:nvGrpSpPr>
-      <p:grpSpPr>
-        <a:xfrm>
-          <a:off x="0" y="0"/>
-          <a:ext cx="0" cy="0"/>
-          <a:chOff x="0" y="0"/>
-          <a:chExt cx="0" cy="0"/>
-        </a:xfrm>
-      </p:grpSpPr>
-      <p:sp>
-        <p:nvSpPr>
-          <p:cNvPr id="4" name="Title 1">
-            <a:extLst>
-              <a:ext uri="{FF2B5EF4-FFF2-40B4-BE49-F238E27FC236}">
-                <a16:creationId xmlns:a16="http://schemas.microsoft.com/office/drawing/2014/main" id="{A078FF18-5F4F-437C-AAB0-68011A281FEE}"/>
-              </a:ext>
-            </a:extLst>
-          </p:cNvPr>
-          <p:cNvSpPr>
-            <a:spLocks noGrp="1"/>
-          </p:cNvSpPr>
-          <p:nvPr>
-            <p:ph type="title"/>
-          </p:nvPr>
-        </p:nvSpPr>
-        <p:spPr>
-          <a:xfrm>
-            <a:off x="2328874" y="179075"/>
-            <a:ext cx="7529060" cy="434245"/>
-          </a:xfrm>
-        </p:spPr>
-        <p:txBody>
-          <a:bodyPr anchor="ctr">
-            <a:normAutofit fontScale="90000"/>
-          </a:bodyPr>
-          <a:lstStyle/>
-          <a:p>
-            <a:r>
-              <a:rPr lang="en-US" sz="2800" b="1" dirty="0">
-                <a:solidFill>
-                  <a:srgbClr val="FFFFFF"/>
-                </a:solidFill>
-              </a:rPr>
-              <a:t>No Show Rate by month and estimated lost revenue </a:t>
-            </a:r>
-          </a:p>
-        </p:txBody>
-      </p:sp>
-      <p:sp>
-        <p:nvSpPr>
-          <p:cNvPr id="5" name="Content Placeholder 2053">
-            <a:extLst>
-              <a:ext uri="{FF2B5EF4-FFF2-40B4-BE49-F238E27FC236}">
-                <a16:creationId xmlns:a16="http://schemas.microsoft.com/office/drawing/2014/main" id="{BC24FFCD-78B8-4332-ACD0-987DE8123B6E}"/>
-              </a:ext>
-            </a:extLst>
-          </p:cNvPr>
-          <p:cNvSpPr>
-            <a:spLocks noGrp="1"/>
-          </p:cNvSpPr>
-          <p:nvPr>
-            <p:ph idx="1"/>
-          </p:nvPr>
-        </p:nvSpPr>
-        <p:spPr>
-          <a:xfrm>
-            <a:off x="1695635" y="613320"/>
-            <a:ext cx="8805922" cy="723150"/>
-          </a:xfrm>
-        </p:spPr>
-        <p:txBody>
-          <a:bodyPr anchor="ctr">
-            <a:normAutofit fontScale="77500" lnSpcReduction="20000"/>
-          </a:bodyPr>
-          <a:lstStyle/>
-          <a:p>
-            <a:pPr algn="ctr"/>
-            <a:r>
-              <a:rPr lang="en-US" dirty="0">
-                <a:solidFill>
-                  <a:srgbClr val="FFFFFF"/>
-                </a:solidFill>
-              </a:rPr>
-              <a:t>There is a direct correlation between no show rate and lost revenue opportunity</a:t>
-            </a:r>
-          </a:p>
-          <a:p>
-            <a:r>
-              <a:rPr lang="en-US" dirty="0">
-                <a:solidFill>
-                  <a:srgbClr val="FFFFFF"/>
-                </a:solidFill>
-              </a:rPr>
-              <a:t>The month of October recorded the highest lost in revenue due to NS for the fiscal year 2020</a:t>
-            </a:r>
-          </a:p>
-        </p:txBody>
-      </p:sp>
-      <p:pic>
-        <p:nvPicPr>
-          <p:cNvPr id="3" name="Picture 2">
-            <a:extLst>
-              <a:ext uri="{FF2B5EF4-FFF2-40B4-BE49-F238E27FC236}">
-                <a16:creationId xmlns:a16="http://schemas.microsoft.com/office/drawing/2014/main" id="{1EDA35C7-EEA5-4619-9207-873FF7B23E43}"/>
-              </a:ext>
-            </a:extLst>
-          </p:cNvPr>
-          <p:cNvPicPr>
-            <a:picLocks noChangeAspect="1"/>
-          </p:cNvPicPr>
-          <p:nvPr/>
-        </p:nvPicPr>
-        <p:blipFill>
-          <a:blip r:embed="rId2"/>
-          <a:stretch>
-            <a:fillRect/>
-          </a:stretch>
-        </p:blipFill>
-        <p:spPr>
-          <a:xfrm>
-            <a:off x="1690443" y="1336470"/>
-            <a:ext cx="8805922" cy="5126990"/>
-          </a:xfrm>
-          <a:prstGeom prst="rect">
-            <a:avLst/>
-          </a:prstGeom>
-        </p:spPr>
-      </p:pic>
-    </p:spTree>
-    <p:extLst>
-      <p:ext uri="{BB962C8B-B14F-4D97-AF65-F5344CB8AC3E}">
-        <p14:creationId xmlns:p14="http://schemas.microsoft.com/office/powerpoint/2010/main" val="1245698488"/>
       </p:ext>
     </p:extLst>
   </p:cSld>
@@ -8478,13 +8284,13 @@
         </p:nvSpPr>
         <p:spPr>
           <a:xfrm>
-            <a:off x="3106065" y="99176"/>
-            <a:ext cx="6326095" cy="593282"/>
+            <a:off x="2056217" y="293162"/>
+            <a:ext cx="8805922" cy="434245"/>
           </a:xfrm>
         </p:spPr>
         <p:txBody>
           <a:bodyPr anchor="ctr">
-            <a:normAutofit/>
+            <a:noAutofit/>
           </a:bodyPr>
           <a:lstStyle/>
           <a:p>
@@ -8494,7 +8300,7 @@
                   <a:srgbClr val="FFFFFF"/>
                 </a:solidFill>
               </a:rPr>
-              <a:t>No Show Rate by Gender and Age</a:t>
+              <a:t>No Show by Appointment Time – (Top 20 time slots)</a:t>
             </a:r>
           </a:p>
         </p:txBody>
@@ -8517,36 +8323,45 @@
         </p:nvSpPr>
         <p:spPr>
           <a:xfrm>
-            <a:off x="1260628" y="579082"/>
-            <a:ext cx="10016971" cy="723150"/>
+            <a:off x="1855433" y="879721"/>
+            <a:ext cx="8805922" cy="723150"/>
           </a:xfrm>
         </p:spPr>
         <p:txBody>
           <a:bodyPr anchor="ctr">
-            <a:normAutofit/>
+            <a:normAutofit fontScale="92500" lnSpcReduction="10000"/>
           </a:bodyPr>
           <a:lstStyle/>
           <a:p>
-            <a:pPr marL="36900" indent="0">
-              <a:buNone/>
-            </a:pPr>
-            <a:r>
-              <a:rPr lang="en-US" dirty="0">
+            <a:pPr algn="ctr"/>
+            <a:r>
+              <a:rPr lang="en-US" sz="1800" dirty="0">
                 <a:solidFill>
                   <a:srgbClr val="FFFFFF"/>
                 </a:solidFill>
               </a:rPr>
-              <a:t>Median age of Male patients tend to be higher than female among the NS population</a:t>
+              <a:t>9am appointments has the highest NS rate.</a:t>
+            </a:r>
+          </a:p>
+          <a:p>
+            <a:pPr algn="ctr"/>
+            <a:r>
+              <a:rPr lang="en-US" sz="1800" dirty="0">
+                <a:solidFill>
+                  <a:srgbClr val="FFFFFF"/>
+                </a:solidFill>
+              </a:rPr>
+              <a:t>Tuesday had the highest NS rate among all the time slots</a:t>
             </a:r>
           </a:p>
         </p:txBody>
       </p:sp>
       <p:pic>
         <p:nvPicPr>
-          <p:cNvPr id="7" name="Picture 6">
+          <p:cNvPr id="6" name="Picture 5">
             <a:extLst>
               <a:ext uri="{FF2B5EF4-FFF2-40B4-BE49-F238E27FC236}">
-                <a16:creationId xmlns:a16="http://schemas.microsoft.com/office/drawing/2014/main" id="{B3B9B408-61D5-4D9F-AEB6-552851570D55}"/>
+                <a16:creationId xmlns:a16="http://schemas.microsoft.com/office/drawing/2014/main" id="{6234A6EA-7390-47B8-A270-49CFB45C05D7}"/>
               </a:ext>
             </a:extLst>
           </p:cNvPr>
@@ -8563,8 +8378,8 @@
         </p:blipFill>
         <p:spPr>
           <a:xfrm>
-            <a:off x="1260626" y="1172364"/>
-            <a:ext cx="10016971" cy="5315560"/>
+            <a:off x="476250" y="1672607"/>
+            <a:ext cx="11239500" cy="4746779"/>
           </a:xfrm>
           <a:prstGeom prst="rect">
             <a:avLst/>
@@ -8573,10 +8388,10 @@
       </p:pic>
       <p:pic>
         <p:nvPicPr>
-          <p:cNvPr id="8" name="Picture 7">
+          <p:cNvPr id="7" name="Picture 6">
             <a:extLst>
               <a:ext uri="{FF2B5EF4-FFF2-40B4-BE49-F238E27FC236}">
-                <a16:creationId xmlns:a16="http://schemas.microsoft.com/office/drawing/2014/main" id="{A4E91CFF-0691-4DE9-A0C4-EB3C07841BDB}"/>
+                <a16:creationId xmlns:a16="http://schemas.microsoft.com/office/drawing/2014/main" id="{6FD2EB03-0AE7-42A9-9BD1-130162CBEEFD}"/>
               </a:ext>
             </a:extLst>
           </p:cNvPr>
@@ -8593,38 +8408,8 @@
         </p:blipFill>
         <p:spPr>
           <a:xfrm>
-            <a:off x="4518734" y="4956487"/>
-            <a:ext cx="1162326" cy="932731"/>
-          </a:xfrm>
-          <a:prstGeom prst="rect">
-            <a:avLst/>
-          </a:prstGeom>
-        </p:spPr>
-      </p:pic>
-      <p:pic>
-        <p:nvPicPr>
-          <p:cNvPr id="9" name="Picture 8">
-            <a:extLst>
-              <a:ext uri="{FF2B5EF4-FFF2-40B4-BE49-F238E27FC236}">
-                <a16:creationId xmlns:a16="http://schemas.microsoft.com/office/drawing/2014/main" id="{5D6AD67C-544B-4D1B-AB70-CD6D1A1395E6}"/>
-              </a:ext>
-            </a:extLst>
-          </p:cNvPr>
-          <p:cNvPicPr>
-            <a:picLocks noChangeAspect="1"/>
-          </p:cNvPicPr>
-          <p:nvPr/>
-        </p:nvPicPr>
-        <p:blipFill>
-          <a:blip r:embed="rId4"/>
-          <a:stretch>
-            <a:fillRect/>
-          </a:stretch>
-        </p:blipFill>
-        <p:spPr>
-          <a:xfrm>
-            <a:off x="9676067" y="4956487"/>
-            <a:ext cx="1162326" cy="960856"/>
+            <a:off x="9829800" y="4876337"/>
+            <a:ext cx="1885950" cy="1543050"/>
           </a:xfrm>
           <a:prstGeom prst="rect">
             <a:avLst/>
@@ -8634,7 +8419,7 @@
     </p:spTree>
     <p:extLst>
       <p:ext uri="{BB962C8B-B14F-4D97-AF65-F5344CB8AC3E}">
-        <p14:creationId xmlns:p14="http://schemas.microsoft.com/office/powerpoint/2010/main" val="1567628025"/>
+        <p14:creationId xmlns:p14="http://schemas.microsoft.com/office/powerpoint/2010/main" val="3741109863"/>
       </p:ext>
     </p:extLst>
   </p:cSld>
@@ -8679,8 +8464,8 @@
         </p:nvSpPr>
         <p:spPr>
           <a:xfrm>
-            <a:off x="2511261" y="50845"/>
-            <a:ext cx="7032234" cy="863556"/>
+            <a:off x="2328874" y="179075"/>
+            <a:ext cx="7529060" cy="434245"/>
           </a:xfrm>
         </p:spPr>
         <p:txBody>
@@ -8695,7 +8480,7 @@
                   <a:srgbClr val="FFFFFF"/>
                 </a:solidFill>
               </a:rPr>
-              <a:t>No Show Rate on Non-Major Holidays (&gt;70)</a:t>
+              <a:t>No Show Rate by month and estimated lost revenue </a:t>
             </a:r>
           </a:p>
         </p:txBody>
@@ -8718,39 +8503,34 @@
         </p:nvSpPr>
         <p:spPr>
           <a:xfrm>
-            <a:off x="1167410" y="809901"/>
-            <a:ext cx="10016971" cy="723150"/>
+            <a:off x="1695635" y="613320"/>
+            <a:ext cx="8805922" cy="723150"/>
           </a:xfrm>
         </p:spPr>
         <p:txBody>
           <a:bodyPr anchor="ctr">
-            <a:normAutofit fontScale="92500" lnSpcReduction="20000"/>
+            <a:normAutofit fontScale="77500" lnSpcReduction="20000"/>
           </a:bodyPr>
           <a:lstStyle/>
           <a:p>
-            <a:pPr marL="36900" indent="0" algn="ctr">
-              <a:buNone/>
-            </a:pPr>
+            <a:pPr algn="ctr"/>
             <a:r>
               <a:rPr lang="en-US" dirty="0">
                 <a:solidFill>
                   <a:srgbClr val="FFFFFF"/>
                 </a:solidFill>
               </a:rPr>
-              <a:t>Orthodox- Christmas, Diwali(Day After) and Cyber Monday topped the list </a:t>
-            </a:r>
-          </a:p>
-          <a:p>
-            <a:pPr marL="36900" indent="0" algn="ctr">
-              <a:buNone/>
-            </a:pPr>
+              <a:t>There is a direct correlation between no show rate and lost revenue opportunity</a:t>
+            </a:r>
+          </a:p>
+          <a:p>
             <a:r>
               <a:rPr lang="en-US" dirty="0">
                 <a:solidFill>
                   <a:srgbClr val="FFFFFF"/>
                 </a:solidFill>
               </a:rPr>
-              <a:t>among the non major holiday with the highest NS rate.</a:t>
+              <a:t>The month of October recorded the highest lost in revenue due to NS for the fiscal year 2020</a:t>
             </a:r>
           </a:p>
         </p:txBody>
@@ -8760,7 +8540,7 @@
           <p:cNvPr id="3" name="Picture 2">
             <a:extLst>
               <a:ext uri="{FF2B5EF4-FFF2-40B4-BE49-F238E27FC236}">
-                <a16:creationId xmlns:a16="http://schemas.microsoft.com/office/drawing/2014/main" id="{175820B9-F223-4C32-8442-810841CE362E}"/>
+                <a16:creationId xmlns:a16="http://schemas.microsoft.com/office/drawing/2014/main" id="{1EDA35C7-EEA5-4619-9207-873FF7B23E43}"/>
               </a:ext>
             </a:extLst>
           </p:cNvPr>
@@ -8777,8 +8557,8 @@
         </p:blipFill>
         <p:spPr>
           <a:xfrm>
-            <a:off x="1686187" y="1673457"/>
-            <a:ext cx="9051721" cy="4930615"/>
+            <a:off x="1690443" y="1336470"/>
+            <a:ext cx="8805922" cy="5126990"/>
           </a:xfrm>
           <a:prstGeom prst="rect">
             <a:avLst/>
@@ -8788,7 +8568,7 @@
     </p:spTree>
     <p:extLst>
       <p:ext uri="{BB962C8B-B14F-4D97-AF65-F5344CB8AC3E}">
-        <p14:creationId xmlns:p14="http://schemas.microsoft.com/office/powerpoint/2010/main" val="1370630511"/>
+        <p14:creationId xmlns:p14="http://schemas.microsoft.com/office/powerpoint/2010/main" val="1245698488"/>
       </p:ext>
     </p:extLst>
   </p:cSld>
@@ -9034,8 +8814,8 @@
         </p:nvSpPr>
         <p:spPr>
           <a:xfrm>
-            <a:off x="2511261" y="50845"/>
-            <a:ext cx="7032234" cy="863556"/>
+            <a:off x="3106065" y="99176"/>
+            <a:ext cx="6326095" cy="593282"/>
           </a:xfrm>
         </p:spPr>
         <p:txBody>
@@ -9045,12 +8825,12 @@
           <a:lstStyle/>
           <a:p>
             <a:r>
-              <a:rPr lang="en-US" sz="2800" dirty="0">
+              <a:rPr lang="en-US" sz="2800" b="1" dirty="0">
                 <a:solidFill>
                   <a:srgbClr val="FFFFFF"/>
                 </a:solidFill>
               </a:rPr>
-              <a:t>Temp correlation with No Show rate</a:t>
+              <a:t>No Show Rate by Gender and Age</a:t>
             </a:r>
           </a:p>
         </p:txBody>
@@ -9073,7 +8853,7 @@
         </p:nvSpPr>
         <p:spPr>
           <a:xfrm>
-            <a:off x="1478128" y="801023"/>
+            <a:off x="1260628" y="579082"/>
             <a:ext cx="10016971" cy="723150"/>
           </a:xfrm>
         </p:spPr>
@@ -9083,23 +8863,26 @@
           </a:bodyPr>
           <a:lstStyle/>
           <a:p>
+            <a:pPr marL="36900" indent="0">
+              <a:buNone/>
+            </a:pPr>
             <a:r>
               <a:rPr lang="en-US" dirty="0">
                 <a:solidFill>
                   <a:srgbClr val="FFFFFF"/>
                 </a:solidFill>
               </a:rPr>
-              <a:t>Higher temperature directly correlate with higher no show rate with June being the month with 229% increase in NSR compare to the month of May</a:t>
+              <a:t>Median age of Male patients tend to be higher than female among the NS population</a:t>
             </a:r>
           </a:p>
         </p:txBody>
       </p:sp>
       <p:pic>
         <p:nvPicPr>
-          <p:cNvPr id="6" name="Picture 5">
+          <p:cNvPr id="7" name="Picture 6">
             <a:extLst>
               <a:ext uri="{FF2B5EF4-FFF2-40B4-BE49-F238E27FC236}">
-                <a16:creationId xmlns:a16="http://schemas.microsoft.com/office/drawing/2014/main" id="{A79D4721-F242-4898-9E79-0ED4D9A835BE}"/>
+                <a16:creationId xmlns:a16="http://schemas.microsoft.com/office/drawing/2014/main" id="{B3B9B408-61D5-4D9F-AEB6-552851570D55}"/>
               </a:ext>
             </a:extLst>
           </p:cNvPr>
@@ -9116,8 +8899,68 @@
         </p:blipFill>
         <p:spPr>
           <a:xfrm>
-            <a:off x="1544715" y="1524173"/>
-            <a:ext cx="9608598" cy="5164537"/>
+            <a:off x="1260626" y="1172364"/>
+            <a:ext cx="10016971" cy="5315560"/>
+          </a:xfrm>
+          <a:prstGeom prst="rect">
+            <a:avLst/>
+          </a:prstGeom>
+        </p:spPr>
+      </p:pic>
+      <p:pic>
+        <p:nvPicPr>
+          <p:cNvPr id="8" name="Picture 7">
+            <a:extLst>
+              <a:ext uri="{FF2B5EF4-FFF2-40B4-BE49-F238E27FC236}">
+                <a16:creationId xmlns:a16="http://schemas.microsoft.com/office/drawing/2014/main" id="{A4E91CFF-0691-4DE9-A0C4-EB3C07841BDB}"/>
+              </a:ext>
+            </a:extLst>
+          </p:cNvPr>
+          <p:cNvPicPr>
+            <a:picLocks noChangeAspect="1"/>
+          </p:cNvPicPr>
+          <p:nvPr/>
+        </p:nvPicPr>
+        <p:blipFill>
+          <a:blip r:embed="rId3"/>
+          <a:stretch>
+            <a:fillRect/>
+          </a:stretch>
+        </p:blipFill>
+        <p:spPr>
+          <a:xfrm>
+            <a:off x="4518734" y="4956487"/>
+            <a:ext cx="1162326" cy="932731"/>
+          </a:xfrm>
+          <a:prstGeom prst="rect">
+            <a:avLst/>
+          </a:prstGeom>
+        </p:spPr>
+      </p:pic>
+      <p:pic>
+        <p:nvPicPr>
+          <p:cNvPr id="9" name="Picture 8">
+            <a:extLst>
+              <a:ext uri="{FF2B5EF4-FFF2-40B4-BE49-F238E27FC236}">
+                <a16:creationId xmlns:a16="http://schemas.microsoft.com/office/drawing/2014/main" id="{5D6AD67C-544B-4D1B-AB70-CD6D1A1395E6}"/>
+              </a:ext>
+            </a:extLst>
+          </p:cNvPr>
+          <p:cNvPicPr>
+            <a:picLocks noChangeAspect="1"/>
+          </p:cNvPicPr>
+          <p:nvPr/>
+        </p:nvPicPr>
+        <p:blipFill>
+          <a:blip r:embed="rId4"/>
+          <a:stretch>
+            <a:fillRect/>
+          </a:stretch>
+        </p:blipFill>
+        <p:spPr>
+          <a:xfrm>
+            <a:off x="9676067" y="4956487"/>
+            <a:ext cx="1162326" cy="960856"/>
           </a:xfrm>
           <a:prstGeom prst="rect">
             <a:avLst/>
@@ -9127,7 +8970,7 @@
     </p:spTree>
     <p:extLst>
       <p:ext uri="{BB962C8B-B14F-4D97-AF65-F5344CB8AC3E}">
-        <p14:creationId xmlns:p14="http://schemas.microsoft.com/office/powerpoint/2010/main" val="545455577"/>
+        <p14:creationId xmlns:p14="http://schemas.microsoft.com/office/powerpoint/2010/main" val="1567628025"/>
       </p:ext>
     </p:extLst>
   </p:cSld>
@@ -9172,13 +9015,13 @@
         </p:nvSpPr>
         <p:spPr>
           <a:xfrm>
-            <a:off x="1922015" y="143124"/>
-            <a:ext cx="8216288" cy="863556"/>
+            <a:off x="2511261" y="50845"/>
+            <a:ext cx="7032234" cy="863556"/>
           </a:xfrm>
         </p:spPr>
         <p:txBody>
           <a:bodyPr anchor="ctr">
-            <a:normAutofit/>
+            <a:normAutofit fontScale="90000"/>
           </a:bodyPr>
           <a:lstStyle/>
           <a:p>
@@ -9188,7 +9031,7 @@
                   <a:srgbClr val="FFFFFF"/>
                 </a:solidFill>
               </a:rPr>
-              <a:t>Weather Type Correlation with No Show rate</a:t>
+              <a:t>No Show Rate on Non-Major Holidays (&gt;70)</a:t>
             </a:r>
           </a:p>
         </p:txBody>
@@ -9211,13 +9054,13 @@
         </p:nvSpPr>
         <p:spPr>
           <a:xfrm>
-            <a:off x="2064055" y="783268"/>
-            <a:ext cx="8216288" cy="723150"/>
+            <a:off x="1167410" y="809901"/>
+            <a:ext cx="10016971" cy="723150"/>
           </a:xfrm>
         </p:spPr>
         <p:txBody>
           <a:bodyPr anchor="ctr">
-            <a:normAutofit/>
+            <a:normAutofit fontScale="92500" lnSpcReduction="20000"/>
           </a:bodyPr>
           <a:lstStyle/>
           <a:p>
@@ -9230,17 +9073,30 @@
                   <a:srgbClr val="FFFFFF"/>
                 </a:solidFill>
               </a:rPr>
-              <a:t>42% of total no show days had weather type of rain associated with it</a:t>
+              <a:t>Orthodox- Christmas, Diwali(Day After) and Cyber Monday topped the list </a:t>
+            </a:r>
+          </a:p>
+          <a:p>
+            <a:pPr marL="36900" indent="0" algn="ctr">
+              <a:buNone/>
+            </a:pPr>
+            <a:r>
+              <a:rPr lang="en-US" dirty="0">
+                <a:solidFill>
+                  <a:srgbClr val="FFFFFF"/>
+                </a:solidFill>
+              </a:rPr>
+              <a:t>among the non major holiday with the highest NS rate.</a:t>
             </a:r>
           </a:p>
         </p:txBody>
       </p:sp>
       <p:pic>
         <p:nvPicPr>
-          <p:cNvPr id="2" name="Picture 1">
+          <p:cNvPr id="3" name="Picture 2">
             <a:extLst>
               <a:ext uri="{FF2B5EF4-FFF2-40B4-BE49-F238E27FC236}">
-                <a16:creationId xmlns:a16="http://schemas.microsoft.com/office/drawing/2014/main" id="{EDBAC533-D336-45AB-831A-B3A583EC0835}"/>
+                <a16:creationId xmlns:a16="http://schemas.microsoft.com/office/drawing/2014/main" id="{175820B9-F223-4C32-8442-810841CE362E}"/>
               </a:ext>
             </a:extLst>
           </p:cNvPr>
@@ -9257,8 +9113,8 @@
         </p:blipFill>
         <p:spPr>
           <a:xfrm>
-            <a:off x="1840200" y="1414140"/>
-            <a:ext cx="8663997" cy="4927938"/>
+            <a:off x="1686187" y="1673457"/>
+            <a:ext cx="9051721" cy="4930615"/>
           </a:xfrm>
           <a:prstGeom prst="rect">
             <a:avLst/>
@@ -9268,7 +9124,7 @@
     </p:spTree>
     <p:extLst>
       <p:ext uri="{BB962C8B-B14F-4D97-AF65-F5344CB8AC3E}">
-        <p14:creationId xmlns:p14="http://schemas.microsoft.com/office/powerpoint/2010/main" val="484230712"/>
+        <p14:creationId xmlns:p14="http://schemas.microsoft.com/office/powerpoint/2010/main" val="1370630511"/>
       </p:ext>
     </p:extLst>
   </p:cSld>
@@ -9313,7 +9169,7 @@
         </p:nvSpPr>
         <p:spPr>
           <a:xfrm>
-            <a:off x="2336276" y="324953"/>
+            <a:off x="2511261" y="50845"/>
             <a:ext cx="7032234" cy="863556"/>
           </a:xfrm>
         </p:spPr>
@@ -9324,12 +9180,12 @@
           <a:lstStyle/>
           <a:p>
             <a:r>
-              <a:rPr lang="en-US" sz="3200" b="1" dirty="0">
+              <a:rPr lang="en-US" sz="2800" dirty="0">
                 <a:solidFill>
                   <a:srgbClr val="FFFFFF"/>
                 </a:solidFill>
               </a:rPr>
-              <a:t>No Show Rate by PCP</a:t>
+              <a:t>Temp correlation with No Show rate</a:t>
             </a:r>
           </a:p>
         </p:txBody>
@@ -9352,8 +9208,8 @@
         </p:nvSpPr>
         <p:spPr>
           <a:xfrm>
-            <a:off x="2194777" y="999157"/>
-            <a:ext cx="8216288" cy="723150"/>
+            <a:off x="1478128" y="801023"/>
+            <a:ext cx="10016971" cy="723150"/>
           </a:xfrm>
         </p:spPr>
         <p:txBody>
@@ -9368,17 +9224,17 @@
                   <a:srgbClr val="FFFFFF"/>
                 </a:solidFill>
               </a:rPr>
-              <a:t>24% of total no show patient has community-based PCP </a:t>
+              <a:t>Higher temperature directly correlate with higher no show rate with June being the month with 229% increase in NSR compare to the month of May</a:t>
             </a:r>
           </a:p>
         </p:txBody>
       </p:sp>
       <p:pic>
         <p:nvPicPr>
-          <p:cNvPr id="3" name="Picture 2">
+          <p:cNvPr id="6" name="Picture 5">
             <a:extLst>
               <a:ext uri="{FF2B5EF4-FFF2-40B4-BE49-F238E27FC236}">
-                <a16:creationId xmlns:a16="http://schemas.microsoft.com/office/drawing/2014/main" id="{B5088822-D3EC-4A11-9C95-71EDBE66AE30}"/>
+                <a16:creationId xmlns:a16="http://schemas.microsoft.com/office/drawing/2014/main" id="{A79D4721-F242-4898-9E79-0ED4D9A835BE}"/>
               </a:ext>
             </a:extLst>
           </p:cNvPr>
@@ -9395,8 +9251,8 @@
         </p:blipFill>
         <p:spPr>
           <a:xfrm>
-            <a:off x="1081036" y="1818181"/>
-            <a:ext cx="10104828" cy="4458331"/>
+            <a:off x="1544715" y="1524173"/>
+            <a:ext cx="9608598" cy="5164537"/>
           </a:xfrm>
           <a:prstGeom prst="rect">
             <a:avLst/>
@@ -9406,7 +9262,7 @@
     </p:spTree>
     <p:extLst>
       <p:ext uri="{BB962C8B-B14F-4D97-AF65-F5344CB8AC3E}">
-        <p14:creationId xmlns:p14="http://schemas.microsoft.com/office/powerpoint/2010/main" val="2781722536"/>
+        <p14:creationId xmlns:p14="http://schemas.microsoft.com/office/powerpoint/2010/main" val="545455577"/>
       </p:ext>
     </p:extLst>
   </p:cSld>
@@ -9438,6 +9294,439 @@
           <p:cNvPr id="4" name="Title 1">
             <a:extLst>
               <a:ext uri="{FF2B5EF4-FFF2-40B4-BE49-F238E27FC236}">
+                <a16:creationId xmlns:a16="http://schemas.microsoft.com/office/drawing/2014/main" id="{A078FF18-5F4F-437C-AAB0-68011A281FEE}"/>
+              </a:ext>
+            </a:extLst>
+          </p:cNvPr>
+          <p:cNvSpPr>
+            <a:spLocks noGrp="1"/>
+          </p:cNvSpPr>
+          <p:nvPr>
+            <p:ph type="title"/>
+          </p:nvPr>
+        </p:nvSpPr>
+        <p:spPr>
+          <a:xfrm>
+            <a:off x="1922015" y="143124"/>
+            <a:ext cx="8216288" cy="863556"/>
+          </a:xfrm>
+        </p:spPr>
+        <p:txBody>
+          <a:bodyPr anchor="ctr">
+            <a:normAutofit/>
+          </a:bodyPr>
+          <a:lstStyle/>
+          <a:p>
+            <a:r>
+              <a:rPr lang="en-US" sz="2800" b="1" dirty="0">
+                <a:solidFill>
+                  <a:srgbClr val="FFFFFF"/>
+                </a:solidFill>
+              </a:rPr>
+              <a:t>Weather Type Correlation with No Show rate</a:t>
+            </a:r>
+          </a:p>
+        </p:txBody>
+      </p:sp>
+      <p:sp>
+        <p:nvSpPr>
+          <p:cNvPr id="5" name="Content Placeholder 2053">
+            <a:extLst>
+              <a:ext uri="{FF2B5EF4-FFF2-40B4-BE49-F238E27FC236}">
+                <a16:creationId xmlns:a16="http://schemas.microsoft.com/office/drawing/2014/main" id="{BC24FFCD-78B8-4332-ACD0-987DE8123B6E}"/>
+              </a:ext>
+            </a:extLst>
+          </p:cNvPr>
+          <p:cNvSpPr>
+            <a:spLocks noGrp="1"/>
+          </p:cNvSpPr>
+          <p:nvPr>
+            <p:ph idx="1"/>
+          </p:nvPr>
+        </p:nvSpPr>
+        <p:spPr>
+          <a:xfrm>
+            <a:off x="2064055" y="783268"/>
+            <a:ext cx="8216288" cy="723150"/>
+          </a:xfrm>
+        </p:spPr>
+        <p:txBody>
+          <a:bodyPr anchor="ctr">
+            <a:normAutofit/>
+          </a:bodyPr>
+          <a:lstStyle/>
+          <a:p>
+            <a:pPr marL="36900" indent="0" algn="ctr">
+              <a:buNone/>
+            </a:pPr>
+            <a:r>
+              <a:rPr lang="en-US" dirty="0">
+                <a:solidFill>
+                  <a:srgbClr val="FFFFFF"/>
+                </a:solidFill>
+              </a:rPr>
+              <a:t>42% of total no show days had weather type of rain associated with it</a:t>
+            </a:r>
+          </a:p>
+        </p:txBody>
+      </p:sp>
+      <p:pic>
+        <p:nvPicPr>
+          <p:cNvPr id="2" name="Picture 1">
+            <a:extLst>
+              <a:ext uri="{FF2B5EF4-FFF2-40B4-BE49-F238E27FC236}">
+                <a16:creationId xmlns:a16="http://schemas.microsoft.com/office/drawing/2014/main" id="{EDBAC533-D336-45AB-831A-B3A583EC0835}"/>
+              </a:ext>
+            </a:extLst>
+          </p:cNvPr>
+          <p:cNvPicPr>
+            <a:picLocks noChangeAspect="1"/>
+          </p:cNvPicPr>
+          <p:nvPr/>
+        </p:nvPicPr>
+        <p:blipFill>
+          <a:blip r:embed="rId2"/>
+          <a:stretch>
+            <a:fillRect/>
+          </a:stretch>
+        </p:blipFill>
+        <p:spPr>
+          <a:xfrm>
+            <a:off x="1840200" y="1414140"/>
+            <a:ext cx="8663997" cy="4927938"/>
+          </a:xfrm>
+          <a:prstGeom prst="rect">
+            <a:avLst/>
+          </a:prstGeom>
+        </p:spPr>
+      </p:pic>
+    </p:spTree>
+    <p:extLst>
+      <p:ext uri="{BB962C8B-B14F-4D97-AF65-F5344CB8AC3E}">
+        <p14:creationId xmlns:p14="http://schemas.microsoft.com/office/powerpoint/2010/main" val="484230712"/>
+      </p:ext>
+    </p:extLst>
+  </p:cSld>
+  <p:clrMapOvr>
+    <a:masterClrMapping/>
+  </p:clrMapOvr>
+</p:sld>
+</file>
+
+<file path=ppt/slides/slide24.xml><?xml version="1.0" encoding="utf-8"?>
+<p:sld xmlns:a="http://schemas.openxmlformats.org/drawingml/2006/main" xmlns:r="http://schemas.openxmlformats.org/officeDocument/2006/relationships" xmlns:p="http://schemas.openxmlformats.org/presentationml/2006/main">
+  <p:cSld>
+    <p:spTree>
+      <p:nvGrpSpPr>
+        <p:cNvPr id="1" name=""/>
+        <p:cNvGrpSpPr/>
+        <p:nvPr/>
+      </p:nvGrpSpPr>
+      <p:grpSpPr>
+        <a:xfrm>
+          <a:off x="0" y="0"/>
+          <a:ext cx="0" cy="0"/>
+          <a:chOff x="0" y="0"/>
+          <a:chExt cx="0" cy="0"/>
+        </a:xfrm>
+      </p:grpSpPr>
+      <p:sp>
+        <p:nvSpPr>
+          <p:cNvPr id="4" name="Title 1">
+            <a:extLst>
+              <a:ext uri="{FF2B5EF4-FFF2-40B4-BE49-F238E27FC236}">
+                <a16:creationId xmlns:a16="http://schemas.microsoft.com/office/drawing/2014/main" id="{A078FF18-5F4F-437C-AAB0-68011A281FEE}"/>
+              </a:ext>
+            </a:extLst>
+          </p:cNvPr>
+          <p:cNvSpPr>
+            <a:spLocks noGrp="1"/>
+          </p:cNvSpPr>
+          <p:nvPr>
+            <p:ph type="title"/>
+          </p:nvPr>
+        </p:nvSpPr>
+        <p:spPr>
+          <a:xfrm>
+            <a:off x="2511261" y="50845"/>
+            <a:ext cx="7032234" cy="863556"/>
+          </a:xfrm>
+        </p:spPr>
+        <p:txBody>
+          <a:bodyPr anchor="ctr">
+            <a:normAutofit/>
+          </a:bodyPr>
+          <a:lstStyle/>
+          <a:p>
+            <a:r>
+              <a:rPr lang="en-US" sz="2800" dirty="0">
+                <a:solidFill>
+                  <a:srgbClr val="FFFFFF"/>
+                </a:solidFill>
+              </a:rPr>
+              <a:t>No Show rate – First Language</a:t>
+            </a:r>
+          </a:p>
+        </p:txBody>
+      </p:sp>
+      <p:sp>
+        <p:nvSpPr>
+          <p:cNvPr id="5" name="Content Placeholder 2053">
+            <a:extLst>
+              <a:ext uri="{FF2B5EF4-FFF2-40B4-BE49-F238E27FC236}">
+                <a16:creationId xmlns:a16="http://schemas.microsoft.com/office/drawing/2014/main" id="{BC24FFCD-78B8-4332-ACD0-987DE8123B6E}"/>
+              </a:ext>
+            </a:extLst>
+          </p:cNvPr>
+          <p:cNvSpPr>
+            <a:spLocks noGrp="1"/>
+          </p:cNvSpPr>
+          <p:nvPr>
+            <p:ph idx="1"/>
+          </p:nvPr>
+        </p:nvSpPr>
+        <p:spPr>
+          <a:xfrm>
+            <a:off x="1478128" y="801023"/>
+            <a:ext cx="10016971" cy="723150"/>
+          </a:xfrm>
+        </p:spPr>
+        <p:txBody>
+          <a:bodyPr anchor="ctr">
+            <a:normAutofit/>
+          </a:bodyPr>
+          <a:lstStyle/>
+          <a:p>
+            <a:r>
+              <a:rPr lang="en-US" dirty="0">
+                <a:solidFill>
+                  <a:srgbClr val="FFFFFF"/>
+                </a:solidFill>
+              </a:rPr>
+              <a:t>78% of the no show population has English listed as their first language followed by Spanish at 17%. These stats tells us about diversity granularity of </a:t>
+            </a:r>
+            <a:r>
+              <a:rPr lang="en-US" dirty="0" err="1">
+                <a:solidFill>
+                  <a:srgbClr val="FFFFFF"/>
+                </a:solidFill>
+              </a:rPr>
+              <a:t>Harlems</a:t>
+            </a:r>
+            <a:r>
+              <a:rPr lang="en-US" dirty="0">
+                <a:solidFill>
+                  <a:srgbClr val="FFFFFF"/>
+                </a:solidFill>
+              </a:rPr>
+              <a:t> community.</a:t>
+            </a:r>
+          </a:p>
+        </p:txBody>
+      </p:sp>
+      <p:pic>
+        <p:nvPicPr>
+          <p:cNvPr id="2" name="Picture 1">
+            <a:extLst>
+              <a:ext uri="{FF2B5EF4-FFF2-40B4-BE49-F238E27FC236}">
+                <a16:creationId xmlns:a16="http://schemas.microsoft.com/office/drawing/2014/main" id="{A2AB5A25-5744-4C6A-BABB-18012CF9B0EF}"/>
+              </a:ext>
+            </a:extLst>
+          </p:cNvPr>
+          <p:cNvPicPr>
+            <a:picLocks noChangeAspect="1"/>
+          </p:cNvPicPr>
+          <p:nvPr/>
+        </p:nvPicPr>
+        <p:blipFill>
+          <a:blip r:embed="rId3"/>
+          <a:stretch>
+            <a:fillRect/>
+          </a:stretch>
+        </p:blipFill>
+        <p:spPr>
+          <a:xfrm>
+            <a:off x="1633491" y="1762788"/>
+            <a:ext cx="9627814" cy="4904341"/>
+          </a:xfrm>
+          <a:prstGeom prst="rect">
+            <a:avLst/>
+          </a:prstGeom>
+        </p:spPr>
+      </p:pic>
+    </p:spTree>
+    <p:extLst>
+      <p:ext uri="{BB962C8B-B14F-4D97-AF65-F5344CB8AC3E}">
+        <p14:creationId xmlns:p14="http://schemas.microsoft.com/office/powerpoint/2010/main" val="227598383"/>
+      </p:ext>
+    </p:extLst>
+  </p:cSld>
+  <p:clrMapOvr>
+    <a:masterClrMapping/>
+  </p:clrMapOvr>
+</p:sld>
+</file>
+
+<file path=ppt/slides/slide25.xml><?xml version="1.0" encoding="utf-8"?>
+<p:sld xmlns:a="http://schemas.openxmlformats.org/drawingml/2006/main" xmlns:r="http://schemas.openxmlformats.org/officeDocument/2006/relationships" xmlns:p="http://schemas.openxmlformats.org/presentationml/2006/main">
+  <p:cSld>
+    <p:spTree>
+      <p:nvGrpSpPr>
+        <p:cNvPr id="1" name=""/>
+        <p:cNvGrpSpPr/>
+        <p:nvPr/>
+      </p:nvGrpSpPr>
+      <p:grpSpPr>
+        <a:xfrm>
+          <a:off x="0" y="0"/>
+          <a:ext cx="0" cy="0"/>
+          <a:chOff x="0" y="0"/>
+          <a:chExt cx="0" cy="0"/>
+        </a:xfrm>
+      </p:grpSpPr>
+      <p:sp>
+        <p:nvSpPr>
+          <p:cNvPr id="4" name="Title 1">
+            <a:extLst>
+              <a:ext uri="{FF2B5EF4-FFF2-40B4-BE49-F238E27FC236}">
+                <a16:creationId xmlns:a16="http://schemas.microsoft.com/office/drawing/2014/main" id="{A078FF18-5F4F-437C-AAB0-68011A281FEE}"/>
+              </a:ext>
+            </a:extLst>
+          </p:cNvPr>
+          <p:cNvSpPr>
+            <a:spLocks noGrp="1"/>
+          </p:cNvSpPr>
+          <p:nvPr>
+            <p:ph type="title"/>
+          </p:nvPr>
+        </p:nvSpPr>
+        <p:spPr>
+          <a:xfrm>
+            <a:off x="2336276" y="324953"/>
+            <a:ext cx="7032234" cy="863556"/>
+          </a:xfrm>
+        </p:spPr>
+        <p:txBody>
+          <a:bodyPr anchor="ctr">
+            <a:normAutofit/>
+          </a:bodyPr>
+          <a:lstStyle/>
+          <a:p>
+            <a:r>
+              <a:rPr lang="en-US" sz="3200" b="1" dirty="0">
+                <a:solidFill>
+                  <a:srgbClr val="FFFFFF"/>
+                </a:solidFill>
+              </a:rPr>
+              <a:t>No Show Rate by PCP</a:t>
+            </a:r>
+          </a:p>
+        </p:txBody>
+      </p:sp>
+      <p:sp>
+        <p:nvSpPr>
+          <p:cNvPr id="5" name="Content Placeholder 2053">
+            <a:extLst>
+              <a:ext uri="{FF2B5EF4-FFF2-40B4-BE49-F238E27FC236}">
+                <a16:creationId xmlns:a16="http://schemas.microsoft.com/office/drawing/2014/main" id="{BC24FFCD-78B8-4332-ACD0-987DE8123B6E}"/>
+              </a:ext>
+            </a:extLst>
+          </p:cNvPr>
+          <p:cNvSpPr>
+            <a:spLocks noGrp="1"/>
+          </p:cNvSpPr>
+          <p:nvPr>
+            <p:ph idx="1"/>
+          </p:nvPr>
+        </p:nvSpPr>
+        <p:spPr>
+          <a:xfrm>
+            <a:off x="2194777" y="999157"/>
+            <a:ext cx="8216288" cy="723150"/>
+          </a:xfrm>
+        </p:spPr>
+        <p:txBody>
+          <a:bodyPr anchor="ctr">
+            <a:normAutofit/>
+          </a:bodyPr>
+          <a:lstStyle/>
+          <a:p>
+            <a:r>
+              <a:rPr lang="en-US" dirty="0">
+                <a:solidFill>
+                  <a:srgbClr val="FFFFFF"/>
+                </a:solidFill>
+              </a:rPr>
+              <a:t>24% of total no show patient has community-based PCP </a:t>
+            </a:r>
+          </a:p>
+        </p:txBody>
+      </p:sp>
+      <p:pic>
+        <p:nvPicPr>
+          <p:cNvPr id="3" name="Picture 2">
+            <a:extLst>
+              <a:ext uri="{FF2B5EF4-FFF2-40B4-BE49-F238E27FC236}">
+                <a16:creationId xmlns:a16="http://schemas.microsoft.com/office/drawing/2014/main" id="{B5088822-D3EC-4A11-9C95-71EDBE66AE30}"/>
+              </a:ext>
+            </a:extLst>
+          </p:cNvPr>
+          <p:cNvPicPr>
+            <a:picLocks noChangeAspect="1"/>
+          </p:cNvPicPr>
+          <p:nvPr/>
+        </p:nvPicPr>
+        <p:blipFill>
+          <a:blip r:embed="rId2"/>
+          <a:stretch>
+            <a:fillRect/>
+          </a:stretch>
+        </p:blipFill>
+        <p:spPr>
+          <a:xfrm>
+            <a:off x="1081036" y="1818181"/>
+            <a:ext cx="10104828" cy="4458331"/>
+          </a:xfrm>
+          <a:prstGeom prst="rect">
+            <a:avLst/>
+          </a:prstGeom>
+        </p:spPr>
+      </p:pic>
+    </p:spTree>
+    <p:extLst>
+      <p:ext uri="{BB962C8B-B14F-4D97-AF65-F5344CB8AC3E}">
+        <p14:creationId xmlns:p14="http://schemas.microsoft.com/office/powerpoint/2010/main" val="2781722536"/>
+      </p:ext>
+    </p:extLst>
+  </p:cSld>
+  <p:clrMapOvr>
+    <a:masterClrMapping/>
+  </p:clrMapOvr>
+</p:sld>
+</file>
+
+<file path=ppt/slides/slide26.xml><?xml version="1.0" encoding="utf-8"?>
+<p:sld xmlns:a="http://schemas.openxmlformats.org/drawingml/2006/main" xmlns:r="http://schemas.openxmlformats.org/officeDocument/2006/relationships" xmlns:p="http://schemas.openxmlformats.org/presentationml/2006/main">
+  <p:cSld>
+    <p:spTree>
+      <p:nvGrpSpPr>
+        <p:cNvPr id="1" name=""/>
+        <p:cNvGrpSpPr/>
+        <p:nvPr/>
+      </p:nvGrpSpPr>
+      <p:grpSpPr>
+        <a:xfrm>
+          <a:off x="0" y="0"/>
+          <a:ext cx="0" cy="0"/>
+          <a:chOff x="0" y="0"/>
+          <a:chExt cx="0" cy="0"/>
+        </a:xfrm>
+      </p:grpSpPr>
+      <p:sp>
+        <p:nvSpPr>
+          <p:cNvPr id="4" name="Title 1">
+            <a:extLst>
+              <a:ext uri="{FF2B5EF4-FFF2-40B4-BE49-F238E27FC236}">
                 <a16:creationId xmlns:a16="http://schemas.microsoft.com/office/drawing/2014/main" id="{20F03BD6-24E5-42BC-AB1D-E0C4CD299811}"/>
               </a:ext>
             </a:extLst>
@@ -9451,8 +9740,8 @@
         </p:nvSpPr>
         <p:spPr>
           <a:xfrm>
-            <a:off x="1066800" y="435007"/>
-            <a:ext cx="10058400" cy="1340528"/>
+            <a:off x="782714" y="727970"/>
+            <a:ext cx="10058400" cy="941032"/>
           </a:xfrm>
         </p:spPr>
         <p:txBody>
@@ -9462,7 +9751,7 @@
           <a:lstStyle/>
           <a:p>
             <a:r>
-              <a:rPr lang="en-US" sz="4800" b="1" dirty="0"/>
+              <a:rPr lang="en-US" sz="4800" i="1" u="sng" dirty="0"/>
               <a:t>Conclusion</a:t>
             </a:r>
             <a:br>
@@ -9488,8 +9777,8 @@
         </p:nvSpPr>
         <p:spPr>
           <a:xfrm>
-            <a:off x="576277" y="1140903"/>
-            <a:ext cx="10874696" cy="9712517"/>
+            <a:off x="413238" y="1082291"/>
+            <a:ext cx="11456377" cy="5204209"/>
           </a:xfrm>
           <a:prstGeom prst="rect">
             <a:avLst/>
@@ -9504,7 +9793,7 @@
         </p:spPr>
         <p:txBody>
           <a:bodyPr vert="horz" lIns="91440" tIns="45720" rIns="91440" bIns="45720" rtlCol="0" anchor="b">
-            <a:normAutofit fontScale="97500"/>
+            <a:normAutofit fontScale="90000" lnSpcReduction="10000"/>
           </a:bodyPr>
           <a:lstStyle>
             <a:lvl1pPr algn="ctr" defTabSz="457200" rtl="0" eaLnBrk="1" latinLnBrk="0" hangingPunct="1">
@@ -9597,53 +9886,75 @@
           <a:p>
             <a:pPr algn="l"/>
             <a:r>
-              <a:rPr lang="en-US" sz="2100" dirty="0"/>
-              <a:t>U.S Healthcare system loses over $150 billion dollars in revenue each year due to patients not showing up for their appointments. No Show also impacts a hospital cost allocation in terms of scheduling staff. </a:t>
+              <a:rPr lang="en-US" sz="2100" i="1" dirty="0"/>
+              <a:t>U.S Healthcare system loses over $150 billion dollars in revenue each year due to patients not showing up for their appointments. </a:t>
             </a:r>
           </a:p>
           <a:p>
             <a:pPr algn="l"/>
-            <a:endParaRPr lang="en-US" sz="2100" dirty="0"/>
+            <a:endParaRPr lang="en-US" sz="2100" i="1" dirty="0"/>
           </a:p>
           <a:p>
             <a:pPr algn="l"/>
             <a:r>
-              <a:rPr lang="en-US" sz="2100" dirty="0"/>
+              <a:rPr lang="en-US" sz="2100" i="1" dirty="0"/>
+              <a:t>No Show also impacts a hospital cost allocation in terms of scheduling staff. </a:t>
+            </a:r>
+          </a:p>
+          <a:p>
+            <a:pPr algn="l"/>
+            <a:endParaRPr lang="en-US" sz="2100" i="1" dirty="0"/>
+          </a:p>
+          <a:p>
+            <a:pPr algn="l"/>
+            <a:r>
+              <a:rPr lang="en-US" sz="2100" i="1" dirty="0"/>
+              <a:t>No Show also impacts patient care. Missed appointment can lead to higher acuteness of illness and medical costs overall as patients with treatable illness postpone care until their condition becomes urgent (and ultimately costs more).</a:t>
+            </a:r>
+          </a:p>
+          <a:p>
+            <a:pPr algn="l"/>
+            <a:endParaRPr lang="en-US" sz="2100" i="1" dirty="0"/>
+          </a:p>
+          <a:p>
+            <a:pPr algn="l"/>
+            <a:r>
+              <a:rPr lang="en-US" sz="2100" i="1" dirty="0"/>
               <a:t>Harlem hospital alone lost an estimated $2.3 million dollars for the fiscal year 2020. </a:t>
             </a:r>
           </a:p>
           <a:p>
             <a:pPr algn="l"/>
-            <a:endParaRPr lang="en-US" sz="2100" dirty="0"/>
+            <a:endParaRPr lang="en-US" sz="2100" i="1" dirty="0"/>
           </a:p>
           <a:p>
             <a:pPr algn="l"/>
             <a:r>
-              <a:rPr lang="en-US" sz="2100" dirty="0"/>
+              <a:rPr lang="en-US" sz="2100" i="1" dirty="0"/>
               <a:t>For the recently concluded FY, over 21k patients did not show up for their appointment.</a:t>
             </a:r>
           </a:p>
           <a:p>
             <a:pPr algn="l"/>
-            <a:endParaRPr lang="en-US" sz="2100" dirty="0"/>
+            <a:endParaRPr lang="en-US" sz="2100" i="1" dirty="0"/>
           </a:p>
           <a:p>
             <a:pPr algn="l"/>
             <a:r>
-              <a:rPr lang="en-US" sz="2100" dirty="0"/>
-              <a:t>Our analysis broke down the FY20 No show data set and gave us some very factual insight into the no show. Some of the key findings are:</a:t>
+              <a:rPr lang="en-US" sz="2100" i="1" dirty="0"/>
+              <a:t>Our analysis broke down the FY20 No show data set and gave us some very factual insight. Some of the key findings are:</a:t>
             </a:r>
           </a:p>
           <a:p>
             <a:pPr algn="l"/>
-            <a:endParaRPr lang="en-US" sz="2100" dirty="0"/>
+            <a:endParaRPr lang="en-US" sz="2100" i="1" dirty="0"/>
           </a:p>
           <a:p>
             <a:pPr marL="457200" indent="-457200" algn="l">
               <a:buAutoNum type="arabicPeriod"/>
             </a:pPr>
             <a:r>
-              <a:rPr lang="en-US" sz="2100" dirty="0"/>
+              <a:rPr lang="en-US" sz="2100" i="1" dirty="0"/>
               <a:t>Female patients no show rate is higher than their male counter part.</a:t>
             </a:r>
           </a:p>
@@ -9652,8 +9963,8 @@
               <a:buAutoNum type="arabicPeriod"/>
             </a:pPr>
             <a:r>
-              <a:rPr lang="en-US" sz="2100" dirty="0"/>
-              <a:t>Higher Temperature and rainy weather are linked to higher no show rate.</a:t>
+              <a:rPr lang="en-US" sz="2100" i="1" dirty="0"/>
+              <a:t>Higher Temperature and rainy weather are linked to higher no-show rate.</a:t>
             </a:r>
           </a:p>
           <a:p>
@@ -9661,8 +9972,8 @@
               <a:buAutoNum type="arabicPeriod"/>
             </a:pPr>
             <a:r>
-              <a:rPr lang="en-US" sz="2100" dirty="0"/>
-              <a:t>Patients between the age of 50-60 has the highest no show rate.</a:t>
+              <a:rPr lang="en-US" sz="2100" i="1" dirty="0"/>
+              <a:t>Patients between the age of 50-60 have the highest no-show rate.</a:t>
             </a:r>
           </a:p>
           <a:p>
@@ -9670,8 +9981,8 @@
               <a:buAutoNum type="arabicPeriod"/>
             </a:pPr>
             <a:r>
-              <a:rPr lang="en-US" sz="2100" dirty="0"/>
-              <a:t>Appointment time between 9am and 10am has the highest no show rate.</a:t>
+              <a:rPr lang="en-US" sz="2100" i="1" dirty="0"/>
+              <a:t>Appointment time between 9am and 10am has the highest no-show rate.</a:t>
             </a:r>
           </a:p>
           <a:p>
@@ -9679,54 +9990,9 @@
               <a:buAutoNum type="arabicPeriod"/>
             </a:pPr>
             <a:r>
-              <a:rPr lang="en-US" sz="2100" dirty="0"/>
-              <a:t>Looking at weekdays, Tuesday tend to be the highest no show rate through the year.</a:t>
-            </a:r>
-          </a:p>
-          <a:p>
-            <a:pPr marL="457200" indent="-457200" algn="l">
-              <a:buAutoNum type="arabicPeriod"/>
-            </a:pPr>
-            <a:endParaRPr lang="en-US" sz="2100" i="1" dirty="0"/>
-          </a:p>
-          <a:p>
-            <a:pPr marL="457200" indent="-457200" algn="l">
-              <a:buAutoNum type="arabicPeriod"/>
-            </a:pPr>
-            <a:endParaRPr lang="en-US" sz="2100" i="1" dirty="0"/>
-          </a:p>
-          <a:p>
-            <a:pPr marL="457200" indent="-457200" algn="l">
-              <a:buAutoNum type="arabicPeriod"/>
-            </a:pPr>
-            <a:endParaRPr lang="en-US" sz="2100" i="1" dirty="0"/>
-          </a:p>
-          <a:p>
-            <a:pPr algn="l"/>
-            <a:endParaRPr lang="en-US" sz="2100" i="1" dirty="0"/>
-          </a:p>
-          <a:p>
-            <a:pPr algn="l"/>
-            <a:endParaRPr lang="en-US" sz="2100" i="1" dirty="0"/>
-          </a:p>
-          <a:p>
-            <a:pPr algn="l"/>
-            <a:endParaRPr lang="en-US" sz="2100" i="1" dirty="0"/>
-          </a:p>
-          <a:p>
-            <a:pPr algn="l"/>
-            <a:endParaRPr lang="en-US" sz="4800" i="1" dirty="0"/>
-          </a:p>
-          <a:p>
-            <a:pPr algn="l"/>
-            <a:endParaRPr lang="en-US" sz="4800" i="1" dirty="0"/>
-          </a:p>
-          <a:p>
-            <a:pPr algn="l"/>
-            <a:endParaRPr lang="en-US" sz="4800" i="1" dirty="0"/>
-          </a:p>
-          <a:p>
-            <a:pPr algn="l"/>
+              <a:rPr lang="en-US" sz="2100" i="1" dirty="0"/>
+              <a:t>Looking at weekdays, Tuesday tend to have the highest no-show rate through the year.</a:t>
+            </a:r>
             <a:endParaRPr lang="en-US" sz="4800" i="1" dirty="0"/>
           </a:p>
         </p:txBody>
@@ -9734,7 +10000,7 @@
     </p:spTree>
     <p:extLst>
       <p:ext uri="{BB962C8B-B14F-4D97-AF65-F5344CB8AC3E}">
-        <p14:creationId xmlns:p14="http://schemas.microsoft.com/office/powerpoint/2010/main" val="406139147"/>
+        <p14:creationId xmlns:p14="http://schemas.microsoft.com/office/powerpoint/2010/main" val="3543506333"/>
       </p:ext>
     </p:extLst>
   </p:cSld>
@@ -9744,7 +10010,7 @@
 </p:sld>
 </file>
 
-<file path=ppt/slides/slide24.xml><?xml version="1.0" encoding="utf-8"?>
+<file path=ppt/slides/slide27.xml><?xml version="1.0" encoding="utf-8"?>
 <p:sld xmlns:a="http://schemas.openxmlformats.org/drawingml/2006/main" xmlns:r="http://schemas.openxmlformats.org/officeDocument/2006/relationships" xmlns:p="http://schemas.openxmlformats.org/presentationml/2006/main">
   <p:cSld>
     <p:spTree>
@@ -10007,550 +10273,69 @@
       </p:grpSpPr>
       <p:sp>
         <p:nvSpPr>
-          <p:cNvPr id="6" name="Title 1">
+          <p:cNvPr id="2" name="Title 1">
             <a:extLst>
               <a:ext uri="{FF2B5EF4-FFF2-40B4-BE49-F238E27FC236}">
-                <a16:creationId xmlns:a16="http://schemas.microsoft.com/office/drawing/2014/main" id="{F9DDBC00-0F87-4C61-9532-CBB31C34B5E9}"/>
+                <a16:creationId xmlns:a16="http://schemas.microsoft.com/office/drawing/2014/main" id="{7EE801A8-80AC-43CC-B3CF-158B71BFCA0A}"/>
               </a:ext>
             </a:extLst>
           </p:cNvPr>
-          <p:cNvSpPr txBox="1">
-            <a:spLocks/>
-          </p:cNvSpPr>
-          <p:nvPr/>
-        </p:nvSpPr>
-        <p:spPr>
-          <a:xfrm>
-            <a:off x="437481" y="504153"/>
-            <a:ext cx="4149423" cy="858471"/>
-          </a:xfrm>
-          <a:prstGeom prst="rect">
-            <a:avLst/>
-          </a:prstGeom>
-          <a:effectLst>
-            <a:outerShdw blurRad="25400" dir="17880000">
-              <a:srgbClr val="000000">
-                <a:alpha val="46000"/>
-              </a:srgbClr>
-            </a:outerShdw>
-          </a:effectLst>
-        </p:spPr>
-        <p:txBody>
-          <a:bodyPr vert="horz" lIns="91440" tIns="45720" rIns="91440" bIns="45720" rtlCol="0" anchor="b">
-            <a:normAutofit fontScale="92500"/>
-          </a:bodyPr>
-          <a:lstStyle>
-            <a:lvl1pPr algn="ctr" defTabSz="457200" rtl="0" eaLnBrk="1" latinLnBrk="0" hangingPunct="1">
-              <a:spcBef>
-                <a:spcPct val="0"/>
-              </a:spcBef>
-              <a:buNone/>
-              <a:defRPr sz="5400" kern="1200">
-                <a:ln>
-                  <a:solidFill>
-                    <a:schemeClr val="bg1">
-                      <a:lumMod val="75000"/>
-                      <a:lumOff val="25000"/>
-                      <a:alpha val="10000"/>
-                    </a:schemeClr>
-                  </a:solidFill>
-                </a:ln>
-                <a:solidFill>
-                  <a:schemeClr val="tx2"/>
-                </a:solidFill>
-                <a:effectLst>
-                  <a:outerShdw blurRad="9525" dist="25400" dir="14640000" algn="tl" rotWithShape="0">
-                    <a:schemeClr val="bg1">
-                      <a:alpha val="30000"/>
-                    </a:schemeClr>
-                  </a:outerShdw>
-                </a:effectLst>
-                <a:latin typeface="+mj-lt"/>
-                <a:ea typeface="+mj-ea"/>
-                <a:cs typeface="Trebuchet MS"/>
-              </a:defRPr>
-            </a:lvl1pPr>
-            <a:lvl2pPr eaLnBrk="1" hangingPunct="1">
-              <a:defRPr>
-                <a:solidFill>
-                  <a:schemeClr val="tx2"/>
-                </a:solidFill>
-              </a:defRPr>
-            </a:lvl2pPr>
-            <a:lvl3pPr eaLnBrk="1" hangingPunct="1">
-              <a:defRPr>
-                <a:solidFill>
-                  <a:schemeClr val="tx2"/>
-                </a:solidFill>
-              </a:defRPr>
-            </a:lvl3pPr>
-            <a:lvl4pPr eaLnBrk="1" hangingPunct="1">
-              <a:defRPr>
-                <a:solidFill>
-                  <a:schemeClr val="tx2"/>
-                </a:solidFill>
-              </a:defRPr>
-            </a:lvl4pPr>
-            <a:lvl5pPr eaLnBrk="1" hangingPunct="1">
-              <a:defRPr>
-                <a:solidFill>
-                  <a:schemeClr val="tx2"/>
-                </a:solidFill>
-              </a:defRPr>
-            </a:lvl5pPr>
-            <a:lvl6pPr eaLnBrk="1" hangingPunct="1">
-              <a:defRPr>
-                <a:solidFill>
-                  <a:schemeClr val="tx2"/>
-                </a:solidFill>
-              </a:defRPr>
-            </a:lvl6pPr>
-            <a:lvl7pPr eaLnBrk="1" hangingPunct="1">
-              <a:defRPr>
-                <a:solidFill>
-                  <a:schemeClr val="tx2"/>
-                </a:solidFill>
-              </a:defRPr>
-            </a:lvl7pPr>
-            <a:lvl8pPr eaLnBrk="1" hangingPunct="1">
-              <a:defRPr>
-                <a:solidFill>
-                  <a:schemeClr val="tx2"/>
-                </a:solidFill>
-              </a:defRPr>
-            </a:lvl8pPr>
-            <a:lvl9pPr eaLnBrk="1" hangingPunct="1">
-              <a:defRPr>
-                <a:solidFill>
-                  <a:schemeClr val="tx2"/>
-                </a:solidFill>
-              </a:defRPr>
-            </a:lvl9pPr>
-          </a:lstStyle>
-          <a:p>
+          <p:cNvSpPr>
+            <a:spLocks noGrp="1"/>
+          </p:cNvSpPr>
+          <p:nvPr>
+            <p:ph type="title"/>
+          </p:nvPr>
+        </p:nvSpPr>
+        <p:spPr/>
+        <p:txBody>
+          <a:bodyPr/>
+          <a:lstStyle/>
+          <a:p>
+            <a:pPr algn="l"/>
             <a:r>
               <a:rPr lang="en-US" b="1" dirty="0"/>
-              <a:t>Data Sources</a:t>
-            </a:r>
-          </a:p>
-        </p:txBody>
-      </p:sp>
-      <p:sp>
-        <p:nvSpPr>
-          <p:cNvPr id="7" name="Content Placeholder 2">
+              <a:t>Research Questions</a:t>
+            </a:r>
+          </a:p>
+        </p:txBody>
+      </p:sp>
+      <p:sp>
+        <p:nvSpPr>
+          <p:cNvPr id="3" name="Content Placeholder 2">
             <a:extLst>
               <a:ext uri="{FF2B5EF4-FFF2-40B4-BE49-F238E27FC236}">
-                <a16:creationId xmlns:a16="http://schemas.microsoft.com/office/drawing/2014/main" id="{CD4171F8-E5D8-4644-80FF-A60E0D20B2B8}"/>
+                <a16:creationId xmlns:a16="http://schemas.microsoft.com/office/drawing/2014/main" id="{9AFE3B79-F0EE-4095-A68D-D128C1275FEC}"/>
               </a:ext>
             </a:extLst>
           </p:cNvPr>
-          <p:cNvSpPr txBox="1">
-            <a:spLocks/>
-          </p:cNvSpPr>
-          <p:nvPr/>
-        </p:nvSpPr>
-        <p:spPr>
-          <a:xfrm>
-            <a:off x="563316" y="1884114"/>
-            <a:ext cx="10058400" cy="3760891"/>
-          </a:xfrm>
-          <a:prstGeom prst="rect">
-            <a:avLst/>
-          </a:prstGeom>
-          <a:effectLst>
-            <a:outerShdw blurRad="25400" dir="17880000">
-              <a:srgbClr val="000000">
-                <a:alpha val="46000"/>
-              </a:srgbClr>
-            </a:outerShdw>
-          </a:effectLst>
-        </p:spPr>
-        <p:txBody>
-          <a:bodyPr vert="horz" lIns="91440" tIns="45720" rIns="91440" bIns="45720" rtlCol="0" anchor="t">
-            <a:normAutofit/>
-          </a:bodyPr>
-          <a:lstStyle>
-            <a:lvl1pPr marL="0" indent="0" algn="ctr" defTabSz="457200" rtl="0" eaLnBrk="1" latinLnBrk="0" hangingPunct="1">
-              <a:spcBef>
-                <a:spcPct val="20000"/>
-              </a:spcBef>
-              <a:spcAft>
-                <a:spcPts val="600"/>
-              </a:spcAft>
-              <a:buClr>
-                <a:schemeClr val="tx2"/>
-              </a:buClr>
-              <a:buSzPct val="70000"/>
-              <a:buFont typeface="Wingdings 2" charset="2"/>
-              <a:buNone/>
-              <a:defRPr sz="2000" kern="1200">
-                <a:ln>
-                  <a:solidFill>
-                    <a:schemeClr val="bg1">
-                      <a:lumMod val="75000"/>
-                      <a:lumOff val="25000"/>
-                      <a:alpha val="10000"/>
-                    </a:schemeClr>
-                  </a:solidFill>
-                </a:ln>
-                <a:solidFill>
-                  <a:schemeClr val="tx1"/>
-                </a:solidFill>
-                <a:effectLst>
-                  <a:outerShdw blurRad="9525" dist="25400" dir="14640000" algn="tl" rotWithShape="0">
-                    <a:schemeClr val="bg1">
-                      <a:alpha val="30000"/>
-                    </a:schemeClr>
-                  </a:outerShdw>
-                </a:effectLst>
-                <a:latin typeface="+mn-lt"/>
-                <a:ea typeface="+mn-ea"/>
-                <a:cs typeface="+mn-cs"/>
-              </a:defRPr>
-            </a:lvl1pPr>
-            <a:lvl2pPr marL="457200" indent="0" algn="ctr" defTabSz="457200" rtl="0" eaLnBrk="1" latinLnBrk="0" hangingPunct="1">
-              <a:spcBef>
-                <a:spcPct val="20000"/>
-              </a:spcBef>
-              <a:spcAft>
-                <a:spcPts val="600"/>
-              </a:spcAft>
-              <a:buClr>
-                <a:schemeClr val="tx2"/>
-              </a:buClr>
-              <a:buSzPct val="70000"/>
-              <a:buFont typeface="Wingdings 2" charset="2"/>
-              <a:buNone/>
-              <a:defRPr sz="1800" kern="1200">
-                <a:ln>
-                  <a:solidFill>
-                    <a:schemeClr val="bg1">
-                      <a:lumMod val="75000"/>
-                      <a:lumOff val="25000"/>
-                      <a:alpha val="10000"/>
-                    </a:schemeClr>
-                  </a:solidFill>
-                </a:ln>
-                <a:solidFill>
-                  <a:schemeClr val="tx1">
-                    <a:tint val="75000"/>
-                  </a:schemeClr>
-                </a:solidFill>
-                <a:effectLst>
-                  <a:outerShdw blurRad="9525" dist="25400" dir="14640000" algn="tl" rotWithShape="0">
-                    <a:schemeClr val="bg1">
-                      <a:alpha val="30000"/>
-                    </a:schemeClr>
-                  </a:outerShdw>
-                </a:effectLst>
-                <a:latin typeface="+mn-lt"/>
-                <a:ea typeface="+mn-ea"/>
-                <a:cs typeface="+mn-cs"/>
-              </a:defRPr>
-            </a:lvl2pPr>
-            <a:lvl3pPr marL="914400" indent="0" algn="ctr" defTabSz="457200" rtl="0" eaLnBrk="1" latinLnBrk="0" hangingPunct="1">
-              <a:spcBef>
-                <a:spcPct val="20000"/>
-              </a:spcBef>
-              <a:spcAft>
-                <a:spcPts val="600"/>
-              </a:spcAft>
-              <a:buClr>
-                <a:schemeClr val="tx2"/>
-              </a:buClr>
-              <a:buSzPct val="70000"/>
-              <a:buFont typeface="Wingdings 2" charset="2"/>
-              <a:buNone/>
-              <a:defRPr sz="1600" kern="1200">
-                <a:ln>
-                  <a:solidFill>
-                    <a:schemeClr val="bg1">
-                      <a:lumMod val="75000"/>
-                      <a:lumOff val="25000"/>
-                      <a:alpha val="10000"/>
-                    </a:schemeClr>
-                  </a:solidFill>
-                </a:ln>
-                <a:solidFill>
-                  <a:schemeClr val="tx1">
-                    <a:tint val="75000"/>
-                  </a:schemeClr>
-                </a:solidFill>
-                <a:effectLst>
-                  <a:outerShdw blurRad="9525" dist="25400" dir="14640000" algn="tl" rotWithShape="0">
-                    <a:schemeClr val="bg1">
-                      <a:alpha val="30000"/>
-                    </a:schemeClr>
-                  </a:outerShdw>
-                </a:effectLst>
-                <a:latin typeface="+mn-lt"/>
-                <a:ea typeface="+mn-ea"/>
-                <a:cs typeface="+mn-cs"/>
-              </a:defRPr>
-            </a:lvl3pPr>
-            <a:lvl4pPr marL="1371600" indent="0" algn="ctr" defTabSz="457200" rtl="0" eaLnBrk="1" latinLnBrk="0" hangingPunct="1">
-              <a:spcBef>
-                <a:spcPct val="20000"/>
-              </a:spcBef>
-              <a:spcAft>
-                <a:spcPts val="600"/>
-              </a:spcAft>
-              <a:buClr>
-                <a:schemeClr val="tx2"/>
-              </a:buClr>
-              <a:buSzPct val="70000"/>
-              <a:buFont typeface="Wingdings 2" charset="2"/>
-              <a:buNone/>
-              <a:defRPr sz="1400" kern="1200">
-                <a:ln>
-                  <a:solidFill>
-                    <a:schemeClr val="bg1">
-                      <a:lumMod val="75000"/>
-                      <a:lumOff val="25000"/>
-                      <a:alpha val="10000"/>
-                    </a:schemeClr>
-                  </a:solidFill>
-                </a:ln>
-                <a:solidFill>
-                  <a:schemeClr val="tx1">
-                    <a:tint val="75000"/>
-                  </a:schemeClr>
-                </a:solidFill>
-                <a:effectLst>
-                  <a:outerShdw blurRad="9525" dist="25400" dir="14640000" algn="tl" rotWithShape="0">
-                    <a:schemeClr val="bg1">
-                      <a:alpha val="30000"/>
-                    </a:schemeClr>
-                  </a:outerShdw>
-                </a:effectLst>
-                <a:latin typeface="+mn-lt"/>
-                <a:ea typeface="+mn-ea"/>
-                <a:cs typeface="+mn-cs"/>
-              </a:defRPr>
-            </a:lvl4pPr>
-            <a:lvl5pPr marL="1828800" indent="0" algn="ctr" defTabSz="457200" rtl="0" eaLnBrk="1" latinLnBrk="0" hangingPunct="1">
-              <a:spcBef>
-                <a:spcPct val="20000"/>
-              </a:spcBef>
-              <a:spcAft>
-                <a:spcPts val="600"/>
-              </a:spcAft>
-              <a:buClr>
-                <a:schemeClr val="tx2"/>
-              </a:buClr>
-              <a:buSzPct val="70000"/>
-              <a:buFont typeface="Wingdings 2" charset="2"/>
-              <a:buNone/>
-              <a:defRPr sz="1400" kern="1200">
-                <a:ln>
-                  <a:solidFill>
-                    <a:schemeClr val="bg1">
-                      <a:lumMod val="75000"/>
-                      <a:lumOff val="25000"/>
-                      <a:alpha val="10000"/>
-                    </a:schemeClr>
-                  </a:solidFill>
-                </a:ln>
-                <a:solidFill>
-                  <a:schemeClr val="tx1">
-                    <a:tint val="75000"/>
-                  </a:schemeClr>
-                </a:solidFill>
-                <a:effectLst>
-                  <a:outerShdw blurRad="9525" dist="25400" dir="14640000" algn="tl" rotWithShape="0">
-                    <a:schemeClr val="bg1">
-                      <a:alpha val="30000"/>
-                    </a:schemeClr>
-                  </a:outerShdw>
-                </a:effectLst>
-                <a:latin typeface="+mn-lt"/>
-                <a:ea typeface="+mn-ea"/>
-                <a:cs typeface="+mn-cs"/>
-              </a:defRPr>
-            </a:lvl5pPr>
-            <a:lvl6pPr marL="2286000" indent="0" algn="ctr" defTabSz="457200" rtl="0" eaLnBrk="1" latinLnBrk="0" hangingPunct="1">
-              <a:spcBef>
-                <a:spcPct val="20000"/>
-              </a:spcBef>
-              <a:spcAft>
-                <a:spcPts val="600"/>
-              </a:spcAft>
-              <a:buClr>
-                <a:schemeClr val="tx2"/>
-              </a:buClr>
-              <a:buSzPct val="70000"/>
-              <a:buFont typeface="Wingdings 2" charset="2"/>
-              <a:buNone/>
-              <a:defRPr sz="1400" kern="1200">
-                <a:ln>
-                  <a:solidFill>
-                    <a:schemeClr val="bg1">
-                      <a:lumMod val="75000"/>
-                      <a:lumOff val="25000"/>
-                      <a:alpha val="10000"/>
-                    </a:schemeClr>
-                  </a:solidFill>
-                </a:ln>
-                <a:solidFill>
-                  <a:schemeClr val="tx1">
-                    <a:tint val="75000"/>
-                  </a:schemeClr>
-                </a:solidFill>
-                <a:effectLst>
-                  <a:outerShdw blurRad="9525" dist="25400" dir="14640000" algn="tl" rotWithShape="0">
-                    <a:schemeClr val="bg1">
-                      <a:alpha val="30000"/>
-                    </a:schemeClr>
-                  </a:outerShdw>
-                </a:effectLst>
-                <a:latin typeface="+mn-lt"/>
-                <a:ea typeface="+mn-ea"/>
-                <a:cs typeface="+mn-cs"/>
-              </a:defRPr>
-            </a:lvl6pPr>
-            <a:lvl7pPr marL="2743200" indent="0" algn="ctr" defTabSz="457200" rtl="0" eaLnBrk="1" latinLnBrk="0" hangingPunct="1">
-              <a:spcBef>
-                <a:spcPct val="20000"/>
-              </a:spcBef>
-              <a:spcAft>
-                <a:spcPts val="600"/>
-              </a:spcAft>
-              <a:buClr>
-                <a:schemeClr val="tx2"/>
-              </a:buClr>
-              <a:buSzPct val="70000"/>
-              <a:buFont typeface="Wingdings 2" charset="2"/>
-              <a:buNone/>
-              <a:defRPr sz="1400" kern="1200">
-                <a:ln>
-                  <a:solidFill>
-                    <a:schemeClr val="bg1">
-                      <a:lumMod val="75000"/>
-                      <a:lumOff val="25000"/>
-                      <a:alpha val="10000"/>
-                    </a:schemeClr>
-                  </a:solidFill>
-                </a:ln>
-                <a:solidFill>
-                  <a:schemeClr val="tx1">
-                    <a:tint val="75000"/>
-                  </a:schemeClr>
-                </a:solidFill>
-                <a:effectLst>
-                  <a:outerShdw blurRad="9525" dist="25400" dir="14640000" algn="tl" rotWithShape="0">
-                    <a:schemeClr val="bg1">
-                      <a:alpha val="30000"/>
-                    </a:schemeClr>
-                  </a:outerShdw>
-                </a:effectLst>
-                <a:latin typeface="+mn-lt"/>
-                <a:ea typeface="+mn-ea"/>
-                <a:cs typeface="+mn-cs"/>
-              </a:defRPr>
-            </a:lvl7pPr>
-            <a:lvl8pPr marL="3200400" indent="0" algn="ctr" defTabSz="457200" rtl="0" eaLnBrk="1" latinLnBrk="0" hangingPunct="1">
-              <a:spcBef>
-                <a:spcPct val="20000"/>
-              </a:spcBef>
-              <a:spcAft>
-                <a:spcPts val="600"/>
-              </a:spcAft>
-              <a:buClr>
-                <a:schemeClr val="tx2"/>
-              </a:buClr>
-              <a:buSzPct val="70000"/>
-              <a:buFont typeface="Wingdings 2" charset="2"/>
-              <a:buNone/>
-              <a:defRPr sz="1400" kern="1200">
-                <a:ln>
-                  <a:solidFill>
-                    <a:schemeClr val="bg1">
-                      <a:lumMod val="75000"/>
-                      <a:lumOff val="25000"/>
-                      <a:alpha val="10000"/>
-                    </a:schemeClr>
-                  </a:solidFill>
-                </a:ln>
-                <a:solidFill>
-                  <a:schemeClr val="tx1">
-                    <a:tint val="75000"/>
-                  </a:schemeClr>
-                </a:solidFill>
-                <a:effectLst>
-                  <a:outerShdw blurRad="9525" dist="25400" dir="14640000" algn="tl" rotWithShape="0">
-                    <a:schemeClr val="bg1">
-                      <a:alpha val="30000"/>
-                    </a:schemeClr>
-                  </a:outerShdw>
-                </a:effectLst>
-                <a:latin typeface="+mn-lt"/>
-                <a:ea typeface="+mn-ea"/>
-                <a:cs typeface="+mn-cs"/>
-              </a:defRPr>
-            </a:lvl8pPr>
-            <a:lvl9pPr marL="3657600" indent="0" algn="ctr" defTabSz="457200" rtl="0" eaLnBrk="1" latinLnBrk="0" hangingPunct="1">
-              <a:spcBef>
-                <a:spcPct val="20000"/>
-              </a:spcBef>
-              <a:spcAft>
-                <a:spcPts val="600"/>
-              </a:spcAft>
-              <a:buClr>
-                <a:schemeClr val="tx2"/>
-              </a:buClr>
-              <a:buSzPct val="70000"/>
-              <a:buFont typeface="Wingdings 2" charset="2"/>
-              <a:buNone/>
-              <a:defRPr sz="1400" kern="1200">
-                <a:ln>
-                  <a:solidFill>
-                    <a:schemeClr val="bg1">
-                      <a:lumMod val="75000"/>
-                      <a:lumOff val="25000"/>
-                      <a:alpha val="10000"/>
-                    </a:schemeClr>
-                  </a:solidFill>
-                </a:ln>
-                <a:solidFill>
-                  <a:schemeClr val="tx1">
-                    <a:tint val="75000"/>
-                  </a:schemeClr>
-                </a:solidFill>
-                <a:effectLst>
-                  <a:outerShdw blurRad="9525" dist="25400" dir="14640000" algn="tl" rotWithShape="0">
-                    <a:schemeClr val="bg1">
-                      <a:alpha val="30000"/>
-                    </a:schemeClr>
-                  </a:outerShdw>
-                </a:effectLst>
-                <a:latin typeface="+mn-lt"/>
-                <a:ea typeface="+mn-ea"/>
-                <a:cs typeface="+mn-cs"/>
-              </a:defRPr>
-            </a:lvl9pPr>
-          </a:lstStyle>
-          <a:p>
-            <a:pPr algn="l"/>
-            <a:r>
-              <a:rPr lang="en-US" dirty="0">
-                <a:effectLst/>
-                <a:ea typeface="Calibri" panose="020F0502020204030204" pitchFamily="34" charset="0"/>
-              </a:rPr>
-              <a:t>Initial raw data on missed or no-show appointments was acquired from EPIC Reporting Work Bench for Harlem Hospital Center</a:t>
-            </a:r>
-            <a:endParaRPr lang="en-US" dirty="0"/>
-          </a:p>
-          <a:p>
-            <a:pPr algn="l"/>
+          <p:cNvSpPr>
+            <a:spLocks noGrp="1"/>
+          </p:cNvSpPr>
+          <p:nvPr>
+            <p:ph idx="1"/>
+          </p:nvPr>
+        </p:nvSpPr>
+        <p:spPr/>
+        <p:txBody>
+          <a:bodyPr/>
+          <a:lstStyle/>
+          <a:p>
             <a:r>
               <a:rPr lang="en-US" dirty="0"/>
-              <a:t>Weather data was acquired from National Oceanic and Atmospheric Administration’s (NOAA) </a:t>
-            </a:r>
-            <a:r>
-              <a:rPr lang="fr-FR" dirty="0">
-                <a:effectLst/>
-              </a:rPr>
-              <a:t>National Centers for Environnemental Information (NCEI)</a:t>
+              <a:t>What variables have an impact to the missed appointments or no-show rate? Example of data variables: Weather, holidays, geographical location, type of service, religion, language, special needs, etc..</a:t>
+            </a:r>
+          </a:p>
+          <a:p>
+            <a:r>
+              <a:rPr lang="en-US" dirty="0"/>
+              <a:t>What is the financial impact of missed appointments or no-show rate to Harlem Hospital Center?</a:t>
+            </a:r>
+          </a:p>
+          <a:p>
+            <a:r>
+              <a:rPr lang="en-US" dirty="0"/>
+              <a:t>How do gender and age variables compare on missed appointments or no-show rate?</a:t>
             </a:r>
           </a:p>
           <a:p>
@@ -10561,7 +10346,7 @@
     </p:spTree>
     <p:extLst>
       <p:ext uri="{BB962C8B-B14F-4D97-AF65-F5344CB8AC3E}">
-        <p14:creationId xmlns:p14="http://schemas.microsoft.com/office/powerpoint/2010/main" val="2770583673"/>
+        <p14:creationId xmlns:p14="http://schemas.microsoft.com/office/powerpoint/2010/main" val="825110148"/>
       </p:ext>
     </p:extLst>
   </p:cSld>
@@ -10604,7 +10389,7 @@
         </p:nvSpPr>
         <p:spPr>
           <a:xfrm>
-            <a:off x="387148" y="588042"/>
+            <a:off x="639704" y="706376"/>
             <a:ext cx="4149423" cy="858471"/>
           </a:xfrm>
           <a:prstGeom prst="rect">
@@ -10620,7 +10405,7 @@
         </p:spPr>
         <p:txBody>
           <a:bodyPr vert="horz" lIns="91440" tIns="45720" rIns="91440" bIns="45720" rtlCol="0" anchor="b">
-            <a:normAutofit fontScale="85000" lnSpcReduction="10000"/>
+            <a:normAutofit fontScale="92500"/>
           </a:bodyPr>
           <a:lstStyle>
             <a:lvl1pPr algn="ctr" defTabSz="457200" rtl="0" eaLnBrk="1" latinLnBrk="0" hangingPunct="1">
@@ -10713,7 +10498,7 @@
           <a:p>
             <a:r>
               <a:rPr lang="en-US" b="1" dirty="0"/>
-              <a:t>Methodologies</a:t>
+              <a:t>Data Sources</a:t>
             </a:r>
           </a:p>
         </p:txBody>
@@ -10734,8 +10519,8 @@
         </p:nvSpPr>
         <p:spPr>
           <a:xfrm>
-            <a:off x="387148" y="1749890"/>
-            <a:ext cx="10820544" cy="3760891"/>
+            <a:off x="800708" y="1998414"/>
+            <a:ext cx="10058400" cy="3760891"/>
           </a:xfrm>
           <a:prstGeom prst="rect">
             <a:avLst/>
@@ -11113,79 +10898,30 @@
             </a:lvl9pPr>
           </a:lstStyle>
           <a:p>
-            <a:pPr algn="l">
-              <a:buFont typeface="Arial" panose="020B0604020202020204" pitchFamily="34" charset="0"/>
-              <a:buChar char="•"/>
-            </a:pPr>
+            <a:pPr algn="l"/>
+            <a:r>
+              <a:rPr lang="en-US" dirty="0">
+                <a:effectLst/>
+                <a:ea typeface="Calibri" panose="020F0502020204030204" pitchFamily="34" charset="0"/>
+              </a:rPr>
+              <a:t>Initial raw data on missed or no-show appointments was acquired from EPIC Reporting Work Bench for Harlem Hospital Center</a:t>
+            </a:r>
+            <a:endParaRPr lang="en-US" dirty="0"/>
+          </a:p>
+          <a:p>
+            <a:pPr algn="l"/>
             <a:r>
               <a:rPr lang="en-US" dirty="0"/>
-              <a:t>   MS Excel Spreadsheet (CSV)– raw data gathering and initial visualization</a:t>
-            </a:r>
-          </a:p>
-          <a:p>
-            <a:pPr lvl="1" algn="l"/>
-            <a:r>
-              <a:rPr lang="en-US" sz="1400" i="1" dirty="0"/>
-              <a:t>https://raw.githubusercontent.com/mgmboyd/DA-Capstone-Project/master/No%20Show%20-%20FY20%20FINAL%20DATA%20SET%20-%20FINAL%20CSV.csv</a:t>
-            </a:r>
-          </a:p>
-          <a:p>
-            <a:pPr algn="l">
-              <a:buFont typeface="Arial" panose="020B0604020202020204" pitchFamily="34" charset="0"/>
-              <a:buChar char="•"/>
-            </a:pPr>
-            <a:r>
-              <a:rPr lang="en-US" dirty="0"/>
-              <a:t>   Python using Google </a:t>
-            </a:r>
-            <a:r>
-              <a:rPr lang="en-US" dirty="0" err="1"/>
-              <a:t>Colab</a:t>
-            </a:r>
-            <a:r>
-              <a:rPr lang="en-US" dirty="0"/>
-              <a:t> – data cleaning, data wrangling, and exploratory data analysis</a:t>
-            </a:r>
-          </a:p>
-          <a:p>
-            <a:pPr lvl="1" algn="l"/>
-            <a:r>
-              <a:rPr lang="en-US" sz="1400" i="1" dirty="0"/>
-              <a:t>https://colab.research.google.com/drive/1vuY1xL7i6lcFCHI0VOzsPBsz2RmCvQho#scrollTo=U-te62ktdiZ4&amp;uniqifier=1</a:t>
-            </a:r>
-          </a:p>
-          <a:p>
-            <a:pPr algn="l">
-              <a:buFont typeface="Arial" panose="020B0604020202020204" pitchFamily="34" charset="0"/>
-              <a:buChar char="•"/>
-            </a:pPr>
-            <a:r>
-              <a:rPr lang="en-US" dirty="0"/>
-              <a:t>   Tableau – data visualization using worksheets, dashboards, and storyboards</a:t>
-            </a:r>
-          </a:p>
-          <a:p>
-            <a:pPr algn="l">
-              <a:buFont typeface="Arial" panose="020B0604020202020204" pitchFamily="34" charset="0"/>
-              <a:buChar char="•"/>
-            </a:pPr>
-            <a:r>
-              <a:rPr lang="en-US" dirty="0"/>
-              <a:t>   MS PowerPoint Presentation – presentation of final data</a:t>
-            </a:r>
-          </a:p>
-          <a:p>
-            <a:pPr algn="l">
-              <a:buFont typeface="Arial" panose="020B0604020202020204" pitchFamily="34" charset="0"/>
-              <a:buChar char="•"/>
-            </a:pPr>
-            <a:r>
-              <a:rPr lang="en-US" dirty="0"/>
-              <a:t>    GitHub – data and file storage</a:t>
-            </a:r>
-          </a:p>
-          <a:p>
-            <a:pPr lvl="1" algn="l"/>
+              <a:t>Weather data was acquired from National Oceanic and Atmospheric Administration’s (NOAA) </a:t>
+            </a:r>
+            <a:r>
+              <a:rPr lang="fr-FR" dirty="0">
+                <a:effectLst/>
+              </a:rPr>
+              <a:t>National Centers for Environnemental Information (NCEI)</a:t>
+            </a:r>
+          </a:p>
+          <a:p>
             <a:endParaRPr lang="en-US" dirty="0"/>
           </a:p>
         </p:txBody>
@@ -11193,7 +10929,7 @@
     </p:spTree>
     <p:extLst>
       <p:ext uri="{BB962C8B-B14F-4D97-AF65-F5344CB8AC3E}">
-        <p14:creationId xmlns:p14="http://schemas.microsoft.com/office/powerpoint/2010/main" val="2866694504"/>
+        <p14:creationId xmlns:p14="http://schemas.microsoft.com/office/powerpoint/2010/main" val="2770583673"/>
       </p:ext>
     </p:extLst>
   </p:cSld>
@@ -11222,6 +10958,638 @@
       </p:grpSpPr>
       <p:sp>
         <p:nvSpPr>
+          <p:cNvPr id="6" name="Title 1">
+            <a:extLst>
+              <a:ext uri="{FF2B5EF4-FFF2-40B4-BE49-F238E27FC236}">
+                <a16:creationId xmlns:a16="http://schemas.microsoft.com/office/drawing/2014/main" id="{F9DDBC00-0F87-4C61-9532-CBB31C34B5E9}"/>
+              </a:ext>
+            </a:extLst>
+          </p:cNvPr>
+          <p:cNvSpPr txBox="1">
+            <a:spLocks/>
+          </p:cNvSpPr>
+          <p:nvPr/>
+        </p:nvSpPr>
+        <p:spPr>
+          <a:xfrm>
+            <a:off x="677294" y="772680"/>
+            <a:ext cx="4149423" cy="858471"/>
+          </a:xfrm>
+          <a:prstGeom prst="rect">
+            <a:avLst/>
+          </a:prstGeom>
+          <a:effectLst>
+            <a:outerShdw blurRad="25400" dir="17880000">
+              <a:srgbClr val="000000">
+                <a:alpha val="46000"/>
+              </a:srgbClr>
+            </a:outerShdw>
+          </a:effectLst>
+        </p:spPr>
+        <p:txBody>
+          <a:bodyPr vert="horz" lIns="91440" tIns="45720" rIns="91440" bIns="45720" rtlCol="0" anchor="b">
+            <a:normAutofit fontScale="85000" lnSpcReduction="10000"/>
+          </a:bodyPr>
+          <a:lstStyle>
+            <a:lvl1pPr algn="ctr" defTabSz="457200" rtl="0" eaLnBrk="1" latinLnBrk="0" hangingPunct="1">
+              <a:spcBef>
+                <a:spcPct val="0"/>
+              </a:spcBef>
+              <a:buNone/>
+              <a:defRPr sz="5400" kern="1200">
+                <a:ln>
+                  <a:solidFill>
+                    <a:schemeClr val="bg1">
+                      <a:lumMod val="75000"/>
+                      <a:lumOff val="25000"/>
+                      <a:alpha val="10000"/>
+                    </a:schemeClr>
+                  </a:solidFill>
+                </a:ln>
+                <a:solidFill>
+                  <a:schemeClr val="tx2"/>
+                </a:solidFill>
+                <a:effectLst>
+                  <a:outerShdw blurRad="9525" dist="25400" dir="14640000" algn="tl" rotWithShape="0">
+                    <a:schemeClr val="bg1">
+                      <a:alpha val="30000"/>
+                    </a:schemeClr>
+                  </a:outerShdw>
+                </a:effectLst>
+                <a:latin typeface="+mj-lt"/>
+                <a:ea typeface="+mj-ea"/>
+                <a:cs typeface="Trebuchet MS"/>
+              </a:defRPr>
+            </a:lvl1pPr>
+            <a:lvl2pPr eaLnBrk="1" hangingPunct="1">
+              <a:defRPr>
+                <a:solidFill>
+                  <a:schemeClr val="tx2"/>
+                </a:solidFill>
+              </a:defRPr>
+            </a:lvl2pPr>
+            <a:lvl3pPr eaLnBrk="1" hangingPunct="1">
+              <a:defRPr>
+                <a:solidFill>
+                  <a:schemeClr val="tx2"/>
+                </a:solidFill>
+              </a:defRPr>
+            </a:lvl3pPr>
+            <a:lvl4pPr eaLnBrk="1" hangingPunct="1">
+              <a:defRPr>
+                <a:solidFill>
+                  <a:schemeClr val="tx2"/>
+                </a:solidFill>
+              </a:defRPr>
+            </a:lvl4pPr>
+            <a:lvl5pPr eaLnBrk="1" hangingPunct="1">
+              <a:defRPr>
+                <a:solidFill>
+                  <a:schemeClr val="tx2"/>
+                </a:solidFill>
+              </a:defRPr>
+            </a:lvl5pPr>
+            <a:lvl6pPr eaLnBrk="1" hangingPunct="1">
+              <a:defRPr>
+                <a:solidFill>
+                  <a:schemeClr val="tx2"/>
+                </a:solidFill>
+              </a:defRPr>
+            </a:lvl6pPr>
+            <a:lvl7pPr eaLnBrk="1" hangingPunct="1">
+              <a:defRPr>
+                <a:solidFill>
+                  <a:schemeClr val="tx2"/>
+                </a:solidFill>
+              </a:defRPr>
+            </a:lvl7pPr>
+            <a:lvl8pPr eaLnBrk="1" hangingPunct="1">
+              <a:defRPr>
+                <a:solidFill>
+                  <a:schemeClr val="tx2"/>
+                </a:solidFill>
+              </a:defRPr>
+            </a:lvl8pPr>
+            <a:lvl9pPr eaLnBrk="1" hangingPunct="1">
+              <a:defRPr>
+                <a:solidFill>
+                  <a:schemeClr val="tx2"/>
+                </a:solidFill>
+              </a:defRPr>
+            </a:lvl9pPr>
+          </a:lstStyle>
+          <a:p>
+            <a:r>
+              <a:rPr lang="en-US" b="1" dirty="0"/>
+              <a:t>Methodologies</a:t>
+            </a:r>
+          </a:p>
+        </p:txBody>
+      </p:sp>
+      <p:sp>
+        <p:nvSpPr>
+          <p:cNvPr id="7" name="Content Placeholder 2">
+            <a:extLst>
+              <a:ext uri="{FF2B5EF4-FFF2-40B4-BE49-F238E27FC236}">
+                <a16:creationId xmlns:a16="http://schemas.microsoft.com/office/drawing/2014/main" id="{CD4171F8-E5D8-4644-80FF-A60E0D20B2B8}"/>
+              </a:ext>
+            </a:extLst>
+          </p:cNvPr>
+          <p:cNvSpPr txBox="1">
+            <a:spLocks/>
+          </p:cNvSpPr>
+          <p:nvPr/>
+        </p:nvSpPr>
+        <p:spPr>
+          <a:xfrm>
+            <a:off x="756425" y="2022451"/>
+            <a:ext cx="10820544" cy="3760891"/>
+          </a:xfrm>
+          <a:prstGeom prst="rect">
+            <a:avLst/>
+          </a:prstGeom>
+          <a:effectLst>
+            <a:outerShdw blurRad="25400" dir="17880000">
+              <a:srgbClr val="000000">
+                <a:alpha val="46000"/>
+              </a:srgbClr>
+            </a:outerShdw>
+          </a:effectLst>
+        </p:spPr>
+        <p:txBody>
+          <a:bodyPr vert="horz" lIns="91440" tIns="45720" rIns="91440" bIns="45720" rtlCol="0" anchor="t">
+            <a:normAutofit/>
+          </a:bodyPr>
+          <a:lstStyle>
+            <a:lvl1pPr marL="0" indent="0" algn="ctr" defTabSz="457200" rtl="0" eaLnBrk="1" latinLnBrk="0" hangingPunct="1">
+              <a:spcBef>
+                <a:spcPct val="20000"/>
+              </a:spcBef>
+              <a:spcAft>
+                <a:spcPts val="600"/>
+              </a:spcAft>
+              <a:buClr>
+                <a:schemeClr val="tx2"/>
+              </a:buClr>
+              <a:buSzPct val="70000"/>
+              <a:buFont typeface="Wingdings 2" charset="2"/>
+              <a:buNone/>
+              <a:defRPr sz="2000" kern="1200">
+                <a:ln>
+                  <a:solidFill>
+                    <a:schemeClr val="bg1">
+                      <a:lumMod val="75000"/>
+                      <a:lumOff val="25000"/>
+                      <a:alpha val="10000"/>
+                    </a:schemeClr>
+                  </a:solidFill>
+                </a:ln>
+                <a:solidFill>
+                  <a:schemeClr val="tx1"/>
+                </a:solidFill>
+                <a:effectLst>
+                  <a:outerShdw blurRad="9525" dist="25400" dir="14640000" algn="tl" rotWithShape="0">
+                    <a:schemeClr val="bg1">
+                      <a:alpha val="30000"/>
+                    </a:schemeClr>
+                  </a:outerShdw>
+                </a:effectLst>
+                <a:latin typeface="+mn-lt"/>
+                <a:ea typeface="+mn-ea"/>
+                <a:cs typeface="+mn-cs"/>
+              </a:defRPr>
+            </a:lvl1pPr>
+            <a:lvl2pPr marL="457200" indent="0" algn="ctr" defTabSz="457200" rtl="0" eaLnBrk="1" latinLnBrk="0" hangingPunct="1">
+              <a:spcBef>
+                <a:spcPct val="20000"/>
+              </a:spcBef>
+              <a:spcAft>
+                <a:spcPts val="600"/>
+              </a:spcAft>
+              <a:buClr>
+                <a:schemeClr val="tx2"/>
+              </a:buClr>
+              <a:buSzPct val="70000"/>
+              <a:buFont typeface="Wingdings 2" charset="2"/>
+              <a:buNone/>
+              <a:defRPr sz="1800" kern="1200">
+                <a:ln>
+                  <a:solidFill>
+                    <a:schemeClr val="bg1">
+                      <a:lumMod val="75000"/>
+                      <a:lumOff val="25000"/>
+                      <a:alpha val="10000"/>
+                    </a:schemeClr>
+                  </a:solidFill>
+                </a:ln>
+                <a:solidFill>
+                  <a:schemeClr val="tx1">
+                    <a:tint val="75000"/>
+                  </a:schemeClr>
+                </a:solidFill>
+                <a:effectLst>
+                  <a:outerShdw blurRad="9525" dist="25400" dir="14640000" algn="tl" rotWithShape="0">
+                    <a:schemeClr val="bg1">
+                      <a:alpha val="30000"/>
+                    </a:schemeClr>
+                  </a:outerShdw>
+                </a:effectLst>
+                <a:latin typeface="+mn-lt"/>
+                <a:ea typeface="+mn-ea"/>
+                <a:cs typeface="+mn-cs"/>
+              </a:defRPr>
+            </a:lvl2pPr>
+            <a:lvl3pPr marL="914400" indent="0" algn="ctr" defTabSz="457200" rtl="0" eaLnBrk="1" latinLnBrk="0" hangingPunct="1">
+              <a:spcBef>
+                <a:spcPct val="20000"/>
+              </a:spcBef>
+              <a:spcAft>
+                <a:spcPts val="600"/>
+              </a:spcAft>
+              <a:buClr>
+                <a:schemeClr val="tx2"/>
+              </a:buClr>
+              <a:buSzPct val="70000"/>
+              <a:buFont typeface="Wingdings 2" charset="2"/>
+              <a:buNone/>
+              <a:defRPr sz="1600" kern="1200">
+                <a:ln>
+                  <a:solidFill>
+                    <a:schemeClr val="bg1">
+                      <a:lumMod val="75000"/>
+                      <a:lumOff val="25000"/>
+                      <a:alpha val="10000"/>
+                    </a:schemeClr>
+                  </a:solidFill>
+                </a:ln>
+                <a:solidFill>
+                  <a:schemeClr val="tx1">
+                    <a:tint val="75000"/>
+                  </a:schemeClr>
+                </a:solidFill>
+                <a:effectLst>
+                  <a:outerShdw blurRad="9525" dist="25400" dir="14640000" algn="tl" rotWithShape="0">
+                    <a:schemeClr val="bg1">
+                      <a:alpha val="30000"/>
+                    </a:schemeClr>
+                  </a:outerShdw>
+                </a:effectLst>
+                <a:latin typeface="+mn-lt"/>
+                <a:ea typeface="+mn-ea"/>
+                <a:cs typeface="+mn-cs"/>
+              </a:defRPr>
+            </a:lvl3pPr>
+            <a:lvl4pPr marL="1371600" indent="0" algn="ctr" defTabSz="457200" rtl="0" eaLnBrk="1" latinLnBrk="0" hangingPunct="1">
+              <a:spcBef>
+                <a:spcPct val="20000"/>
+              </a:spcBef>
+              <a:spcAft>
+                <a:spcPts val="600"/>
+              </a:spcAft>
+              <a:buClr>
+                <a:schemeClr val="tx2"/>
+              </a:buClr>
+              <a:buSzPct val="70000"/>
+              <a:buFont typeface="Wingdings 2" charset="2"/>
+              <a:buNone/>
+              <a:defRPr sz="1400" kern="1200">
+                <a:ln>
+                  <a:solidFill>
+                    <a:schemeClr val="bg1">
+                      <a:lumMod val="75000"/>
+                      <a:lumOff val="25000"/>
+                      <a:alpha val="10000"/>
+                    </a:schemeClr>
+                  </a:solidFill>
+                </a:ln>
+                <a:solidFill>
+                  <a:schemeClr val="tx1">
+                    <a:tint val="75000"/>
+                  </a:schemeClr>
+                </a:solidFill>
+                <a:effectLst>
+                  <a:outerShdw blurRad="9525" dist="25400" dir="14640000" algn="tl" rotWithShape="0">
+                    <a:schemeClr val="bg1">
+                      <a:alpha val="30000"/>
+                    </a:schemeClr>
+                  </a:outerShdw>
+                </a:effectLst>
+                <a:latin typeface="+mn-lt"/>
+                <a:ea typeface="+mn-ea"/>
+                <a:cs typeface="+mn-cs"/>
+              </a:defRPr>
+            </a:lvl4pPr>
+            <a:lvl5pPr marL="1828800" indent="0" algn="ctr" defTabSz="457200" rtl="0" eaLnBrk="1" latinLnBrk="0" hangingPunct="1">
+              <a:spcBef>
+                <a:spcPct val="20000"/>
+              </a:spcBef>
+              <a:spcAft>
+                <a:spcPts val="600"/>
+              </a:spcAft>
+              <a:buClr>
+                <a:schemeClr val="tx2"/>
+              </a:buClr>
+              <a:buSzPct val="70000"/>
+              <a:buFont typeface="Wingdings 2" charset="2"/>
+              <a:buNone/>
+              <a:defRPr sz="1400" kern="1200">
+                <a:ln>
+                  <a:solidFill>
+                    <a:schemeClr val="bg1">
+                      <a:lumMod val="75000"/>
+                      <a:lumOff val="25000"/>
+                      <a:alpha val="10000"/>
+                    </a:schemeClr>
+                  </a:solidFill>
+                </a:ln>
+                <a:solidFill>
+                  <a:schemeClr val="tx1">
+                    <a:tint val="75000"/>
+                  </a:schemeClr>
+                </a:solidFill>
+                <a:effectLst>
+                  <a:outerShdw blurRad="9525" dist="25400" dir="14640000" algn="tl" rotWithShape="0">
+                    <a:schemeClr val="bg1">
+                      <a:alpha val="30000"/>
+                    </a:schemeClr>
+                  </a:outerShdw>
+                </a:effectLst>
+                <a:latin typeface="+mn-lt"/>
+                <a:ea typeface="+mn-ea"/>
+                <a:cs typeface="+mn-cs"/>
+              </a:defRPr>
+            </a:lvl5pPr>
+            <a:lvl6pPr marL="2286000" indent="0" algn="ctr" defTabSz="457200" rtl="0" eaLnBrk="1" latinLnBrk="0" hangingPunct="1">
+              <a:spcBef>
+                <a:spcPct val="20000"/>
+              </a:spcBef>
+              <a:spcAft>
+                <a:spcPts val="600"/>
+              </a:spcAft>
+              <a:buClr>
+                <a:schemeClr val="tx2"/>
+              </a:buClr>
+              <a:buSzPct val="70000"/>
+              <a:buFont typeface="Wingdings 2" charset="2"/>
+              <a:buNone/>
+              <a:defRPr sz="1400" kern="1200">
+                <a:ln>
+                  <a:solidFill>
+                    <a:schemeClr val="bg1">
+                      <a:lumMod val="75000"/>
+                      <a:lumOff val="25000"/>
+                      <a:alpha val="10000"/>
+                    </a:schemeClr>
+                  </a:solidFill>
+                </a:ln>
+                <a:solidFill>
+                  <a:schemeClr val="tx1">
+                    <a:tint val="75000"/>
+                  </a:schemeClr>
+                </a:solidFill>
+                <a:effectLst>
+                  <a:outerShdw blurRad="9525" dist="25400" dir="14640000" algn="tl" rotWithShape="0">
+                    <a:schemeClr val="bg1">
+                      <a:alpha val="30000"/>
+                    </a:schemeClr>
+                  </a:outerShdw>
+                </a:effectLst>
+                <a:latin typeface="+mn-lt"/>
+                <a:ea typeface="+mn-ea"/>
+                <a:cs typeface="+mn-cs"/>
+              </a:defRPr>
+            </a:lvl6pPr>
+            <a:lvl7pPr marL="2743200" indent="0" algn="ctr" defTabSz="457200" rtl="0" eaLnBrk="1" latinLnBrk="0" hangingPunct="1">
+              <a:spcBef>
+                <a:spcPct val="20000"/>
+              </a:spcBef>
+              <a:spcAft>
+                <a:spcPts val="600"/>
+              </a:spcAft>
+              <a:buClr>
+                <a:schemeClr val="tx2"/>
+              </a:buClr>
+              <a:buSzPct val="70000"/>
+              <a:buFont typeface="Wingdings 2" charset="2"/>
+              <a:buNone/>
+              <a:defRPr sz="1400" kern="1200">
+                <a:ln>
+                  <a:solidFill>
+                    <a:schemeClr val="bg1">
+                      <a:lumMod val="75000"/>
+                      <a:lumOff val="25000"/>
+                      <a:alpha val="10000"/>
+                    </a:schemeClr>
+                  </a:solidFill>
+                </a:ln>
+                <a:solidFill>
+                  <a:schemeClr val="tx1">
+                    <a:tint val="75000"/>
+                  </a:schemeClr>
+                </a:solidFill>
+                <a:effectLst>
+                  <a:outerShdw blurRad="9525" dist="25400" dir="14640000" algn="tl" rotWithShape="0">
+                    <a:schemeClr val="bg1">
+                      <a:alpha val="30000"/>
+                    </a:schemeClr>
+                  </a:outerShdw>
+                </a:effectLst>
+                <a:latin typeface="+mn-lt"/>
+                <a:ea typeface="+mn-ea"/>
+                <a:cs typeface="+mn-cs"/>
+              </a:defRPr>
+            </a:lvl7pPr>
+            <a:lvl8pPr marL="3200400" indent="0" algn="ctr" defTabSz="457200" rtl="0" eaLnBrk="1" latinLnBrk="0" hangingPunct="1">
+              <a:spcBef>
+                <a:spcPct val="20000"/>
+              </a:spcBef>
+              <a:spcAft>
+                <a:spcPts val="600"/>
+              </a:spcAft>
+              <a:buClr>
+                <a:schemeClr val="tx2"/>
+              </a:buClr>
+              <a:buSzPct val="70000"/>
+              <a:buFont typeface="Wingdings 2" charset="2"/>
+              <a:buNone/>
+              <a:defRPr sz="1400" kern="1200">
+                <a:ln>
+                  <a:solidFill>
+                    <a:schemeClr val="bg1">
+                      <a:lumMod val="75000"/>
+                      <a:lumOff val="25000"/>
+                      <a:alpha val="10000"/>
+                    </a:schemeClr>
+                  </a:solidFill>
+                </a:ln>
+                <a:solidFill>
+                  <a:schemeClr val="tx1">
+                    <a:tint val="75000"/>
+                  </a:schemeClr>
+                </a:solidFill>
+                <a:effectLst>
+                  <a:outerShdw blurRad="9525" dist="25400" dir="14640000" algn="tl" rotWithShape="0">
+                    <a:schemeClr val="bg1">
+                      <a:alpha val="30000"/>
+                    </a:schemeClr>
+                  </a:outerShdw>
+                </a:effectLst>
+                <a:latin typeface="+mn-lt"/>
+                <a:ea typeface="+mn-ea"/>
+                <a:cs typeface="+mn-cs"/>
+              </a:defRPr>
+            </a:lvl8pPr>
+            <a:lvl9pPr marL="3657600" indent="0" algn="ctr" defTabSz="457200" rtl="0" eaLnBrk="1" latinLnBrk="0" hangingPunct="1">
+              <a:spcBef>
+                <a:spcPct val="20000"/>
+              </a:spcBef>
+              <a:spcAft>
+                <a:spcPts val="600"/>
+              </a:spcAft>
+              <a:buClr>
+                <a:schemeClr val="tx2"/>
+              </a:buClr>
+              <a:buSzPct val="70000"/>
+              <a:buFont typeface="Wingdings 2" charset="2"/>
+              <a:buNone/>
+              <a:defRPr sz="1400" kern="1200">
+                <a:ln>
+                  <a:solidFill>
+                    <a:schemeClr val="bg1">
+                      <a:lumMod val="75000"/>
+                      <a:lumOff val="25000"/>
+                      <a:alpha val="10000"/>
+                    </a:schemeClr>
+                  </a:solidFill>
+                </a:ln>
+                <a:solidFill>
+                  <a:schemeClr val="tx1">
+                    <a:tint val="75000"/>
+                  </a:schemeClr>
+                </a:solidFill>
+                <a:effectLst>
+                  <a:outerShdw blurRad="9525" dist="25400" dir="14640000" algn="tl" rotWithShape="0">
+                    <a:schemeClr val="bg1">
+                      <a:alpha val="30000"/>
+                    </a:schemeClr>
+                  </a:outerShdw>
+                </a:effectLst>
+                <a:latin typeface="+mn-lt"/>
+                <a:ea typeface="+mn-ea"/>
+                <a:cs typeface="+mn-cs"/>
+              </a:defRPr>
+            </a:lvl9pPr>
+          </a:lstStyle>
+          <a:p>
+            <a:pPr algn="l">
+              <a:buFont typeface="Arial" panose="020B0604020202020204" pitchFamily="34" charset="0"/>
+              <a:buChar char="•"/>
+            </a:pPr>
+            <a:r>
+              <a:rPr lang="en-US" dirty="0"/>
+              <a:t>   MS Excel Spreadsheet (CSV)– raw data gathering and initial visualization</a:t>
+            </a:r>
+          </a:p>
+          <a:p>
+            <a:pPr lvl="1" algn="l"/>
+            <a:r>
+              <a:rPr lang="en-US" sz="1400" i="1" dirty="0"/>
+              <a:t>https://raw.githubusercontent.com/mgmboyd/DA-Capstone-Project/master/No%20Show%20-%20FY20%20FINAL%20DATA%20SET%20-%20FINAL%20CSV.csv</a:t>
+            </a:r>
+          </a:p>
+          <a:p>
+            <a:pPr algn="l">
+              <a:buFont typeface="Arial" panose="020B0604020202020204" pitchFamily="34" charset="0"/>
+              <a:buChar char="•"/>
+            </a:pPr>
+            <a:r>
+              <a:rPr lang="en-US" dirty="0"/>
+              <a:t>   Python using Google </a:t>
+            </a:r>
+            <a:r>
+              <a:rPr lang="en-US" dirty="0" err="1"/>
+              <a:t>Colab</a:t>
+            </a:r>
+            <a:r>
+              <a:rPr lang="en-US" dirty="0"/>
+              <a:t> – data cleaning, data wrangling, and exploratory data analysis</a:t>
+            </a:r>
+          </a:p>
+          <a:p>
+            <a:pPr lvl="1" algn="l"/>
+            <a:r>
+              <a:rPr lang="en-US" sz="1400" i="1" dirty="0"/>
+              <a:t>https://colab.research.google.com/drive/1vuY1xL7i6lcFCHI0VOzsPBsz2RmCvQho#scrollTo=U-te62ktdiZ4&amp;uniqifier=1</a:t>
+            </a:r>
+          </a:p>
+          <a:p>
+            <a:pPr algn="l">
+              <a:buFont typeface="Arial" panose="020B0604020202020204" pitchFamily="34" charset="0"/>
+              <a:buChar char="•"/>
+            </a:pPr>
+            <a:r>
+              <a:rPr lang="en-US" dirty="0"/>
+              <a:t>   Tableau – data visualization using worksheets, dashboards, and storyboards</a:t>
+            </a:r>
+          </a:p>
+          <a:p>
+            <a:pPr algn="l">
+              <a:buFont typeface="Arial" panose="020B0604020202020204" pitchFamily="34" charset="0"/>
+              <a:buChar char="•"/>
+            </a:pPr>
+            <a:r>
+              <a:rPr lang="en-US" dirty="0"/>
+              <a:t>   MS PowerPoint Presentation – presentation of final data</a:t>
+            </a:r>
+          </a:p>
+          <a:p>
+            <a:pPr algn="l">
+              <a:buFont typeface="Arial" panose="020B0604020202020204" pitchFamily="34" charset="0"/>
+              <a:buChar char="•"/>
+            </a:pPr>
+            <a:r>
+              <a:rPr lang="en-US" dirty="0"/>
+              <a:t>    GitHub – data and file storage</a:t>
+            </a:r>
+          </a:p>
+          <a:p>
+            <a:pPr lvl="1" algn="l"/>
+            <a:endParaRPr lang="en-US" dirty="0"/>
+          </a:p>
+        </p:txBody>
+      </p:sp>
+    </p:spTree>
+    <p:extLst>
+      <p:ext uri="{BB962C8B-B14F-4D97-AF65-F5344CB8AC3E}">
+        <p14:creationId xmlns:p14="http://schemas.microsoft.com/office/powerpoint/2010/main" val="2866694504"/>
+      </p:ext>
+    </p:extLst>
+  </p:cSld>
+  <p:clrMapOvr>
+    <a:masterClrMapping/>
+  </p:clrMapOvr>
+</p:sld>
+</file>
+
+<file path=ppt/slides/slide6.xml><?xml version="1.0" encoding="utf-8"?>
+<p:sld xmlns:a="http://schemas.openxmlformats.org/drawingml/2006/main" xmlns:r="http://schemas.openxmlformats.org/officeDocument/2006/relationships" xmlns:p="http://schemas.openxmlformats.org/presentationml/2006/main">
+  <p:cSld>
+    <p:spTree>
+      <p:nvGrpSpPr>
+        <p:cNvPr id="1" name=""/>
+        <p:cNvGrpSpPr/>
+        <p:nvPr/>
+      </p:nvGrpSpPr>
+      <p:grpSpPr>
+        <a:xfrm>
+          <a:off x="0" y="0"/>
+          <a:ext cx="0" cy="0"/>
+          <a:chOff x="0" y="0"/>
+          <a:chExt cx="0" cy="0"/>
+        </a:xfrm>
+      </p:grpSpPr>
+      <p:sp>
+        <p:nvSpPr>
           <p:cNvPr id="4" name="Title 1">
             <a:extLst>
               <a:ext uri="{FF2B5EF4-FFF2-40B4-BE49-F238E27FC236}">
@@ -11238,16 +11606,23 @@
         </p:nvSpPr>
         <p:spPr>
           <a:xfrm>
-            <a:off x="1066800" y="1459684"/>
-            <a:ext cx="10058400" cy="3125510"/>
+            <a:off x="1066800" y="1230923"/>
+            <a:ext cx="10058400" cy="3776302"/>
           </a:xfrm>
         </p:spPr>
         <p:txBody>
           <a:bodyPr vert="horz" lIns="91440" tIns="45720" rIns="91440" bIns="45720" rtlCol="0" anchor="b">
-            <a:normAutofit/>
+            <a:normAutofit fontScale="90000"/>
           </a:bodyPr>
           <a:lstStyle/>
           <a:p>
+            <a:r>
+              <a:rPr lang="en-US" sz="6700" b="1" i="1" dirty="0"/>
+              <a:t>BASELINE</a:t>
+            </a:r>
+            <a:br>
+              <a:rPr lang="en-US" sz="6700" b="1" i="1" dirty="0"/>
+            </a:br>
             <a:r>
               <a:rPr lang="en-US" sz="6700" b="1" i="1" dirty="0"/>
               <a:t>ANALYSIS &amp; FINDINGS</a:t>
@@ -11279,7 +11654,7 @@
 </p:sld>
 </file>
 
-<file path=ppt/slides/slide6.xml><?xml version="1.0" encoding="utf-8"?>
+<file path=ppt/slides/slide7.xml><?xml version="1.0" encoding="utf-8"?>
 <p:sld xmlns:a="http://schemas.openxmlformats.org/drawingml/2006/main" xmlns:r="http://schemas.openxmlformats.org/officeDocument/2006/relationships" xmlns:p="http://schemas.openxmlformats.org/presentationml/2006/main">
   <p:cSld>
     <p:spTree>
@@ -11436,7 +11811,7 @@
 </p:sld>
 </file>
 
-<file path=ppt/slides/slide7.xml><?xml version="1.0" encoding="utf-8"?>
+<file path=ppt/slides/slide8.xml><?xml version="1.0" encoding="utf-8"?>
 <p:sld xmlns:a="http://schemas.openxmlformats.org/drawingml/2006/main" xmlns:r="http://schemas.openxmlformats.org/officeDocument/2006/relationships" xmlns:p="http://schemas.openxmlformats.org/presentationml/2006/main">
   <p:cSld>
     <p:spTree>
@@ -11594,7 +11969,7 @@
 </p:sld>
 </file>
 
-<file path=ppt/slides/slide8.xml><?xml version="1.0" encoding="utf-8"?>
+<file path=ppt/slides/slide9.xml><?xml version="1.0" encoding="utf-8"?>
 <p:sld xmlns:a="http://schemas.openxmlformats.org/drawingml/2006/main" xmlns:r="http://schemas.openxmlformats.org/officeDocument/2006/relationships" xmlns:p="http://schemas.openxmlformats.org/presentationml/2006/main">
   <p:cSld>
     <p:spTree>
@@ -11717,7 +12092,7 @@
                   <a:srgbClr val="FFFFFF"/>
                 </a:solidFill>
               </a:rPr>
-              <a:t>Minimum age = 1 | Mean age = 50.12 | Maximum age= 99 | Median age = 53</a:t>
+              <a:t>Minimum age = 1 | Maximum age= 99 | Mean age = 50.12 | Median age = 53</a:t>
             </a:r>
           </a:p>
         </p:txBody>
@@ -11756,82 +12131,6 @@
     <p:extLst>
       <p:ext uri="{BB962C8B-B14F-4D97-AF65-F5344CB8AC3E}">
         <p14:creationId xmlns:p14="http://schemas.microsoft.com/office/powerpoint/2010/main" val="3152261351"/>
-      </p:ext>
-    </p:extLst>
-  </p:cSld>
-  <p:clrMapOvr>
-    <a:masterClrMapping/>
-  </p:clrMapOvr>
-</p:sld>
-</file>
-
-<file path=ppt/slides/slide9.xml><?xml version="1.0" encoding="utf-8"?>
-<p:sld xmlns:a="http://schemas.openxmlformats.org/drawingml/2006/main" xmlns:r="http://schemas.openxmlformats.org/officeDocument/2006/relationships" xmlns:p="http://schemas.openxmlformats.org/presentationml/2006/main">
-  <p:cSld>
-    <p:spTree>
-      <p:nvGrpSpPr>
-        <p:cNvPr id="1" name=""/>
-        <p:cNvGrpSpPr/>
-        <p:nvPr/>
-      </p:nvGrpSpPr>
-      <p:grpSpPr>
-        <a:xfrm>
-          <a:off x="0" y="0"/>
-          <a:ext cx="0" cy="0"/>
-          <a:chOff x="0" y="0"/>
-          <a:chExt cx="0" cy="0"/>
-        </a:xfrm>
-      </p:grpSpPr>
-      <p:sp>
-        <p:nvSpPr>
-          <p:cNvPr id="4" name="Title 1">
-            <a:extLst>
-              <a:ext uri="{FF2B5EF4-FFF2-40B4-BE49-F238E27FC236}">
-                <a16:creationId xmlns:a16="http://schemas.microsoft.com/office/drawing/2014/main" id="{20F03BD6-24E5-42BC-AB1D-E0C4CD299811}"/>
-              </a:ext>
-            </a:extLst>
-          </p:cNvPr>
-          <p:cNvSpPr>
-            <a:spLocks noGrp="1"/>
-          </p:cNvSpPr>
-          <p:nvPr>
-            <p:ph type="title"/>
-          </p:nvPr>
-        </p:nvSpPr>
-        <p:spPr>
-          <a:xfrm>
-            <a:off x="1066800" y="1459684"/>
-            <a:ext cx="10058400" cy="3125510"/>
-          </a:xfrm>
-        </p:spPr>
-        <p:txBody>
-          <a:bodyPr vert="horz" lIns="91440" tIns="45720" rIns="91440" bIns="45720" rtlCol="0" anchor="b">
-            <a:normAutofit/>
-          </a:bodyPr>
-          <a:lstStyle/>
-          <a:p>
-            <a:r>
-              <a:rPr lang="en-US" sz="6700" b="1" i="1" dirty="0"/>
-              <a:t>ANALYSIS &amp; FINDINGS</a:t>
-            </a:r>
-            <a:br>
-              <a:rPr lang="en-US" sz="6700" b="1" i="1" dirty="0"/>
-            </a:br>
-            <a:r>
-              <a:rPr lang="en-US" sz="6700" b="1" i="1" dirty="0"/>
-              <a:t>using Tableau</a:t>
-            </a:r>
-            <a:br>
-              <a:rPr lang="en-US" sz="4800" i="1" dirty="0"/>
-            </a:br>
-            <a:endParaRPr lang="en-US" sz="4800" i="1" dirty="0"/>
-          </a:p>
-        </p:txBody>
-      </p:sp>
-    </p:spTree>
-    <p:extLst>
-      <p:ext uri="{BB962C8B-B14F-4D97-AF65-F5344CB8AC3E}">
-        <p14:creationId xmlns:p14="http://schemas.microsoft.com/office/powerpoint/2010/main" val="1057795427"/>
       </p:ext>
     </p:extLst>
   </p:cSld>

--- a/FINAL CAPSTONE PROJECT FILES/BB Final Capstone Project - PPTX Presentation.pptx
+++ b/FINAL CAPSTONE PROJECT FILES/BB Final Capstone Project - PPTX Presentation.pptx
@@ -5,7 +5,7 @@
     <p:sldMasterId id="2147483798" r:id="rId1"/>
   </p:sldMasterIdLst>
   <p:notesMasterIdLst>
-    <p:notesMasterId r:id="rId29"/>
+    <p:notesMasterId r:id="rId31"/>
   </p:notesMasterIdLst>
   <p:sldIdLst>
     <p:sldId id="256" r:id="rId2"/>
@@ -24,17 +24,19 @@
     <p:sldId id="327" r:id="rId15"/>
     <p:sldId id="261" r:id="rId16"/>
     <p:sldId id="308" r:id="rId17"/>
-    <p:sldId id="309" r:id="rId18"/>
-    <p:sldId id="311" r:id="rId19"/>
-    <p:sldId id="310" r:id="rId20"/>
-    <p:sldId id="312" r:id="rId21"/>
-    <p:sldId id="313" r:id="rId22"/>
-    <p:sldId id="315" r:id="rId23"/>
-    <p:sldId id="316" r:id="rId24"/>
-    <p:sldId id="326" r:id="rId25"/>
-    <p:sldId id="317" r:id="rId26"/>
+    <p:sldId id="317" r:id="rId18"/>
+    <p:sldId id="309" r:id="rId19"/>
+    <p:sldId id="311" r:id="rId20"/>
+    <p:sldId id="310" r:id="rId21"/>
+    <p:sldId id="312" r:id="rId22"/>
+    <p:sldId id="313" r:id="rId23"/>
+    <p:sldId id="315" r:id="rId24"/>
+    <p:sldId id="316" r:id="rId25"/>
+    <p:sldId id="326" r:id="rId26"/>
     <p:sldId id="325" r:id="rId27"/>
     <p:sldId id="323" r:id="rId28"/>
+    <p:sldId id="330" r:id="rId29"/>
+    <p:sldId id="329" r:id="rId30"/>
   </p:sldIdLst>
   <p:sldSz cx="12192000" cy="6858000"/>
   <p:notesSz cx="6858000" cy="9144000"/>
@@ -960,7 +962,7 @@
           <a:p>
             <a:fld id="{D17A38DF-8A95-4BD1-9DCE-37BC151E2653}" type="slidenum">
               <a:rPr lang="en-US" smtClean="0"/>
-              <a:t>24</a:t>
+              <a:t>25</a:t>
             </a:fld>
             <a:endParaRPr lang="en-US"/>
           </a:p>
@@ -8104,8 +8106,8 @@
         </p:nvSpPr>
         <p:spPr>
           <a:xfrm>
-            <a:off x="1695424" y="166016"/>
-            <a:ext cx="8653185" cy="723150"/>
+            <a:off x="2380237" y="254614"/>
+            <a:ext cx="7032234" cy="863556"/>
           </a:xfrm>
         </p:spPr>
         <p:txBody>
@@ -8120,7 +8122,7 @@
                   <a:srgbClr val="FFFFFF"/>
                 </a:solidFill>
               </a:rPr>
-              <a:t>No Show Rate by Month and Day of the Week</a:t>
+              <a:t>No Show Rate by PCP</a:t>
             </a:r>
           </a:p>
         </p:txBody>
@@ -8143,45 +8145,36 @@
         </p:nvSpPr>
         <p:spPr>
           <a:xfrm>
-            <a:off x="1619056" y="830443"/>
-            <a:ext cx="8805922" cy="723150"/>
+            <a:off x="1922215" y="756595"/>
+            <a:ext cx="8216288" cy="723150"/>
           </a:xfrm>
         </p:spPr>
         <p:txBody>
           <a:bodyPr anchor="ctr">
-            <a:normAutofit fontScale="92500" lnSpcReduction="10000"/>
+            <a:normAutofit/>
           </a:bodyPr>
           <a:lstStyle/>
           <a:p>
-            <a:pPr algn="ctr"/>
-            <a:r>
-              <a:rPr lang="en-US" sz="1800" dirty="0">
+            <a:pPr marL="36900" indent="0" algn="ctr">
+              <a:buNone/>
+            </a:pPr>
+            <a:r>
+              <a:rPr lang="en-US" dirty="0">
                 <a:solidFill>
                   <a:srgbClr val="FFFFFF"/>
                 </a:solidFill>
               </a:rPr>
-              <a:t>October recorded the highest NS for the fiscal year 2020</a:t>
-            </a:r>
-          </a:p>
-          <a:p>
-            <a:pPr algn="ctr"/>
-            <a:r>
-              <a:rPr lang="en-US" sz="1800" dirty="0">
-                <a:solidFill>
-                  <a:srgbClr val="FFFFFF"/>
-                </a:solidFill>
-              </a:rPr>
-              <a:t>Tuesday seems to be the day of the week with the highest NS rate</a:t>
+              <a:t>24% of total no show patient has community-based PCP </a:t>
             </a:r>
           </a:p>
         </p:txBody>
       </p:sp>
       <p:pic>
         <p:nvPicPr>
-          <p:cNvPr id="2" name="Picture 1">
+          <p:cNvPr id="3" name="Picture 2">
             <a:extLst>
               <a:ext uri="{FF2B5EF4-FFF2-40B4-BE49-F238E27FC236}">
-                <a16:creationId xmlns:a16="http://schemas.microsoft.com/office/drawing/2014/main" id="{5A89A352-3066-416F-BBEB-4EF5DB6B8F8F}"/>
+                <a16:creationId xmlns:a16="http://schemas.microsoft.com/office/drawing/2014/main" id="{B5088822-D3EC-4A11-9C95-71EDBE66AE30}"/>
               </a:ext>
             </a:extLst>
           </p:cNvPr>
@@ -8198,38 +8191,8 @@
         </p:blipFill>
         <p:spPr>
           <a:xfrm>
-            <a:off x="1197070" y="1526960"/>
-            <a:ext cx="9649895" cy="2985163"/>
-          </a:xfrm>
-          <a:prstGeom prst="rect">
-            <a:avLst/>
-          </a:prstGeom>
-        </p:spPr>
-      </p:pic>
-      <p:pic>
-        <p:nvPicPr>
-          <p:cNvPr id="6" name="Picture 5">
-            <a:extLst>
-              <a:ext uri="{FF2B5EF4-FFF2-40B4-BE49-F238E27FC236}">
-                <a16:creationId xmlns:a16="http://schemas.microsoft.com/office/drawing/2014/main" id="{AA9D966E-636A-40AA-8A39-003D10684864}"/>
-              </a:ext>
-            </a:extLst>
-          </p:cNvPr>
-          <p:cNvPicPr>
-            <a:picLocks noChangeAspect="1"/>
-          </p:cNvPicPr>
-          <p:nvPr/>
-        </p:nvPicPr>
-        <p:blipFill>
-          <a:blip r:embed="rId3"/>
-          <a:stretch>
-            <a:fillRect/>
-          </a:stretch>
-        </p:blipFill>
-        <p:spPr>
-          <a:xfrm>
-            <a:off x="1197070" y="4613796"/>
-            <a:ext cx="9649895" cy="1952625"/>
+            <a:off x="1160167" y="1620151"/>
+            <a:ext cx="10104828" cy="4458331"/>
           </a:xfrm>
           <a:prstGeom prst="rect">
             <a:avLst/>
@@ -8239,7 +8202,7 @@
     </p:spTree>
     <p:extLst>
       <p:ext uri="{BB962C8B-B14F-4D97-AF65-F5344CB8AC3E}">
-        <p14:creationId xmlns:p14="http://schemas.microsoft.com/office/powerpoint/2010/main" val="1443344896"/>
+        <p14:creationId xmlns:p14="http://schemas.microsoft.com/office/powerpoint/2010/main" val="2781722536"/>
       </p:ext>
     </p:extLst>
   </p:cSld>
@@ -8284,23 +8247,23 @@
         </p:nvSpPr>
         <p:spPr>
           <a:xfrm>
-            <a:off x="2056217" y="293162"/>
-            <a:ext cx="8805922" cy="434245"/>
+            <a:off x="1695424" y="166016"/>
+            <a:ext cx="8653185" cy="723150"/>
           </a:xfrm>
         </p:spPr>
         <p:txBody>
           <a:bodyPr anchor="ctr">
-            <a:noAutofit/>
+            <a:normAutofit/>
           </a:bodyPr>
           <a:lstStyle/>
           <a:p>
             <a:r>
-              <a:rPr lang="en-US" sz="2800" b="1" dirty="0">
+              <a:rPr lang="en-US" sz="3200" b="1" dirty="0">
                 <a:solidFill>
                   <a:srgbClr val="FFFFFF"/>
                 </a:solidFill>
               </a:rPr>
-              <a:t>No Show by Appointment Time – (Top 20 time slots)</a:t>
+              <a:t>No-Show Rate by Month and Day of the Week</a:t>
             </a:r>
           </a:p>
         </p:txBody>
@@ -8323,45 +8286,61 @@
         </p:nvSpPr>
         <p:spPr>
           <a:xfrm>
-            <a:off x="1855433" y="879721"/>
+            <a:off x="1619055" y="702137"/>
             <a:ext cx="8805922" cy="723150"/>
           </a:xfrm>
         </p:spPr>
         <p:txBody>
           <a:bodyPr anchor="ctr">
-            <a:normAutofit fontScale="92500" lnSpcReduction="10000"/>
+            <a:normAutofit/>
           </a:bodyPr>
           <a:lstStyle/>
           <a:p>
-            <a:pPr algn="ctr"/>
-            <a:r>
-              <a:rPr lang="en-US" sz="1800" dirty="0">
+            <a:pPr marL="36900" indent="0" algn="ctr">
+              <a:lnSpc>
+                <a:spcPct val="110000"/>
+              </a:lnSpc>
+              <a:spcBef>
+                <a:spcPts val="0"/>
+              </a:spcBef>
+              <a:buNone/>
+            </a:pPr>
+            <a:r>
+              <a:rPr lang="en-US" sz="1600" dirty="0">
                 <a:solidFill>
                   <a:srgbClr val="FFFFFF"/>
                 </a:solidFill>
               </a:rPr>
-              <a:t>9am appointments has the highest NS rate.</a:t>
-            </a:r>
-          </a:p>
-          <a:p>
-            <a:pPr algn="ctr"/>
-            <a:r>
-              <a:rPr lang="en-US" sz="1800" dirty="0">
+              <a:t>October recorded the highest NS for the fiscal year 2020</a:t>
+            </a:r>
+          </a:p>
+          <a:p>
+            <a:pPr marL="36900" indent="0" algn="ctr">
+              <a:lnSpc>
+                <a:spcPct val="110000"/>
+              </a:lnSpc>
+              <a:spcBef>
+                <a:spcPts val="0"/>
+              </a:spcBef>
+              <a:buNone/>
+            </a:pPr>
+            <a:r>
+              <a:rPr lang="en-US" sz="1600" dirty="0">
                 <a:solidFill>
                   <a:srgbClr val="FFFFFF"/>
                 </a:solidFill>
               </a:rPr>
-              <a:t>Tuesday had the highest NS rate among all the time slots</a:t>
+              <a:t>Tuesday seems to be the day of the week with the highest NS rate</a:t>
             </a:r>
           </a:p>
         </p:txBody>
       </p:sp>
       <p:pic>
         <p:nvPicPr>
-          <p:cNvPr id="6" name="Picture 5">
+          <p:cNvPr id="2" name="Picture 1">
             <a:extLst>
               <a:ext uri="{FF2B5EF4-FFF2-40B4-BE49-F238E27FC236}">
-                <a16:creationId xmlns:a16="http://schemas.microsoft.com/office/drawing/2014/main" id="{6234A6EA-7390-47B8-A270-49CFB45C05D7}"/>
+                <a16:creationId xmlns:a16="http://schemas.microsoft.com/office/drawing/2014/main" id="{5A89A352-3066-416F-BBEB-4EF5DB6B8F8F}"/>
               </a:ext>
             </a:extLst>
           </p:cNvPr>
@@ -8378,8 +8357,8 @@
         </p:blipFill>
         <p:spPr>
           <a:xfrm>
-            <a:off x="476250" y="1672607"/>
-            <a:ext cx="11239500" cy="4746779"/>
+            <a:off x="1197070" y="1425287"/>
+            <a:ext cx="9649895" cy="2985163"/>
           </a:xfrm>
           <a:prstGeom prst="rect">
             <a:avLst/>
@@ -8388,10 +8367,10 @@
       </p:pic>
       <p:pic>
         <p:nvPicPr>
-          <p:cNvPr id="7" name="Picture 6">
+          <p:cNvPr id="6" name="Picture 5">
             <a:extLst>
               <a:ext uri="{FF2B5EF4-FFF2-40B4-BE49-F238E27FC236}">
-                <a16:creationId xmlns:a16="http://schemas.microsoft.com/office/drawing/2014/main" id="{6FD2EB03-0AE7-42A9-9BD1-130162CBEEFD}"/>
+                <a16:creationId xmlns:a16="http://schemas.microsoft.com/office/drawing/2014/main" id="{AA9D966E-636A-40AA-8A39-003D10684864}"/>
               </a:ext>
             </a:extLst>
           </p:cNvPr>
@@ -8408,8 +8387,8 @@
         </p:blipFill>
         <p:spPr>
           <a:xfrm>
-            <a:off x="9829800" y="4876337"/>
-            <a:ext cx="1885950" cy="1543050"/>
+            <a:off x="1271052" y="4456400"/>
+            <a:ext cx="9649895" cy="1952625"/>
           </a:xfrm>
           <a:prstGeom prst="rect">
             <a:avLst/>
@@ -8419,7 +8398,7 @@
     </p:spTree>
     <p:extLst>
       <p:ext uri="{BB962C8B-B14F-4D97-AF65-F5344CB8AC3E}">
-        <p14:creationId xmlns:p14="http://schemas.microsoft.com/office/powerpoint/2010/main" val="3741109863"/>
+        <p14:creationId xmlns:p14="http://schemas.microsoft.com/office/powerpoint/2010/main" val="1443344896"/>
       </p:ext>
     </p:extLst>
   </p:cSld>
@@ -8464,13 +8443,13 @@
         </p:nvSpPr>
         <p:spPr>
           <a:xfrm>
-            <a:off x="2328874" y="179075"/>
-            <a:ext cx="7529060" cy="434245"/>
+            <a:off x="2056217" y="293162"/>
+            <a:ext cx="8805922" cy="434245"/>
           </a:xfrm>
         </p:spPr>
         <p:txBody>
           <a:bodyPr anchor="ctr">
-            <a:normAutofit fontScale="90000"/>
+            <a:noAutofit/>
           </a:bodyPr>
           <a:lstStyle/>
           <a:p>
@@ -8480,7 +8459,7 @@
                   <a:srgbClr val="FFFFFF"/>
                 </a:solidFill>
               </a:rPr>
-              <a:t>No Show Rate by month and estimated lost revenue </a:t>
+              <a:t>No-Show by Appointment Time – (Top 20 time slots)</a:t>
             </a:r>
           </a:p>
         </p:txBody>
@@ -8503,44 +8482,45 @@
         </p:nvSpPr>
         <p:spPr>
           <a:xfrm>
-            <a:off x="1695635" y="613320"/>
+            <a:off x="1855433" y="879721"/>
             <a:ext cx="8805922" cy="723150"/>
           </a:xfrm>
         </p:spPr>
         <p:txBody>
           <a:bodyPr anchor="ctr">
-            <a:normAutofit fontScale="77500" lnSpcReduction="20000"/>
+            <a:normAutofit fontScale="92500" lnSpcReduction="10000"/>
           </a:bodyPr>
           <a:lstStyle/>
           <a:p>
             <a:pPr algn="ctr"/>
             <a:r>
-              <a:rPr lang="en-US" dirty="0">
+              <a:rPr lang="en-US" sz="1800" dirty="0">
                 <a:solidFill>
                   <a:srgbClr val="FFFFFF"/>
                 </a:solidFill>
               </a:rPr>
-              <a:t>There is a direct correlation between no show rate and lost revenue opportunity</a:t>
-            </a:r>
-          </a:p>
-          <a:p>
-            <a:r>
-              <a:rPr lang="en-US" dirty="0">
+              <a:t>9am appointments has the highest NS rate.</a:t>
+            </a:r>
+          </a:p>
+          <a:p>
+            <a:pPr algn="ctr"/>
+            <a:r>
+              <a:rPr lang="en-US" sz="1800" dirty="0">
                 <a:solidFill>
                   <a:srgbClr val="FFFFFF"/>
                 </a:solidFill>
               </a:rPr>
-              <a:t>The month of October recorded the highest lost in revenue due to NS for the fiscal year 2020</a:t>
+              <a:t>Tuesday had the highest NS rate among all the time slots</a:t>
             </a:r>
           </a:p>
         </p:txBody>
       </p:sp>
       <p:pic>
         <p:nvPicPr>
-          <p:cNvPr id="3" name="Picture 2">
+          <p:cNvPr id="6" name="Picture 5">
             <a:extLst>
               <a:ext uri="{FF2B5EF4-FFF2-40B4-BE49-F238E27FC236}">
-                <a16:creationId xmlns:a16="http://schemas.microsoft.com/office/drawing/2014/main" id="{1EDA35C7-EEA5-4619-9207-873FF7B23E43}"/>
+                <a16:creationId xmlns:a16="http://schemas.microsoft.com/office/drawing/2014/main" id="{6234A6EA-7390-47B8-A270-49CFB45C05D7}"/>
               </a:ext>
             </a:extLst>
           </p:cNvPr>
@@ -8557,8 +8537,38 @@
         </p:blipFill>
         <p:spPr>
           <a:xfrm>
-            <a:off x="1690443" y="1336470"/>
-            <a:ext cx="8805922" cy="5126990"/>
+            <a:off x="1037492" y="1672607"/>
+            <a:ext cx="10119946" cy="4746779"/>
+          </a:xfrm>
+          <a:prstGeom prst="rect">
+            <a:avLst/>
+          </a:prstGeom>
+        </p:spPr>
+      </p:pic>
+      <p:pic>
+        <p:nvPicPr>
+          <p:cNvPr id="7" name="Picture 6">
+            <a:extLst>
+              <a:ext uri="{FF2B5EF4-FFF2-40B4-BE49-F238E27FC236}">
+                <a16:creationId xmlns:a16="http://schemas.microsoft.com/office/drawing/2014/main" id="{6FD2EB03-0AE7-42A9-9BD1-130162CBEEFD}"/>
+              </a:ext>
+            </a:extLst>
+          </p:cNvPr>
+          <p:cNvPicPr>
+            <a:picLocks noChangeAspect="1"/>
+          </p:cNvPicPr>
+          <p:nvPr/>
+        </p:nvPicPr>
+        <p:blipFill>
+          <a:blip r:embed="rId3"/>
+          <a:stretch>
+            <a:fillRect/>
+          </a:stretch>
+        </p:blipFill>
+        <p:spPr>
+          <a:xfrm>
+            <a:off x="9829800" y="4876337"/>
+            <a:ext cx="1885950" cy="1543050"/>
           </a:xfrm>
           <a:prstGeom prst="rect">
             <a:avLst/>
@@ -8568,7 +8578,7 @@
     </p:spTree>
     <p:extLst>
       <p:ext uri="{BB962C8B-B14F-4D97-AF65-F5344CB8AC3E}">
-        <p14:creationId xmlns:p14="http://schemas.microsoft.com/office/powerpoint/2010/main" val="1245698488"/>
+        <p14:creationId xmlns:p14="http://schemas.microsoft.com/office/powerpoint/2010/main" val="3741109863"/>
       </p:ext>
     </p:extLst>
   </p:cSld>
@@ -8814,13 +8824,13 @@
         </p:nvSpPr>
         <p:spPr>
           <a:xfrm>
-            <a:off x="3106065" y="99176"/>
-            <a:ext cx="6326095" cy="593282"/>
+            <a:off x="2328874" y="179075"/>
+            <a:ext cx="7529060" cy="434245"/>
           </a:xfrm>
         </p:spPr>
         <p:txBody>
           <a:bodyPr anchor="ctr">
-            <a:normAutofit/>
+            <a:normAutofit fontScale="90000"/>
           </a:bodyPr>
           <a:lstStyle/>
           <a:p>
@@ -8830,7 +8840,7 @@
                   <a:srgbClr val="FFFFFF"/>
                 </a:solidFill>
               </a:rPr>
-              <a:t>No Show Rate by Gender and Age</a:t>
+              <a:t>No-Show Rate by month and estimated lost revenue </a:t>
             </a:r>
           </a:p>
         </p:txBody>
@@ -8853,17 +8863,42 @@
         </p:nvSpPr>
         <p:spPr>
           <a:xfrm>
-            <a:off x="1260628" y="579082"/>
-            <a:ext cx="10016971" cy="723150"/>
+            <a:off x="1695635" y="613320"/>
+            <a:ext cx="8805922" cy="723150"/>
           </a:xfrm>
         </p:spPr>
         <p:txBody>
           <a:bodyPr anchor="ctr">
-            <a:normAutofit/>
+            <a:normAutofit fontScale="85000" lnSpcReduction="10000"/>
           </a:bodyPr>
           <a:lstStyle/>
           <a:p>
+            <a:pPr marL="36900" indent="0" algn="ctr">
+              <a:spcBef>
+                <a:spcPts val="0"/>
+              </a:spcBef>
+              <a:spcAft>
+                <a:spcPts val="0"/>
+              </a:spcAft>
+              <a:buNone/>
+            </a:pPr>
+            <a:r>
+              <a:rPr lang="en-US" dirty="0">
+                <a:solidFill>
+                  <a:srgbClr val="FFFFFF"/>
+                </a:solidFill>
+              </a:rPr>
+              <a:t>There is a direct correlation between no show rate and lost revenue opportunity.</a:t>
+            </a:r>
+          </a:p>
+          <a:p>
             <a:pPr marL="36900" indent="0">
+              <a:spcBef>
+                <a:spcPts val="0"/>
+              </a:spcBef>
+              <a:spcAft>
+                <a:spcPts val="0"/>
+              </a:spcAft>
               <a:buNone/>
             </a:pPr>
             <a:r>
@@ -8872,17 +8907,17 @@
                   <a:srgbClr val="FFFFFF"/>
                 </a:solidFill>
               </a:rPr>
-              <a:t>Median age of Male patients tend to be higher than female among the NS population</a:t>
+              <a:t>The month of October recorded the highest lost in revenue due to NS for the fiscal year 2020.</a:t>
             </a:r>
           </a:p>
         </p:txBody>
       </p:sp>
       <p:pic>
         <p:nvPicPr>
-          <p:cNvPr id="7" name="Picture 6">
+          <p:cNvPr id="3" name="Picture 2">
             <a:extLst>
               <a:ext uri="{FF2B5EF4-FFF2-40B4-BE49-F238E27FC236}">
-                <a16:creationId xmlns:a16="http://schemas.microsoft.com/office/drawing/2014/main" id="{B3B9B408-61D5-4D9F-AEB6-552851570D55}"/>
+                <a16:creationId xmlns:a16="http://schemas.microsoft.com/office/drawing/2014/main" id="{1EDA35C7-EEA5-4619-9207-873FF7B23E43}"/>
               </a:ext>
             </a:extLst>
           </p:cNvPr>
@@ -8899,68 +8934,8 @@
         </p:blipFill>
         <p:spPr>
           <a:xfrm>
-            <a:off x="1260626" y="1172364"/>
-            <a:ext cx="10016971" cy="5315560"/>
-          </a:xfrm>
-          <a:prstGeom prst="rect">
-            <a:avLst/>
-          </a:prstGeom>
-        </p:spPr>
-      </p:pic>
-      <p:pic>
-        <p:nvPicPr>
-          <p:cNvPr id="8" name="Picture 7">
-            <a:extLst>
-              <a:ext uri="{FF2B5EF4-FFF2-40B4-BE49-F238E27FC236}">
-                <a16:creationId xmlns:a16="http://schemas.microsoft.com/office/drawing/2014/main" id="{A4E91CFF-0691-4DE9-A0C4-EB3C07841BDB}"/>
-              </a:ext>
-            </a:extLst>
-          </p:cNvPr>
-          <p:cNvPicPr>
-            <a:picLocks noChangeAspect="1"/>
-          </p:cNvPicPr>
-          <p:nvPr/>
-        </p:nvPicPr>
-        <p:blipFill>
-          <a:blip r:embed="rId3"/>
-          <a:stretch>
-            <a:fillRect/>
-          </a:stretch>
-        </p:blipFill>
-        <p:spPr>
-          <a:xfrm>
-            <a:off x="4518734" y="4956487"/>
-            <a:ext cx="1162326" cy="932731"/>
-          </a:xfrm>
-          <a:prstGeom prst="rect">
-            <a:avLst/>
-          </a:prstGeom>
-        </p:spPr>
-      </p:pic>
-      <p:pic>
-        <p:nvPicPr>
-          <p:cNvPr id="9" name="Picture 8">
-            <a:extLst>
-              <a:ext uri="{FF2B5EF4-FFF2-40B4-BE49-F238E27FC236}">
-                <a16:creationId xmlns:a16="http://schemas.microsoft.com/office/drawing/2014/main" id="{5D6AD67C-544B-4D1B-AB70-CD6D1A1395E6}"/>
-              </a:ext>
-            </a:extLst>
-          </p:cNvPr>
-          <p:cNvPicPr>
-            <a:picLocks noChangeAspect="1"/>
-          </p:cNvPicPr>
-          <p:nvPr/>
-        </p:nvPicPr>
-        <p:blipFill>
-          <a:blip r:embed="rId4"/>
-          <a:stretch>
-            <a:fillRect/>
-          </a:stretch>
-        </p:blipFill>
-        <p:spPr>
-          <a:xfrm>
-            <a:off x="9676067" y="4956487"/>
-            <a:ext cx="1162326" cy="960856"/>
+            <a:off x="1160584" y="1336470"/>
+            <a:ext cx="9970477" cy="5126990"/>
           </a:xfrm>
           <a:prstGeom prst="rect">
             <a:avLst/>
@@ -8970,7 +8945,7 @@
     </p:spTree>
     <p:extLst>
       <p:ext uri="{BB962C8B-B14F-4D97-AF65-F5344CB8AC3E}">
-        <p14:creationId xmlns:p14="http://schemas.microsoft.com/office/powerpoint/2010/main" val="1567628025"/>
+        <p14:creationId xmlns:p14="http://schemas.microsoft.com/office/powerpoint/2010/main" val="1245698488"/>
       </p:ext>
     </p:extLst>
   </p:cSld>
@@ -9015,13 +8990,13 @@
         </p:nvSpPr>
         <p:spPr>
           <a:xfrm>
-            <a:off x="2511261" y="50845"/>
-            <a:ext cx="7032234" cy="863556"/>
+            <a:off x="3106063" y="277017"/>
+            <a:ext cx="6326095" cy="593282"/>
           </a:xfrm>
         </p:spPr>
         <p:txBody>
           <a:bodyPr anchor="ctr">
-            <a:normAutofit fontScale="90000"/>
+            <a:normAutofit/>
           </a:bodyPr>
           <a:lstStyle/>
           <a:p>
@@ -9031,7 +9006,7 @@
                   <a:srgbClr val="FFFFFF"/>
                 </a:solidFill>
               </a:rPr>
-              <a:t>No Show Rate on Non-Major Holidays (&gt;70)</a:t>
+              <a:t>No Show Rate by Gender and Age</a:t>
             </a:r>
           </a:p>
         </p:txBody>
@@ -9054,17 +9029,17 @@
         </p:nvSpPr>
         <p:spPr>
           <a:xfrm>
-            <a:off x="1167410" y="809901"/>
+            <a:off x="1260628" y="579082"/>
             <a:ext cx="10016971" cy="723150"/>
           </a:xfrm>
         </p:spPr>
         <p:txBody>
           <a:bodyPr anchor="ctr">
-            <a:normAutofit fontScale="92500" lnSpcReduction="20000"/>
+            <a:normAutofit/>
           </a:bodyPr>
           <a:lstStyle/>
           <a:p>
-            <a:pPr marL="36900" indent="0" algn="ctr">
+            <a:pPr marL="36900" indent="0">
               <a:buNone/>
             </a:pPr>
             <a:r>
@@ -9073,30 +9048,17 @@
                   <a:srgbClr val="FFFFFF"/>
                 </a:solidFill>
               </a:rPr>
-              <a:t>Orthodox- Christmas, Diwali(Day After) and Cyber Monday topped the list </a:t>
-            </a:r>
-          </a:p>
-          <a:p>
-            <a:pPr marL="36900" indent="0" algn="ctr">
-              <a:buNone/>
-            </a:pPr>
-            <a:r>
-              <a:rPr lang="en-US" dirty="0">
-                <a:solidFill>
-                  <a:srgbClr val="FFFFFF"/>
-                </a:solidFill>
-              </a:rPr>
-              <a:t>among the non major holiday with the highest NS rate.</a:t>
+              <a:t>Median age of Male patients tend to be higher than female among the NS population</a:t>
             </a:r>
           </a:p>
         </p:txBody>
       </p:sp>
       <p:pic>
         <p:nvPicPr>
-          <p:cNvPr id="3" name="Picture 2">
+          <p:cNvPr id="7" name="Picture 6">
             <a:extLst>
               <a:ext uri="{FF2B5EF4-FFF2-40B4-BE49-F238E27FC236}">
-                <a16:creationId xmlns:a16="http://schemas.microsoft.com/office/drawing/2014/main" id="{175820B9-F223-4C32-8442-810841CE362E}"/>
+                <a16:creationId xmlns:a16="http://schemas.microsoft.com/office/drawing/2014/main" id="{B3B9B408-61D5-4D9F-AEB6-552851570D55}"/>
               </a:ext>
             </a:extLst>
           </p:cNvPr>
@@ -9113,8 +9075,68 @@
         </p:blipFill>
         <p:spPr>
           <a:xfrm>
-            <a:off x="1686187" y="1673457"/>
-            <a:ext cx="9051721" cy="4930615"/>
+            <a:off x="1260626" y="1172364"/>
+            <a:ext cx="10016971" cy="5315560"/>
+          </a:xfrm>
+          <a:prstGeom prst="rect">
+            <a:avLst/>
+          </a:prstGeom>
+        </p:spPr>
+      </p:pic>
+      <p:pic>
+        <p:nvPicPr>
+          <p:cNvPr id="8" name="Picture 7">
+            <a:extLst>
+              <a:ext uri="{FF2B5EF4-FFF2-40B4-BE49-F238E27FC236}">
+                <a16:creationId xmlns:a16="http://schemas.microsoft.com/office/drawing/2014/main" id="{A4E91CFF-0691-4DE9-A0C4-EB3C07841BDB}"/>
+              </a:ext>
+            </a:extLst>
+          </p:cNvPr>
+          <p:cNvPicPr>
+            <a:picLocks noChangeAspect="1"/>
+          </p:cNvPicPr>
+          <p:nvPr/>
+        </p:nvPicPr>
+        <p:blipFill>
+          <a:blip r:embed="rId3"/>
+          <a:stretch>
+            <a:fillRect/>
+          </a:stretch>
+        </p:blipFill>
+        <p:spPr>
+          <a:xfrm>
+            <a:off x="4518734" y="4956487"/>
+            <a:ext cx="1162326" cy="932731"/>
+          </a:xfrm>
+          <a:prstGeom prst="rect">
+            <a:avLst/>
+          </a:prstGeom>
+        </p:spPr>
+      </p:pic>
+      <p:pic>
+        <p:nvPicPr>
+          <p:cNvPr id="9" name="Picture 8">
+            <a:extLst>
+              <a:ext uri="{FF2B5EF4-FFF2-40B4-BE49-F238E27FC236}">
+                <a16:creationId xmlns:a16="http://schemas.microsoft.com/office/drawing/2014/main" id="{5D6AD67C-544B-4D1B-AB70-CD6D1A1395E6}"/>
+              </a:ext>
+            </a:extLst>
+          </p:cNvPr>
+          <p:cNvPicPr>
+            <a:picLocks noChangeAspect="1"/>
+          </p:cNvPicPr>
+          <p:nvPr/>
+        </p:nvPicPr>
+        <p:blipFill>
+          <a:blip r:embed="rId4"/>
+          <a:stretch>
+            <a:fillRect/>
+          </a:stretch>
+        </p:blipFill>
+        <p:spPr>
+          <a:xfrm>
+            <a:off x="9676067" y="4956487"/>
+            <a:ext cx="1162326" cy="960856"/>
           </a:xfrm>
           <a:prstGeom prst="rect">
             <a:avLst/>
@@ -9124,7 +9146,7 @@
     </p:spTree>
     <p:extLst>
       <p:ext uri="{BB962C8B-B14F-4D97-AF65-F5344CB8AC3E}">
-        <p14:creationId xmlns:p14="http://schemas.microsoft.com/office/powerpoint/2010/main" val="1370630511"/>
+        <p14:creationId xmlns:p14="http://schemas.microsoft.com/office/powerpoint/2010/main" val="1567628025"/>
       </p:ext>
     </p:extLst>
   </p:cSld>
@@ -9175,17 +9197,17 @@
         </p:spPr>
         <p:txBody>
           <a:bodyPr anchor="ctr">
-            <a:normAutofit/>
+            <a:normAutofit fontScale="90000"/>
           </a:bodyPr>
           <a:lstStyle/>
           <a:p>
             <a:r>
-              <a:rPr lang="en-US" sz="2800" dirty="0">
+              <a:rPr lang="en-US" sz="2800" b="1" dirty="0">
                 <a:solidFill>
                   <a:srgbClr val="FFFFFF"/>
                 </a:solidFill>
               </a:rPr>
-              <a:t>Temp correlation with No Show rate</a:t>
+              <a:t>No Show Rate on Non-Major Holidays (&gt;70)</a:t>
             </a:r>
           </a:p>
         </p:txBody>
@@ -9208,33 +9230,67 @@
         </p:nvSpPr>
         <p:spPr>
           <a:xfrm>
-            <a:off x="1478128" y="801023"/>
+            <a:off x="1167410" y="809901"/>
             <a:ext cx="10016971" cy="723150"/>
           </a:xfrm>
         </p:spPr>
         <p:txBody>
           <a:bodyPr anchor="ctr">
-            <a:normAutofit/>
+            <a:normAutofit fontScale="92500" lnSpcReduction="10000"/>
           </a:bodyPr>
           <a:lstStyle/>
           <a:p>
+            <a:pPr marL="36900" indent="0" algn="ctr">
+              <a:lnSpc>
+                <a:spcPct val="120000"/>
+              </a:lnSpc>
+              <a:spcBef>
+                <a:spcPts val="0"/>
+              </a:spcBef>
+              <a:spcAft>
+                <a:spcPts val="0"/>
+              </a:spcAft>
+              <a:buNone/>
+            </a:pPr>
             <a:r>
               <a:rPr lang="en-US" dirty="0">
                 <a:solidFill>
                   <a:srgbClr val="FFFFFF"/>
                 </a:solidFill>
               </a:rPr>
-              <a:t>Higher temperature directly correlate with higher no show rate with June being the month with 229% increase in NSR compare to the month of May</a:t>
+              <a:t>Orthodox- Christmas, Diwali(Day After) and Cyber Monday topped the list </a:t>
+            </a:r>
+          </a:p>
+          <a:p>
+            <a:pPr marL="36900" indent="0" algn="ctr">
+              <a:lnSpc>
+                <a:spcPct val="120000"/>
+              </a:lnSpc>
+              <a:spcBef>
+                <a:spcPts val="0"/>
+              </a:spcBef>
+              <a:spcAft>
+                <a:spcPts val="0"/>
+              </a:spcAft>
+              <a:buNone/>
+            </a:pPr>
+            <a:r>
+              <a:rPr lang="en-US" dirty="0">
+                <a:solidFill>
+                  <a:srgbClr val="FFFFFF"/>
+                </a:solidFill>
+              </a:rPr>
+              <a:t>among the non major holiday with the highest NS rate.</a:t>
             </a:r>
           </a:p>
         </p:txBody>
       </p:sp>
       <p:pic>
         <p:nvPicPr>
-          <p:cNvPr id="6" name="Picture 5">
+          <p:cNvPr id="3" name="Picture 2">
             <a:extLst>
               <a:ext uri="{FF2B5EF4-FFF2-40B4-BE49-F238E27FC236}">
-                <a16:creationId xmlns:a16="http://schemas.microsoft.com/office/drawing/2014/main" id="{A79D4721-F242-4898-9E79-0ED4D9A835BE}"/>
+                <a16:creationId xmlns:a16="http://schemas.microsoft.com/office/drawing/2014/main" id="{175820B9-F223-4C32-8442-810841CE362E}"/>
               </a:ext>
             </a:extLst>
           </p:cNvPr>
@@ -9251,8 +9307,8 @@
         </p:blipFill>
         <p:spPr>
           <a:xfrm>
-            <a:off x="1544715" y="1524173"/>
-            <a:ext cx="9608598" cy="5164537"/>
+            <a:off x="1686187" y="1673457"/>
+            <a:ext cx="9051721" cy="4930615"/>
           </a:xfrm>
           <a:prstGeom prst="rect">
             <a:avLst/>
@@ -9262,7 +9318,7 @@
     </p:spTree>
     <p:extLst>
       <p:ext uri="{BB962C8B-B14F-4D97-AF65-F5344CB8AC3E}">
-        <p14:creationId xmlns:p14="http://schemas.microsoft.com/office/powerpoint/2010/main" val="545455577"/>
+        <p14:creationId xmlns:p14="http://schemas.microsoft.com/office/powerpoint/2010/main" val="1370630511"/>
       </p:ext>
     </p:extLst>
   </p:cSld>
@@ -9307,8 +9363,8 @@
         </p:nvSpPr>
         <p:spPr>
           <a:xfrm>
-            <a:off x="1922015" y="143124"/>
-            <a:ext cx="8216288" cy="863556"/>
+            <a:off x="2511261" y="50845"/>
+            <a:ext cx="7032234" cy="863556"/>
           </a:xfrm>
         </p:spPr>
         <p:txBody>
@@ -9323,7 +9379,7 @@
                   <a:srgbClr val="FFFFFF"/>
                 </a:solidFill>
               </a:rPr>
-              <a:t>Weather Type Correlation with No Show rate</a:t>
+              <a:t>Temp Correlation with No-Show Rate</a:t>
             </a:r>
           </a:p>
         </p:txBody>
@@ -9346,8 +9402,8 @@
         </p:nvSpPr>
         <p:spPr>
           <a:xfrm>
-            <a:off x="2064055" y="783268"/>
-            <a:ext cx="8216288" cy="723150"/>
+            <a:off x="1478128" y="801023"/>
+            <a:ext cx="10016971" cy="723150"/>
           </a:xfrm>
         </p:spPr>
         <p:txBody>
@@ -9365,17 +9421,17 @@
                   <a:srgbClr val="FFFFFF"/>
                 </a:solidFill>
               </a:rPr>
-              <a:t>42% of total no show days had weather type of rain associated with it</a:t>
+              <a:t>Higher temperature directly correlate with higher no-show rate with June being the month with 229% increase in NSR compare to the month of May</a:t>
             </a:r>
           </a:p>
         </p:txBody>
       </p:sp>
       <p:pic>
         <p:nvPicPr>
-          <p:cNvPr id="2" name="Picture 1">
+          <p:cNvPr id="6" name="Picture 5">
             <a:extLst>
               <a:ext uri="{FF2B5EF4-FFF2-40B4-BE49-F238E27FC236}">
-                <a16:creationId xmlns:a16="http://schemas.microsoft.com/office/drawing/2014/main" id="{EDBAC533-D336-45AB-831A-B3A583EC0835}"/>
+                <a16:creationId xmlns:a16="http://schemas.microsoft.com/office/drawing/2014/main" id="{A79D4721-F242-4898-9E79-0ED4D9A835BE}"/>
               </a:ext>
             </a:extLst>
           </p:cNvPr>
@@ -9392,8 +9448,8 @@
         </p:blipFill>
         <p:spPr>
           <a:xfrm>
-            <a:off x="1840200" y="1414140"/>
-            <a:ext cx="8663997" cy="4927938"/>
+            <a:off x="1544715" y="1524173"/>
+            <a:ext cx="9608598" cy="5164537"/>
           </a:xfrm>
           <a:prstGeom prst="rect">
             <a:avLst/>
@@ -9403,7 +9459,7 @@
     </p:spTree>
     <p:extLst>
       <p:ext uri="{BB962C8B-B14F-4D97-AF65-F5344CB8AC3E}">
-        <p14:creationId xmlns:p14="http://schemas.microsoft.com/office/powerpoint/2010/main" val="484230712"/>
+        <p14:creationId xmlns:p14="http://schemas.microsoft.com/office/powerpoint/2010/main" val="545455577"/>
       </p:ext>
     </p:extLst>
   </p:cSld>
@@ -9448,8 +9504,8 @@
         </p:nvSpPr>
         <p:spPr>
           <a:xfrm>
-            <a:off x="2511261" y="50845"/>
-            <a:ext cx="7032234" cy="863556"/>
+            <a:off x="1922015" y="143124"/>
+            <a:ext cx="8216288" cy="863556"/>
           </a:xfrm>
         </p:spPr>
         <p:txBody>
@@ -9459,12 +9515,12 @@
           <a:lstStyle/>
           <a:p>
             <a:r>
-              <a:rPr lang="en-US" sz="2800" dirty="0">
+              <a:rPr lang="en-US" sz="2800" b="1" dirty="0">
                 <a:solidFill>
                   <a:srgbClr val="FFFFFF"/>
                 </a:solidFill>
               </a:rPr>
-              <a:t>No Show rate – First Language</a:t>
+              <a:t>Weather Type Correlation with No Show Rate</a:t>
             </a:r>
           </a:p>
         </p:txBody>
@@ -9487,8 +9543,8 @@
         </p:nvSpPr>
         <p:spPr>
           <a:xfrm>
-            <a:off x="1478128" y="801023"/>
-            <a:ext cx="10016971" cy="723150"/>
+            <a:off x="2064055" y="783268"/>
+            <a:ext cx="8216288" cy="723150"/>
           </a:xfrm>
         </p:spPr>
         <p:txBody>
@@ -9497,29 +9553,16 @@
           </a:bodyPr>
           <a:lstStyle/>
           <a:p>
+            <a:pPr marL="36900" indent="0" algn="ctr">
+              <a:buNone/>
+            </a:pPr>
             <a:r>
               <a:rPr lang="en-US" dirty="0">
                 <a:solidFill>
                   <a:srgbClr val="FFFFFF"/>
                 </a:solidFill>
               </a:rPr>
-              <a:t>78% of the no show population has English listed as their first language followed by Spanish at 17%. These stats tells us about diversity granularity of </a:t>
-            </a:r>
-            <a:r>
-              <a:rPr lang="en-US" dirty="0" err="1">
-                <a:solidFill>
-                  <a:srgbClr val="FFFFFF"/>
-                </a:solidFill>
-              </a:rPr>
-              <a:t>Harlems</a:t>
-            </a:r>
-            <a:r>
-              <a:rPr lang="en-US" dirty="0">
-                <a:solidFill>
-                  <a:srgbClr val="FFFFFF"/>
-                </a:solidFill>
-              </a:rPr>
-              <a:t> community.</a:t>
+              <a:t>42% of total no show days had weather type of rain associated with it</a:t>
             </a:r>
           </a:p>
         </p:txBody>
@@ -9529,7 +9572,7 @@
           <p:cNvPr id="2" name="Picture 1">
             <a:extLst>
               <a:ext uri="{FF2B5EF4-FFF2-40B4-BE49-F238E27FC236}">
-                <a16:creationId xmlns:a16="http://schemas.microsoft.com/office/drawing/2014/main" id="{A2AB5A25-5744-4C6A-BABB-18012CF9B0EF}"/>
+                <a16:creationId xmlns:a16="http://schemas.microsoft.com/office/drawing/2014/main" id="{EDBAC533-D336-45AB-831A-B3A583EC0835}"/>
               </a:ext>
             </a:extLst>
           </p:cNvPr>
@@ -9539,15 +9582,15 @@
           <p:nvPr/>
         </p:nvPicPr>
         <p:blipFill>
-          <a:blip r:embed="rId3"/>
+          <a:blip r:embed="rId2"/>
           <a:stretch>
             <a:fillRect/>
           </a:stretch>
         </p:blipFill>
         <p:spPr>
           <a:xfrm>
-            <a:off x="1633491" y="1762788"/>
-            <a:ext cx="9627814" cy="4904341"/>
+            <a:off x="1840200" y="1414140"/>
+            <a:ext cx="8663997" cy="4927938"/>
           </a:xfrm>
           <a:prstGeom prst="rect">
             <a:avLst/>
@@ -9557,7 +9600,7 @@
     </p:spTree>
     <p:extLst>
       <p:ext uri="{BB962C8B-B14F-4D97-AF65-F5344CB8AC3E}">
-        <p14:creationId xmlns:p14="http://schemas.microsoft.com/office/powerpoint/2010/main" val="227598383"/>
+        <p14:creationId xmlns:p14="http://schemas.microsoft.com/office/powerpoint/2010/main" val="484230712"/>
       </p:ext>
     </p:extLst>
   </p:cSld>
@@ -9602,7 +9645,7 @@
         </p:nvSpPr>
         <p:spPr>
           <a:xfrm>
-            <a:off x="2336276" y="324953"/>
+            <a:off x="2511261" y="50845"/>
             <a:ext cx="7032234" cy="863556"/>
           </a:xfrm>
         </p:spPr>
@@ -9613,12 +9656,12 @@
           <a:lstStyle/>
           <a:p>
             <a:r>
-              <a:rPr lang="en-US" sz="3200" b="1" dirty="0">
+              <a:rPr lang="en-US" sz="2800" dirty="0">
                 <a:solidFill>
                   <a:srgbClr val="FFFFFF"/>
                 </a:solidFill>
               </a:rPr>
-              <a:t>No Show Rate by PCP</a:t>
+              <a:t>No Show rate – First Language</a:t>
             </a:r>
           </a:p>
         </p:txBody>
@@ -9641,8 +9684,8 @@
         </p:nvSpPr>
         <p:spPr>
           <a:xfrm>
-            <a:off x="2194777" y="999157"/>
-            <a:ext cx="8216288" cy="723150"/>
+            <a:off x="1478128" y="801023"/>
+            <a:ext cx="10016971" cy="723150"/>
           </a:xfrm>
         </p:spPr>
         <p:txBody>
@@ -9657,17 +9700,33 @@
                   <a:srgbClr val="FFFFFF"/>
                 </a:solidFill>
               </a:rPr>
-              <a:t>24% of total no show patient has community-based PCP </a:t>
+              <a:t>78% of the no show population has English listed as their first language followed by Spanish at 17%. These stats tells us about diversity granularity of </a:t>
+            </a:r>
+            <a:r>
+              <a:rPr lang="en-US" dirty="0" err="1">
+                <a:solidFill>
+                  <a:srgbClr val="FFFFFF"/>
+                </a:solidFill>
+              </a:rPr>
+              <a:t>Harlems</a:t>
+            </a:r>
+            <a:r>
+              <a:rPr lang="en-US" dirty="0">
+                <a:solidFill>
+                  <a:srgbClr val="FFFFFF"/>
+                </a:solidFill>
+              </a:rPr>
+              <a:t> community.</a:t>
             </a:r>
           </a:p>
         </p:txBody>
       </p:sp>
       <p:pic>
         <p:nvPicPr>
-          <p:cNvPr id="3" name="Picture 2">
+          <p:cNvPr id="2" name="Picture 1">
             <a:extLst>
               <a:ext uri="{FF2B5EF4-FFF2-40B4-BE49-F238E27FC236}">
-                <a16:creationId xmlns:a16="http://schemas.microsoft.com/office/drawing/2014/main" id="{B5088822-D3EC-4A11-9C95-71EDBE66AE30}"/>
+                <a16:creationId xmlns:a16="http://schemas.microsoft.com/office/drawing/2014/main" id="{A2AB5A25-5744-4C6A-BABB-18012CF9B0EF}"/>
               </a:ext>
             </a:extLst>
           </p:cNvPr>
@@ -9677,15 +9736,15 @@
           <p:nvPr/>
         </p:nvPicPr>
         <p:blipFill>
-          <a:blip r:embed="rId2"/>
+          <a:blip r:embed="rId3"/>
           <a:stretch>
             <a:fillRect/>
           </a:stretch>
         </p:blipFill>
         <p:spPr>
           <a:xfrm>
-            <a:off x="1081036" y="1818181"/>
-            <a:ext cx="10104828" cy="4458331"/>
+            <a:off x="1633491" y="1762788"/>
+            <a:ext cx="9627814" cy="4904341"/>
           </a:xfrm>
           <a:prstGeom prst="rect">
             <a:avLst/>
@@ -9695,7 +9754,7 @@
     </p:spTree>
     <p:extLst>
       <p:ext uri="{BB962C8B-B14F-4D97-AF65-F5344CB8AC3E}">
-        <p14:creationId xmlns:p14="http://schemas.microsoft.com/office/powerpoint/2010/main" val="2781722536"/>
+        <p14:creationId xmlns:p14="http://schemas.microsoft.com/office/powerpoint/2010/main" val="227598383"/>
       </p:ext>
     </p:extLst>
   </p:cSld>
@@ -10254,6 +10313,382 @@
 </p:sld>
 </file>
 
+<file path=ppt/slides/slide28.xml><?xml version="1.0" encoding="utf-8"?>
+<p:sld xmlns:a="http://schemas.openxmlformats.org/drawingml/2006/main" xmlns:r="http://schemas.openxmlformats.org/officeDocument/2006/relationships" xmlns:p="http://schemas.openxmlformats.org/presentationml/2006/main">
+  <p:cSld>
+    <p:bg>
+      <p:bgPr>
+        <a:blipFill rotWithShape="1">
+          <a:blip r:embed="rId2">
+            <a:duotone>
+              <a:schemeClr val="bg2">
+                <a:shade val="80000"/>
+                <a:lumMod val="80000"/>
+              </a:schemeClr>
+              <a:schemeClr val="bg2">
+                <a:tint val="98000"/>
+              </a:schemeClr>
+            </a:duotone>
+          </a:blip>
+          <a:stretch/>
+        </a:blipFill>
+        <a:effectLst/>
+      </p:bgPr>
+    </p:bg>
+    <p:spTree>
+      <p:nvGrpSpPr>
+        <p:cNvPr id="1" name=""/>
+        <p:cNvGrpSpPr/>
+        <p:nvPr/>
+      </p:nvGrpSpPr>
+      <p:grpSpPr>
+        <a:xfrm>
+          <a:off x="0" y="0"/>
+          <a:ext cx="0" cy="0"/>
+          <a:chOff x="0" y="0"/>
+          <a:chExt cx="0" cy="0"/>
+        </a:xfrm>
+      </p:grpSpPr>
+      <p:sp>
+        <p:nvSpPr>
+          <p:cNvPr id="71" name="Rectangle 70">
+            <a:extLst>
+              <a:ext uri="{FF2B5EF4-FFF2-40B4-BE49-F238E27FC236}">
+                <a16:creationId xmlns:a16="http://schemas.microsoft.com/office/drawing/2014/main" id="{5C56FD3A-4F39-4752-AC00-DB25CCA4ED73}"/>
+              </a:ext>
+              <a:ext uri="{C183D7F6-B498-43B3-948B-1728B52AA6E4}">
+                <adec:decorative xmlns:adec="http://schemas.microsoft.com/office/drawing/2017/decorative" val="1"/>
+              </a:ext>
+            </a:extLst>
+          </p:cNvPr>
+          <p:cNvSpPr>
+            <a:spLocks noGrp="1" noRot="1" noChangeAspect="1" noMove="1" noResize="1" noEditPoints="1" noAdjustHandles="1" noChangeArrowheads="1" noChangeShapeType="1" noTextEdit="1"/>
+          </p:cNvSpPr>
+          <p:nvPr>
+            <p:extLst>
+              <p:ext uri="{386F3935-93C4-4BCD-93E2-E3B085C9AB24}">
+                <p16:designElem xmlns:p16="http://schemas.microsoft.com/office/powerpoint/2015/main" val="1"/>
+              </p:ext>
+            </p:extLst>
+          </p:nvPr>
+        </p:nvSpPr>
+        <p:spPr>
+          <a:xfrm>
+            <a:off x="483347" y="482600"/>
+            <a:ext cx="11240496" cy="5892800"/>
+          </a:xfrm>
+          <a:prstGeom prst="rect">
+            <a:avLst/>
+          </a:prstGeom>
+          <a:noFill/>
+          <a:ln w="190500">
+            <a:solidFill>
+              <a:schemeClr val="tx1">
+                <a:alpha val="7000"/>
+              </a:schemeClr>
+            </a:solidFill>
+          </a:ln>
+        </p:spPr>
+        <p:style>
+          <a:lnRef idx="2">
+            <a:schemeClr val="accent1">
+              <a:shade val="50000"/>
+            </a:schemeClr>
+          </a:lnRef>
+          <a:fillRef idx="1">
+            <a:schemeClr val="accent1"/>
+          </a:fillRef>
+          <a:effectRef idx="0">
+            <a:schemeClr val="accent1"/>
+          </a:effectRef>
+          <a:fontRef idx="minor">
+            <a:schemeClr val="lt1"/>
+          </a:fontRef>
+        </p:style>
+        <p:txBody>
+          <a:bodyPr rtlCol="0" anchor="ctr"/>
+          <a:lstStyle/>
+          <a:p>
+            <a:pPr algn="ctr"/>
+            <a:endParaRPr lang="en-US"/>
+          </a:p>
+        </p:txBody>
+      </p:sp>
+      <p:sp>
+        <p:nvSpPr>
+          <p:cNvPr id="73" name="Rectangle 72">
+            <a:extLst>
+              <a:ext uri="{FF2B5EF4-FFF2-40B4-BE49-F238E27FC236}">
+                <a16:creationId xmlns:a16="http://schemas.microsoft.com/office/drawing/2014/main" id="{772527DF-A25C-46B4-A5D9-BBE2E310ACAF}"/>
+              </a:ext>
+              <a:ext uri="{C183D7F6-B498-43B3-948B-1728B52AA6E4}">
+                <adec:decorative xmlns:adec="http://schemas.microsoft.com/office/drawing/2017/decorative" val="1"/>
+              </a:ext>
+            </a:extLst>
+          </p:cNvPr>
+          <p:cNvSpPr>
+            <a:spLocks noGrp="1" noRot="1" noChangeAspect="1" noMove="1" noResize="1" noEditPoints="1" noAdjustHandles="1" noChangeArrowheads="1" noChangeShapeType="1" noTextEdit="1"/>
+          </p:cNvSpPr>
+          <p:nvPr>
+            <p:extLst>
+              <p:ext uri="{386F3935-93C4-4BCD-93E2-E3B085C9AB24}">
+                <p16:designElem xmlns:p16="http://schemas.microsoft.com/office/powerpoint/2015/main" val="1"/>
+              </p:ext>
+            </p:extLst>
+          </p:nvPr>
+        </p:nvSpPr>
+        <p:spPr>
+          <a:xfrm>
+            <a:off x="483347" y="482600"/>
+            <a:ext cx="11240496" cy="5892800"/>
+          </a:xfrm>
+          <a:prstGeom prst="rect">
+            <a:avLst/>
+          </a:prstGeom>
+          <a:solidFill>
+            <a:srgbClr val="FFFFFF"/>
+          </a:solidFill>
+          <a:ln>
+            <a:noFill/>
+          </a:ln>
+        </p:spPr>
+        <p:style>
+          <a:lnRef idx="2">
+            <a:schemeClr val="accent1">
+              <a:shade val="50000"/>
+            </a:schemeClr>
+          </a:lnRef>
+          <a:fillRef idx="1">
+            <a:schemeClr val="accent1"/>
+          </a:fillRef>
+          <a:effectRef idx="0">
+            <a:schemeClr val="accent1"/>
+          </a:effectRef>
+          <a:fontRef idx="minor">
+            <a:schemeClr val="lt1"/>
+          </a:fontRef>
+        </p:style>
+        <p:txBody>
+          <a:bodyPr rtlCol="0" anchor="ctr"/>
+          <a:lstStyle/>
+          <a:p>
+            <a:pPr algn="ctr"/>
+            <a:endParaRPr lang="en-US"/>
+          </a:p>
+        </p:txBody>
+      </p:sp>
+      <p:pic>
+        <p:nvPicPr>
+          <p:cNvPr id="3074" name="Picture 2" descr="A small thank you for all the support over the last year! - Scott Addington">
+            <a:extLst>
+              <a:ext uri="{FF2B5EF4-FFF2-40B4-BE49-F238E27FC236}">
+                <a16:creationId xmlns:a16="http://schemas.microsoft.com/office/drawing/2014/main" id="{87A70373-F183-4E27-8002-E18DADA8200E}"/>
+              </a:ext>
+            </a:extLst>
+          </p:cNvPr>
+          <p:cNvPicPr>
+            <a:picLocks noChangeAspect="1" noChangeArrowheads="1"/>
+          </p:cNvPicPr>
+          <p:nvPr/>
+        </p:nvPicPr>
+        <p:blipFill rotWithShape="1">
+          <a:blip r:embed="rId3">
+            <a:extLst>
+              <a:ext uri="{28A0092B-C50C-407E-A947-70E740481C1C}">
+                <a14:useLocalDpi xmlns:a14="http://schemas.microsoft.com/office/drawing/2010/main" val="0"/>
+              </a:ext>
+            </a:extLst>
+          </a:blip>
+          <a:srcRect t="5242" r="1" b="3938"/>
+          <a:stretch/>
+        </p:blipFill>
+        <p:spPr bwMode="auto">
+          <a:xfrm>
+            <a:off x="643467" y="643467"/>
+            <a:ext cx="10905066" cy="5571066"/>
+          </a:xfrm>
+          <a:prstGeom prst="rect">
+            <a:avLst/>
+          </a:prstGeom>
+          <a:noFill/>
+          <a:extLst>
+            <a:ext uri="{909E8E84-426E-40DD-AFC4-6F175D3DCCD1}">
+              <a14:hiddenFill xmlns:a14="http://schemas.microsoft.com/office/drawing/2010/main">
+                <a:solidFill>
+                  <a:srgbClr val="FFFFFF"/>
+                </a:solidFill>
+              </a14:hiddenFill>
+            </a:ext>
+          </a:extLst>
+        </p:spPr>
+      </p:pic>
+    </p:spTree>
+    <p:extLst>
+      <p:ext uri="{BB962C8B-B14F-4D97-AF65-F5344CB8AC3E}">
+        <p14:creationId xmlns:p14="http://schemas.microsoft.com/office/powerpoint/2010/main" val="2514190815"/>
+      </p:ext>
+    </p:extLst>
+  </p:cSld>
+  <p:clrMapOvr>
+    <a:masterClrMapping/>
+  </p:clrMapOvr>
+</p:sld>
+</file>
+
+<file path=ppt/slides/slide29.xml><?xml version="1.0" encoding="utf-8"?>
+<p:sld xmlns:a="http://schemas.openxmlformats.org/drawingml/2006/main" xmlns:r="http://schemas.openxmlformats.org/officeDocument/2006/relationships" xmlns:p="http://schemas.openxmlformats.org/presentationml/2006/main">
+  <p:cSld>
+    <p:spTree>
+      <p:nvGrpSpPr>
+        <p:cNvPr id="1" name=""/>
+        <p:cNvGrpSpPr/>
+        <p:nvPr/>
+      </p:nvGrpSpPr>
+      <p:grpSpPr>
+        <a:xfrm>
+          <a:off x="0" y="0"/>
+          <a:ext cx="0" cy="0"/>
+          <a:chOff x="0" y="0"/>
+          <a:chExt cx="0" cy="0"/>
+        </a:xfrm>
+      </p:grpSpPr>
+      <p:pic>
+        <p:nvPicPr>
+          <p:cNvPr id="2052" name="Picture 4" descr="Common Interview Questions And Answers - Camden Kelly">
+            <a:extLst>
+              <a:ext uri="{FF2B5EF4-FFF2-40B4-BE49-F238E27FC236}">
+                <a16:creationId xmlns:a16="http://schemas.microsoft.com/office/drawing/2014/main" id="{C096B7C2-3679-44F4-8942-F271FFFD454C}"/>
+              </a:ext>
+            </a:extLst>
+          </p:cNvPr>
+          <p:cNvPicPr>
+            <a:picLocks noChangeAspect="1" noChangeArrowheads="1"/>
+          </p:cNvPicPr>
+          <p:nvPr/>
+        </p:nvPicPr>
+        <p:blipFill>
+          <a:blip r:embed="rId2">
+            <a:extLst>
+              <a:ext uri="{28A0092B-C50C-407E-A947-70E740481C1C}">
+                <a14:useLocalDpi xmlns:a14="http://schemas.microsoft.com/office/drawing/2010/main" val="0"/>
+              </a:ext>
+            </a:extLst>
+          </a:blip>
+          <a:srcRect/>
+          <a:stretch>
+            <a:fillRect/>
+          </a:stretch>
+        </p:blipFill>
+        <p:spPr bwMode="auto">
+          <a:xfrm>
+            <a:off x="5282352" y="0"/>
+            <a:ext cx="6858000" cy="6858000"/>
+          </a:xfrm>
+          <a:prstGeom prst="rect">
+            <a:avLst/>
+          </a:prstGeom>
+          <a:noFill/>
+          <a:extLst>
+            <a:ext uri="{909E8E84-426E-40DD-AFC4-6F175D3DCCD1}">
+              <a14:hiddenFill xmlns:a14="http://schemas.microsoft.com/office/drawing/2010/main">
+                <a:solidFill>
+                  <a:srgbClr val="FFFFFF"/>
+                </a:solidFill>
+              </a14:hiddenFill>
+            </a:ext>
+          </a:extLst>
+        </p:spPr>
+      </p:pic>
+      <p:sp>
+        <p:nvSpPr>
+          <p:cNvPr id="5" name="Rectangle 4">
+            <a:extLst>
+              <a:ext uri="{FF2B5EF4-FFF2-40B4-BE49-F238E27FC236}">
+                <a16:creationId xmlns:a16="http://schemas.microsoft.com/office/drawing/2014/main" id="{50956A80-D787-42EB-804F-657B9590B72C}"/>
+              </a:ext>
+            </a:extLst>
+          </p:cNvPr>
+          <p:cNvSpPr/>
+          <p:nvPr/>
+        </p:nvSpPr>
+        <p:spPr>
+          <a:xfrm>
+            <a:off x="1120467" y="1929843"/>
+            <a:ext cx="5625258" cy="2800767"/>
+          </a:xfrm>
+          <a:prstGeom prst="rect">
+            <a:avLst/>
+          </a:prstGeom>
+          <a:noFill/>
+        </p:spPr>
+        <p:txBody>
+          <a:bodyPr wrap="none" lIns="91440" tIns="45720" rIns="91440" bIns="45720">
+            <a:spAutoFit/>
+          </a:bodyPr>
+          <a:lstStyle/>
+          <a:p>
+            <a:pPr algn="ctr"/>
+            <a:r>
+              <a:rPr lang="en-US" sz="8800" b="1" cap="none" spc="0" dirty="0">
+                <a:ln w="9525">
+                  <a:solidFill>
+                    <a:schemeClr val="bg1"/>
+                  </a:solidFill>
+                  <a:prstDash val="solid"/>
+                </a:ln>
+                <a:solidFill>
+                  <a:schemeClr val="tx1"/>
+                </a:solidFill>
+                <a:effectLst>
+                  <a:outerShdw blurRad="12700" dist="38100" dir="2700000" algn="tl" rotWithShape="0">
+                    <a:schemeClr val="bg1">
+                      <a:lumMod val="50000"/>
+                    </a:schemeClr>
+                  </a:outerShdw>
+                </a:effectLst>
+              </a:rPr>
+              <a:t>Any </a:t>
+            </a:r>
+          </a:p>
+          <a:p>
+            <a:pPr algn="ctr"/>
+            <a:r>
+              <a:rPr lang="en-US" sz="8800" b="1" cap="none" spc="0" dirty="0">
+                <a:ln w="9525">
+                  <a:solidFill>
+                    <a:schemeClr val="bg1"/>
+                  </a:solidFill>
+                  <a:prstDash val="solid"/>
+                </a:ln>
+                <a:solidFill>
+                  <a:schemeClr val="tx1"/>
+                </a:solidFill>
+                <a:effectLst>
+                  <a:outerShdw blurRad="12700" dist="38100" dir="2700000" algn="tl" rotWithShape="0">
+                    <a:schemeClr val="bg1">
+                      <a:lumMod val="50000"/>
+                    </a:schemeClr>
+                  </a:outerShdw>
+                </a:effectLst>
+              </a:rPr>
+              <a:t>Questions?</a:t>
+            </a:r>
+          </a:p>
+        </p:txBody>
+      </p:sp>
+    </p:spTree>
+    <p:extLst>
+      <p:ext uri="{BB962C8B-B14F-4D97-AF65-F5344CB8AC3E}">
+        <p14:creationId xmlns:p14="http://schemas.microsoft.com/office/powerpoint/2010/main" val="2749999522"/>
+      </p:ext>
+    </p:extLst>
+  </p:cSld>
+  <p:clrMapOvr>
+    <a:masterClrMapping/>
+  </p:clrMapOvr>
+</p:sld>
+</file>
+
 <file path=ppt/slides/slide3.xml><?xml version="1.0" encoding="utf-8"?>
 <p:sld xmlns:a="http://schemas.openxmlformats.org/drawingml/2006/main" xmlns:r="http://schemas.openxmlformats.org/officeDocument/2006/relationships" xmlns:p="http://schemas.openxmlformats.org/presentationml/2006/main">
   <p:cSld>
@@ -10519,7 +10954,7 @@
         </p:nvSpPr>
         <p:spPr>
           <a:xfrm>
-            <a:off x="800708" y="1998414"/>
+            <a:off x="800708" y="1804450"/>
             <a:ext cx="10058400" cy="3760891"/>
           </a:xfrm>
           <a:prstGeom prst="rect">
@@ -10926,6 +11361,108 @@
           </a:p>
         </p:txBody>
       </p:sp>
+      <p:pic>
+        <p:nvPicPr>
+          <p:cNvPr id="1026" name="Picture 2" descr="Road to Recovery: Epic's Risk-Scoring Algorithms Help Health Systems Get  Back on Course After COVID-19 Shutdowns">
+            <a:extLst>
+              <a:ext uri="{FF2B5EF4-FFF2-40B4-BE49-F238E27FC236}">
+                <a16:creationId xmlns:a16="http://schemas.microsoft.com/office/drawing/2014/main" id="{375678E5-8F5D-4334-B8C4-0FC4C943E984}"/>
+              </a:ext>
+            </a:extLst>
+          </p:cNvPr>
+          <p:cNvPicPr>
+            <a:picLocks noChangeAspect="1" noChangeArrowheads="1"/>
+          </p:cNvPicPr>
+          <p:nvPr/>
+        </p:nvPicPr>
+        <p:blipFill>
+          <a:blip r:embed="rId2">
+            <a:extLst>
+              <a:ext uri="{28A0092B-C50C-407E-A947-70E740481C1C}">
+                <a14:useLocalDpi xmlns:a14="http://schemas.microsoft.com/office/drawing/2010/main" val="0"/>
+              </a:ext>
+            </a:extLst>
+          </a:blip>
+          <a:srcRect/>
+          <a:stretch>
+            <a:fillRect/>
+          </a:stretch>
+        </p:blipFill>
+        <p:spPr bwMode="auto">
+          <a:xfrm>
+            <a:off x="1765588" y="4022291"/>
+            <a:ext cx="2952750" cy="1543050"/>
+          </a:xfrm>
+          <a:prstGeom prst="roundRect">
+            <a:avLst>
+              <a:gd name="adj" fmla="val 8594"/>
+            </a:avLst>
+          </a:prstGeom>
+          <a:solidFill>
+            <a:srgbClr val="FFFFFF">
+              <a:shade val="85000"/>
+            </a:srgbClr>
+          </a:solidFill>
+          <a:ln>
+            <a:noFill/>
+          </a:ln>
+          <a:effectLst>
+            <a:reflection blurRad="12700" stA="38000" endPos="28000" dist="5000" dir="5400000" sy="-100000" algn="bl" rotWithShape="0"/>
+          </a:effectLst>
+          <a:extLst>
+            <a:ext uri="{909E8E84-426E-40DD-AFC4-6F175D3DCCD1}">
+              <a14:hiddenFill xmlns:a14="http://schemas.microsoft.com/office/drawing/2010/main">
+                <a:solidFill>
+                  <a:srgbClr val="FFFFFF"/>
+                </a:solidFill>
+              </a14:hiddenFill>
+            </a:ext>
+          </a:extLst>
+        </p:spPr>
+      </p:pic>
+      <p:pic>
+        <p:nvPicPr>
+          <p:cNvPr id="4" name="Picture 3">
+            <a:extLst>
+              <a:ext uri="{FF2B5EF4-FFF2-40B4-BE49-F238E27FC236}">
+                <a16:creationId xmlns:a16="http://schemas.microsoft.com/office/drawing/2014/main" id="{C17A3449-F0E5-407B-9382-B029E2EF066C}"/>
+              </a:ext>
+            </a:extLst>
+          </p:cNvPr>
+          <p:cNvPicPr>
+            <a:picLocks noChangeAspect="1"/>
+          </p:cNvPicPr>
+          <p:nvPr/>
+        </p:nvPicPr>
+        <p:blipFill>
+          <a:blip r:embed="rId3"/>
+          <a:stretch>
+            <a:fillRect/>
+          </a:stretch>
+        </p:blipFill>
+        <p:spPr>
+          <a:xfrm>
+            <a:off x="5683218" y="4022291"/>
+            <a:ext cx="4186400" cy="1535013"/>
+          </a:xfrm>
+          <a:prstGeom prst="roundRect">
+            <a:avLst>
+              <a:gd name="adj" fmla="val 8594"/>
+            </a:avLst>
+          </a:prstGeom>
+          <a:solidFill>
+            <a:srgbClr val="FFFFFF">
+              <a:shade val="85000"/>
+            </a:srgbClr>
+          </a:solidFill>
+          <a:ln>
+            <a:noFill/>
+          </a:ln>
+          <a:effectLst>
+            <a:reflection blurRad="12700" stA="38000" endPos="28000" dist="5000" dir="5400000" sy="-100000" algn="bl" rotWithShape="0"/>
+          </a:effectLst>
+        </p:spPr>
+      </p:pic>
     </p:spTree>
     <p:extLst>
       <p:ext uri="{BB962C8B-B14F-4D97-AF65-F5344CB8AC3E}">
@@ -11549,7 +12086,14 @@
             </a:pPr>
             <a:r>
               <a:rPr lang="en-US" dirty="0"/>
-              <a:t>    GitHub – data and file storage</a:t>
+              <a:t>   GitHub – data and file storage</a:t>
+            </a:r>
+          </a:p>
+          <a:p>
+            <a:pPr lvl="1" algn="l"/>
+            <a:r>
+              <a:rPr lang="en-US" sz="1400" i="1" dirty="0"/>
+              <a:t>https://github.com/mgmboyd/DA-Capstone-Project/tree/master/FINAL%20CAPSTONE%20PROJECT%20FILES</a:t>
             </a:r>
           </a:p>
           <a:p>

--- a/FINAL CAPSTONE PROJECT FILES/BB Final Capstone Project - PPTX Presentation.pptx
+++ b/FINAL CAPSTONE PROJECT FILES/BB Final Capstone Project - PPTX Presentation.pptx
@@ -548,97 +548,18 @@
               </a:spcAft>
             </a:pPr>
             <a:r>
-              <a:rPr lang="en-US" sz="1800" dirty="0">
+              <a:rPr lang="en-US" sz="1800" b="1" i="1" u="sng" dirty="0">
                 <a:effectLst/>
                 <a:latin typeface="Calibri" panose="020F0502020204030204" pitchFamily="34" charset="0"/>
                 <a:ea typeface="Calibri" panose="020F0502020204030204" pitchFamily="34" charset="0"/>
               </a:rPr>
-              <a:t>Throughout the fiscal year 2019-2020, the missed appointments or “no-show” data has been recorded at Harlem Hospital Center. Analysis of the data and other variables recorded could potentially give us an insight as to how this information may impact financial sustainability and quality of care given to patients. </a:t>
-            </a:r>
-          </a:p>
-          <a:p>
-            <a:pPr marL="0" marR="0">
-              <a:lnSpc>
-                <a:spcPct val="115000"/>
-              </a:lnSpc>
-              <a:spcBef>
-                <a:spcPts val="0"/>
-              </a:spcBef>
-              <a:spcAft>
-                <a:spcPts val="1000"/>
-              </a:spcAft>
-            </a:pPr>
-            <a:r>
-              <a:rPr lang="en-US" sz="1800" dirty="0">
-                <a:effectLst/>
-                <a:latin typeface="Calibri" panose="020F0502020204030204" pitchFamily="34" charset="0"/>
-                <a:ea typeface="Calibri" panose="020F0502020204030204" pitchFamily="34" charset="0"/>
-              </a:rPr>
-              <a:t> </a:t>
-            </a:r>
-          </a:p>
-          <a:p>
-            <a:pPr marL="0" marR="0">
-              <a:lnSpc>
-                <a:spcPct val="115000"/>
-              </a:lnSpc>
-              <a:spcBef>
-                <a:spcPts val="0"/>
-              </a:spcBef>
-              <a:spcAft>
-                <a:spcPts val="1000"/>
-              </a:spcAft>
-            </a:pPr>
-            <a:r>
-              <a:rPr lang="en-US" sz="1800" dirty="0">
-                <a:effectLst/>
-                <a:latin typeface="Calibri" panose="020F0502020204030204" pitchFamily="34" charset="0"/>
-                <a:ea typeface="Calibri" panose="020F0502020204030204" pitchFamily="34" charset="0"/>
-              </a:rPr>
-              <a:t>Understanding baseline information and trend analysis is a vital component when undergoing quality improvement projects that may impact the overall vision, mission, and strategic goals of the institution and the health system as a whole.</a:t>
-            </a:r>
-          </a:p>
-          <a:p>
-            <a:pPr marL="0" marR="0">
-              <a:lnSpc>
-                <a:spcPct val="115000"/>
-              </a:lnSpc>
-              <a:spcBef>
-                <a:spcPts val="0"/>
-              </a:spcBef>
-              <a:spcAft>
-                <a:spcPts val="1000"/>
-              </a:spcAft>
-            </a:pPr>
-            <a:r>
-              <a:rPr lang="en-US" sz="1800" dirty="0">
-                <a:effectLst/>
-                <a:latin typeface="Calibri" panose="020F0502020204030204" pitchFamily="34" charset="0"/>
-                <a:ea typeface="Calibri" panose="020F0502020204030204" pitchFamily="34" charset="0"/>
-              </a:rPr>
-              <a:t> </a:t>
-            </a:r>
-          </a:p>
-          <a:p>
-            <a:pPr marL="0" marR="0">
-              <a:lnSpc>
-                <a:spcPct val="115000"/>
-              </a:lnSpc>
-              <a:spcBef>
-                <a:spcPts val="0"/>
-              </a:spcBef>
-              <a:spcAft>
-                <a:spcPts val="1000"/>
-              </a:spcAft>
-            </a:pPr>
-            <a:r>
-              <a:rPr lang="en-US" sz="1800" dirty="0">
-                <a:effectLst/>
-                <a:latin typeface="Calibri" panose="020F0502020204030204" pitchFamily="34" charset="0"/>
-                <a:ea typeface="Calibri" panose="020F0502020204030204" pitchFamily="34" charset="0"/>
-              </a:rPr>
-              <a:t>This data set and analysis may affect the NYC Health and Hospital’s strategic pillars (SP) which aligns with Harlem Hospital Centers long term goals for the growth and development of the institution. The specific strategic pillars involved are:</a:t>
-            </a:r>
+              <a:t>Business Goal:</a:t>
+            </a:r>
+            <a:endParaRPr lang="en-US" sz="1800" dirty="0">
+              <a:effectLst/>
+              <a:latin typeface="Calibri" panose="020F0502020204030204" pitchFamily="34" charset="0"/>
+              <a:ea typeface="Calibri" panose="020F0502020204030204" pitchFamily="34" charset="0"/>
+            </a:endParaRPr>
           </a:p>
           <a:p>
             <a:pPr marL="285750" marR="0" lvl="0" indent="-285750">
@@ -664,7 +585,7 @@
                 <a:ea typeface="Noto Sans Symbols"/>
                 <a:cs typeface="Noto Sans Symbols"/>
               </a:rPr>
-              <a:t>Improve quality of patient care and services (SP: Quality, Safety)</a:t>
+              <a:t>To be able to use this data to analyze trends in patients’ appointment no show data </a:t>
             </a:r>
             <a:endParaRPr lang="en-US" sz="1800" dirty="0">
               <a:effectLst/>
@@ -687,7 +608,7 @@
                 <a:latin typeface="Calibri" panose="020F0502020204030204" pitchFamily="34" charset="0"/>
                 <a:ea typeface="Calibri" panose="020F0502020204030204" pitchFamily="34" charset="0"/>
               </a:rPr>
-              <a:t>Increase revenue streams (SP: Financial Sustainability)</a:t>
+              <a:t>To be able to use this data as baseline information when analyzing quality improvement projects related to quality of patient care and services provided in Harlem Hospital</a:t>
             </a:r>
             <a:endParaRPr lang="en-US" dirty="0"/>
           </a:p>
@@ -720,6 +641,90 @@
     <p:extLst>
       <p:ext uri="{BB962C8B-B14F-4D97-AF65-F5344CB8AC3E}">
         <p14:creationId xmlns:p14="http://schemas.microsoft.com/office/powerpoint/2010/main" val="2368929777"/>
+      </p:ext>
+    </p:extLst>
+  </p:cSld>
+  <p:clrMapOvr>
+    <a:masterClrMapping/>
+  </p:clrMapOvr>
+</p:notes>
+</file>
+
+<file path=ppt/notesSlides/notesSlide10.xml><?xml version="1.0" encoding="utf-8"?>
+<p:notes xmlns:a="http://schemas.openxmlformats.org/drawingml/2006/main" xmlns:r="http://schemas.openxmlformats.org/officeDocument/2006/relationships" xmlns:p="http://schemas.openxmlformats.org/presentationml/2006/main">
+  <p:cSld>
+    <p:spTree>
+      <p:nvGrpSpPr>
+        <p:cNvPr id="1" name=""/>
+        <p:cNvGrpSpPr/>
+        <p:nvPr/>
+      </p:nvGrpSpPr>
+      <p:grpSpPr>
+        <a:xfrm>
+          <a:off x="0" y="0"/>
+          <a:ext cx="0" cy="0"/>
+          <a:chOff x="0" y="0"/>
+          <a:chExt cx="0" cy="0"/>
+        </a:xfrm>
+      </p:grpSpPr>
+      <p:sp>
+        <p:nvSpPr>
+          <p:cNvPr id="2" name="Slide Image Placeholder 1"/>
+          <p:cNvSpPr>
+            <a:spLocks noGrp="1" noRot="1" noChangeAspect="1"/>
+          </p:cNvSpPr>
+          <p:nvPr>
+            <p:ph type="sldImg"/>
+          </p:nvPr>
+        </p:nvSpPr>
+        <p:spPr/>
+      </p:sp>
+      <p:sp>
+        <p:nvSpPr>
+          <p:cNvPr id="3" name="Notes Placeholder 2"/>
+          <p:cNvSpPr>
+            <a:spLocks noGrp="1"/>
+          </p:cNvSpPr>
+          <p:nvPr>
+            <p:ph type="body" idx="1"/>
+          </p:nvPr>
+        </p:nvSpPr>
+        <p:spPr/>
+        <p:txBody>
+          <a:bodyPr/>
+          <a:lstStyle/>
+          <a:p>
+            <a:endParaRPr lang="en-US" dirty="0"/>
+          </a:p>
+        </p:txBody>
+      </p:sp>
+      <p:sp>
+        <p:nvSpPr>
+          <p:cNvPr id="4" name="Slide Number Placeholder 3"/>
+          <p:cNvSpPr>
+            <a:spLocks noGrp="1"/>
+          </p:cNvSpPr>
+          <p:nvPr>
+            <p:ph type="sldNum" sz="quarter" idx="5"/>
+          </p:nvPr>
+        </p:nvSpPr>
+        <p:spPr/>
+        <p:txBody>
+          <a:bodyPr/>
+          <a:lstStyle/>
+          <a:p>
+            <a:fld id="{D17A38DF-8A95-4BD1-9DCE-37BC151E2653}" type="slidenum">
+              <a:rPr lang="en-US" smtClean="0"/>
+              <a:t>25</a:t>
+            </a:fld>
+            <a:endParaRPr lang="en-US"/>
+          </a:p>
+        </p:txBody>
+      </p:sp>
+    </p:spTree>
+    <p:extLst>
+      <p:ext uri="{BB962C8B-B14F-4D97-AF65-F5344CB8AC3E}">
+        <p14:creationId xmlns:p14="http://schemas.microsoft.com/office/powerpoint/2010/main" val="29433464"/>
       </p:ext>
     </p:extLst>
   </p:cSld>
@@ -773,7 +778,10 @@
           <a:bodyPr/>
           <a:lstStyle/>
           <a:p>
-            <a:endParaRPr lang="en-US" dirty="0"/>
+            <a:r>
+              <a:rPr lang="en-US" dirty="0"/>
+              <a:t>During quality improvement projects, we need to understand the basic information from the variables in the data set available to us. We need to determine if there is any way we can decrease the missed appointments or no-show rate understanding that there are certain variables that we may not be able to alter but may affect decision making processes.</a:t>
+            </a:r>
           </a:p>
         </p:txBody>
       </p:sp>
@@ -794,7 +802,7 @@
           <a:p>
             <a:fld id="{D17A38DF-8A95-4BD1-9DCE-37BC151E2653}" type="slidenum">
               <a:rPr lang="en-US" smtClean="0"/>
-              <a:t>7</a:t>
+              <a:t>3</a:t>
             </a:fld>
             <a:endParaRPr lang="en-US"/>
           </a:p>
@@ -803,7 +811,7 @@
     </p:spTree>
     <p:extLst>
       <p:ext uri="{BB962C8B-B14F-4D97-AF65-F5344CB8AC3E}">
-        <p14:creationId xmlns:p14="http://schemas.microsoft.com/office/powerpoint/2010/main" val="736412098"/>
+        <p14:creationId xmlns:p14="http://schemas.microsoft.com/office/powerpoint/2010/main" val="2696096119"/>
       </p:ext>
     </p:extLst>
   </p:cSld>
@@ -857,7 +865,1168 @@
           <a:bodyPr/>
           <a:lstStyle/>
           <a:p>
-            <a:endParaRPr lang="en-US"/>
+            <a:pPr algn="l"/>
+            <a:r>
+              <a:rPr lang="en-US" dirty="0">
+                <a:effectLst/>
+                <a:ea typeface="Calibri" panose="020F0502020204030204" pitchFamily="34" charset="0"/>
+              </a:rPr>
+              <a:t>Initial raw data on missed or no-show appointments was acquired from EPIC Reporting Work Bench for Harlem Hospital Center</a:t>
+            </a:r>
+            <a:endParaRPr lang="en-US" dirty="0"/>
+          </a:p>
+          <a:p>
+            <a:pPr algn="l"/>
+            <a:r>
+              <a:rPr lang="en-US" dirty="0"/>
+              <a:t>Weather data was acquired from National Oceanic and Atmospheric Administration’s (NOAA) </a:t>
+            </a:r>
+            <a:r>
+              <a:rPr lang="fr-FR" dirty="0">
+                <a:effectLst/>
+              </a:rPr>
+              <a:t>National Centers for Environnemental Information (NCEI)</a:t>
+            </a:r>
+          </a:p>
+          <a:p>
+            <a:pPr algn="l"/>
+            <a:endParaRPr lang="fr-FR" dirty="0">
+              <a:effectLst/>
+            </a:endParaRPr>
+          </a:p>
+          <a:p>
+            <a:pPr algn="l"/>
+            <a:r>
+              <a:rPr lang="fr-FR" b="1" u="sng" dirty="0">
+                <a:effectLst/>
+              </a:rPr>
+              <a:t>Initial Data Set: </a:t>
+            </a:r>
+          </a:p>
+          <a:p>
+            <a:pPr marL="171450" indent="-171450" algn="l">
+              <a:buFont typeface="Arial" panose="020B0604020202020204" pitchFamily="34" charset="0"/>
+              <a:buChar char="•"/>
+            </a:pPr>
+            <a:r>
+              <a:rPr lang="fr-FR" dirty="0">
+                <a:effectLst/>
+              </a:rPr>
+              <a:t>Data Variables: ‘</a:t>
+            </a:r>
+            <a:r>
+              <a:rPr lang="fr-FR" dirty="0" err="1">
+                <a:effectLst/>
+              </a:rPr>
+              <a:t>mrn</a:t>
+            </a:r>
+            <a:r>
+              <a:rPr lang="fr-FR" dirty="0">
+                <a:effectLst/>
+              </a:rPr>
+              <a:t>', '</a:t>
+            </a:r>
+            <a:r>
+              <a:rPr lang="fr-FR" dirty="0" err="1">
+                <a:effectLst/>
+              </a:rPr>
+              <a:t>dob</a:t>
+            </a:r>
+            <a:r>
+              <a:rPr lang="fr-FR" dirty="0">
+                <a:effectLst/>
+              </a:rPr>
+              <a:t>', '</a:t>
+            </a:r>
+            <a:r>
+              <a:rPr lang="fr-FR" dirty="0" err="1">
+                <a:effectLst/>
+              </a:rPr>
+              <a:t>age</a:t>
+            </a:r>
+            <a:r>
+              <a:rPr lang="fr-FR" dirty="0">
+                <a:effectLst/>
+              </a:rPr>
+              <a:t>', '</a:t>
+            </a:r>
+            <a:r>
+              <a:rPr lang="fr-FR" dirty="0" err="1">
+                <a:effectLst/>
+              </a:rPr>
+              <a:t>sex</a:t>
+            </a:r>
+            <a:r>
+              <a:rPr lang="fr-FR" dirty="0">
+                <a:effectLst/>
+              </a:rPr>
+              <a:t>', 'phone', '</a:t>
+            </a:r>
+            <a:r>
+              <a:rPr lang="fr-FR" dirty="0" err="1">
+                <a:effectLst/>
+              </a:rPr>
+              <a:t>encounter_provider</a:t>
+            </a:r>
+            <a:r>
+              <a:rPr lang="fr-FR" dirty="0">
+                <a:effectLst/>
+              </a:rPr>
+              <a:t>', '</a:t>
+            </a:r>
+            <a:r>
+              <a:rPr lang="fr-FR" dirty="0" err="1">
+                <a:effectLst/>
+              </a:rPr>
+              <a:t>visit_date</a:t>
+            </a:r>
+            <a:r>
+              <a:rPr lang="fr-FR" dirty="0">
+                <a:effectLst/>
+              </a:rPr>
+              <a:t>', ‘'</a:t>
+            </a:r>
+            <a:r>
+              <a:rPr lang="fr-FR" dirty="0" err="1">
+                <a:effectLst/>
+              </a:rPr>
+              <a:t>appt_time</a:t>
+            </a:r>
+            <a:r>
+              <a:rPr lang="fr-FR" dirty="0">
+                <a:effectLst/>
+              </a:rPr>
+              <a:t>', '</a:t>
+            </a:r>
+            <a:r>
+              <a:rPr lang="fr-FR" dirty="0" err="1">
+                <a:effectLst/>
+              </a:rPr>
+              <a:t>month</a:t>
+            </a:r>
+            <a:r>
+              <a:rPr lang="fr-FR" dirty="0">
+                <a:effectLst/>
+              </a:rPr>
+              <a:t>', '</a:t>
+            </a:r>
+            <a:r>
+              <a:rPr lang="fr-FR" dirty="0" err="1">
+                <a:effectLst/>
+              </a:rPr>
+              <a:t>day_of_the_week</a:t>
+            </a:r>
+            <a:r>
+              <a:rPr lang="fr-FR" dirty="0">
+                <a:effectLst/>
+              </a:rPr>
+              <a:t>', '</a:t>
+            </a:r>
+            <a:r>
+              <a:rPr lang="fr-FR" dirty="0" err="1">
+                <a:effectLst/>
+              </a:rPr>
+              <a:t>holiday</a:t>
+            </a:r>
+            <a:r>
+              <a:rPr lang="fr-FR" dirty="0">
+                <a:effectLst/>
+              </a:rPr>
+              <a:t>', '</a:t>
+            </a:r>
+            <a:r>
+              <a:rPr lang="fr-FR" dirty="0" err="1">
+                <a:effectLst/>
+              </a:rPr>
+              <a:t>weather_type</a:t>
+            </a:r>
+            <a:r>
+              <a:rPr lang="fr-FR" dirty="0">
+                <a:effectLst/>
+              </a:rPr>
+              <a:t>', '</a:t>
+            </a:r>
+            <a:r>
+              <a:rPr lang="fr-FR" dirty="0" err="1">
+                <a:effectLst/>
+              </a:rPr>
+              <a:t>max_temp</a:t>
+            </a:r>
+            <a:r>
+              <a:rPr lang="fr-FR" dirty="0">
+                <a:effectLst/>
+              </a:rPr>
+              <a:t>', '</a:t>
+            </a:r>
+            <a:r>
+              <a:rPr lang="fr-FR" dirty="0" err="1">
+                <a:effectLst/>
+              </a:rPr>
+              <a:t>mini_temp</a:t>
+            </a:r>
+            <a:r>
+              <a:rPr lang="fr-FR" dirty="0">
+                <a:effectLst/>
+              </a:rPr>
+              <a:t>', '</a:t>
+            </a:r>
+            <a:r>
+              <a:rPr lang="fr-FR" dirty="0" err="1">
+                <a:effectLst/>
+              </a:rPr>
+              <a:t>avg_temp</a:t>
+            </a:r>
+            <a:r>
+              <a:rPr lang="fr-FR" dirty="0">
+                <a:effectLst/>
+              </a:rPr>
+              <a:t>', '</a:t>
+            </a:r>
+            <a:r>
+              <a:rPr lang="fr-FR" dirty="0" err="1">
+                <a:effectLst/>
+              </a:rPr>
+              <a:t>departure</a:t>
+            </a:r>
+            <a:r>
+              <a:rPr lang="fr-FR" dirty="0">
+                <a:effectLst/>
+              </a:rPr>
+              <a:t>', '</a:t>
+            </a:r>
+            <a:r>
+              <a:rPr lang="fr-FR" dirty="0" err="1">
+                <a:effectLst/>
+              </a:rPr>
+              <a:t>hdd</a:t>
+            </a:r>
+            <a:r>
+              <a:rPr lang="fr-FR" dirty="0">
+                <a:effectLst/>
+              </a:rPr>
+              <a:t>', 'cdd',  '</a:t>
+            </a:r>
+            <a:r>
+              <a:rPr lang="fr-FR" dirty="0" err="1">
+                <a:effectLst/>
+              </a:rPr>
+              <a:t>precipitation</a:t>
+            </a:r>
+            <a:r>
+              <a:rPr lang="fr-FR" dirty="0">
+                <a:effectLst/>
+              </a:rPr>
+              <a:t>', '</a:t>
+            </a:r>
+            <a:r>
+              <a:rPr lang="fr-FR" dirty="0" err="1">
+                <a:effectLst/>
+              </a:rPr>
+              <a:t>new_snow</a:t>
+            </a:r>
+            <a:r>
+              <a:rPr lang="fr-FR" dirty="0">
+                <a:effectLst/>
+              </a:rPr>
+              <a:t>', '</a:t>
+            </a:r>
+            <a:r>
+              <a:rPr lang="fr-FR" dirty="0" err="1">
+                <a:effectLst/>
+              </a:rPr>
+              <a:t>snow_depth</a:t>
+            </a:r>
+            <a:r>
+              <a:rPr lang="fr-FR" dirty="0">
+                <a:effectLst/>
+              </a:rPr>
+              <a:t>', '</a:t>
+            </a:r>
+            <a:r>
+              <a:rPr lang="fr-FR" dirty="0" err="1">
+                <a:effectLst/>
+              </a:rPr>
+              <a:t>status</a:t>
+            </a:r>
+            <a:r>
+              <a:rPr lang="fr-FR" dirty="0">
+                <a:effectLst/>
+              </a:rPr>
+              <a:t>', '</a:t>
+            </a:r>
+            <a:r>
+              <a:rPr lang="fr-FR" dirty="0" err="1">
+                <a:effectLst/>
+              </a:rPr>
+              <a:t>encounter_closed</a:t>
+            </a:r>
+            <a:r>
+              <a:rPr lang="fr-FR" dirty="0">
+                <a:effectLst/>
+              </a:rPr>
+              <a:t>',  '</a:t>
+            </a:r>
+            <a:r>
+              <a:rPr lang="fr-FR" dirty="0" err="1">
+                <a:effectLst/>
+              </a:rPr>
+              <a:t>dept</a:t>
+            </a:r>
+            <a:r>
+              <a:rPr lang="fr-FR" dirty="0">
+                <a:effectLst/>
+              </a:rPr>
+              <a:t>', '</a:t>
+            </a:r>
+            <a:r>
+              <a:rPr lang="fr-FR" dirty="0" err="1">
+                <a:effectLst/>
+              </a:rPr>
+              <a:t>dept_id</a:t>
+            </a:r>
+            <a:r>
+              <a:rPr lang="fr-FR" dirty="0">
+                <a:effectLst/>
+              </a:rPr>
+              <a:t>', '</a:t>
+            </a:r>
+            <a:r>
+              <a:rPr lang="fr-FR" dirty="0" err="1">
+                <a:effectLst/>
+              </a:rPr>
+              <a:t>Avg_payment</a:t>
+            </a:r>
+            <a:r>
+              <a:rPr lang="fr-FR" dirty="0">
+                <a:effectLst/>
+              </a:rPr>
+              <a:t>', '</a:t>
+            </a:r>
+            <a:r>
+              <a:rPr lang="fr-FR" dirty="0" err="1">
+                <a:effectLst/>
+              </a:rPr>
+              <a:t>visit_type</a:t>
+            </a:r>
+            <a:r>
+              <a:rPr lang="fr-FR" dirty="0">
+                <a:effectLst/>
+              </a:rPr>
+              <a:t>', '</a:t>
+            </a:r>
+            <a:r>
+              <a:rPr lang="fr-FR" dirty="0" err="1">
+                <a:effectLst/>
+              </a:rPr>
+              <a:t>visit_type_id</a:t>
+            </a:r>
+            <a:r>
+              <a:rPr lang="fr-FR" dirty="0">
+                <a:effectLst/>
+              </a:rPr>
+              <a:t>',  '</a:t>
+            </a:r>
+            <a:r>
+              <a:rPr lang="fr-FR" dirty="0" err="1">
+                <a:effectLst/>
+              </a:rPr>
+              <a:t>copay_paid</a:t>
+            </a:r>
+            <a:r>
+              <a:rPr lang="fr-FR" dirty="0">
+                <a:effectLst/>
+              </a:rPr>
+              <a:t>', '</a:t>
+            </a:r>
+            <a:r>
+              <a:rPr lang="fr-FR" dirty="0" err="1">
+                <a:effectLst/>
+              </a:rPr>
+              <a:t>chkin_time</a:t>
+            </a:r>
+            <a:r>
+              <a:rPr lang="fr-FR" dirty="0">
+                <a:effectLst/>
+              </a:rPr>
+              <a:t>', '</a:t>
+            </a:r>
+            <a:r>
+              <a:rPr lang="fr-FR" dirty="0" err="1">
+                <a:effectLst/>
+              </a:rPr>
+              <a:t>check_in</a:t>
+            </a:r>
+            <a:r>
+              <a:rPr lang="fr-FR" dirty="0">
+                <a:effectLst/>
+              </a:rPr>
+              <a:t>-check out', '</a:t>
+            </a:r>
+            <a:r>
+              <a:rPr lang="fr-FR" dirty="0" err="1">
+                <a:effectLst/>
+              </a:rPr>
+              <a:t>encounter_diagnoses</a:t>
+            </a:r>
+            <a:r>
+              <a:rPr lang="fr-FR" dirty="0">
+                <a:effectLst/>
+              </a:rPr>
+              <a:t>',  '</a:t>
+            </a:r>
+            <a:r>
+              <a:rPr lang="fr-FR" dirty="0" err="1">
+                <a:effectLst/>
+              </a:rPr>
+              <a:t>next_appt</a:t>
+            </a:r>
+            <a:r>
+              <a:rPr lang="fr-FR" dirty="0">
+                <a:effectLst/>
+              </a:rPr>
+              <a:t>', '</a:t>
+            </a:r>
+            <a:r>
+              <a:rPr lang="fr-FR" dirty="0" err="1">
+                <a:effectLst/>
+              </a:rPr>
+              <a:t>appt_type</a:t>
+            </a:r>
+            <a:r>
+              <a:rPr lang="fr-FR" dirty="0">
+                <a:effectLst/>
+              </a:rPr>
+              <a:t>', '</a:t>
+            </a:r>
+            <a:r>
+              <a:rPr lang="fr-FR" dirty="0" err="1">
+                <a:effectLst/>
+              </a:rPr>
+              <a:t>patient_employer</a:t>
+            </a:r>
+            <a:r>
+              <a:rPr lang="fr-FR" dirty="0">
+                <a:effectLst/>
+              </a:rPr>
+              <a:t>', '</a:t>
+            </a:r>
+            <a:r>
+              <a:rPr lang="fr-FR" dirty="0" err="1">
+                <a:effectLst/>
+              </a:rPr>
+              <a:t>employer_state</a:t>
+            </a:r>
+            <a:r>
+              <a:rPr lang="fr-FR" dirty="0">
+                <a:effectLst/>
+              </a:rPr>
+              <a:t>',  '</a:t>
+            </a:r>
+            <a:r>
+              <a:rPr lang="fr-FR" dirty="0" err="1">
+                <a:effectLst/>
+              </a:rPr>
+              <a:t>patient_state</a:t>
+            </a:r>
+            <a:r>
+              <a:rPr lang="fr-FR" dirty="0">
+                <a:effectLst/>
+              </a:rPr>
+              <a:t>', '</a:t>
+            </a:r>
+            <a:r>
+              <a:rPr lang="fr-FR" dirty="0" err="1">
+                <a:effectLst/>
+              </a:rPr>
+              <a:t>time_with_provider</a:t>
+            </a:r>
+            <a:r>
+              <a:rPr lang="fr-FR" dirty="0">
+                <a:effectLst/>
+              </a:rPr>
+              <a:t>', '</a:t>
+            </a:r>
+            <a:r>
+              <a:rPr lang="fr-FR" dirty="0" err="1">
+                <a:effectLst/>
+              </a:rPr>
+              <a:t>wait_time_for_provider</a:t>
+            </a:r>
+            <a:r>
+              <a:rPr lang="fr-FR" dirty="0">
+                <a:effectLst/>
+              </a:rPr>
+              <a:t>',  '</a:t>
+            </a:r>
+            <a:r>
+              <a:rPr lang="fr-FR" dirty="0" err="1">
+                <a:effectLst/>
+              </a:rPr>
+              <a:t>zip_code</a:t>
+            </a:r>
+            <a:r>
+              <a:rPr lang="fr-FR" dirty="0">
+                <a:effectLst/>
+              </a:rPr>
+              <a:t>', '</a:t>
+            </a:r>
+            <a:r>
+              <a:rPr lang="fr-FR" dirty="0" err="1">
+                <a:effectLst/>
+              </a:rPr>
+              <a:t>pcp</a:t>
+            </a:r>
+            <a:r>
+              <a:rPr lang="fr-FR" dirty="0">
+                <a:effectLst/>
+              </a:rPr>
+              <a:t>', '</a:t>
+            </a:r>
+            <a:r>
+              <a:rPr lang="fr-FR" dirty="0" err="1">
+                <a:effectLst/>
+              </a:rPr>
+              <a:t>reason_for_visit</a:t>
+            </a:r>
+            <a:r>
+              <a:rPr lang="fr-FR" dirty="0">
+                <a:effectLst/>
+              </a:rPr>
+              <a:t>', '</a:t>
+            </a:r>
+            <a:r>
+              <a:rPr lang="fr-FR" dirty="0" err="1">
+                <a:effectLst/>
+              </a:rPr>
+              <a:t>roomed_time</a:t>
+            </a:r>
+            <a:r>
+              <a:rPr lang="fr-FR" dirty="0">
+                <a:effectLst/>
+              </a:rPr>
+              <a:t>', '</a:t>
+            </a:r>
+            <a:r>
+              <a:rPr lang="fr-FR" dirty="0" err="1">
+                <a:effectLst/>
+              </a:rPr>
+              <a:t>employer_zip</a:t>
+            </a:r>
+            <a:r>
+              <a:rPr lang="fr-FR" dirty="0">
+                <a:effectLst/>
+              </a:rPr>
+              <a:t>',  '</a:t>
+            </a:r>
+            <a:r>
+              <a:rPr lang="fr-FR" dirty="0" err="1">
+                <a:effectLst/>
+              </a:rPr>
+              <a:t>attending_provider</a:t>
+            </a:r>
+            <a:r>
+              <a:rPr lang="fr-FR" dirty="0">
+                <a:effectLst/>
+              </a:rPr>
+              <a:t>', 'service', '</a:t>
+            </a:r>
+            <a:r>
+              <a:rPr lang="fr-FR" dirty="0" err="1">
+                <a:effectLst/>
+              </a:rPr>
+              <a:t>language</a:t>
+            </a:r>
+            <a:r>
+              <a:rPr lang="fr-FR" dirty="0">
+                <a:effectLst/>
+              </a:rPr>
+              <a:t>', 'religion', '</a:t>
+            </a:r>
+            <a:r>
+              <a:rPr lang="fr-FR" dirty="0" err="1">
+                <a:effectLst/>
+              </a:rPr>
+              <a:t>hosp_acct</a:t>
+            </a:r>
+            <a:r>
+              <a:rPr lang="fr-FR" dirty="0">
+                <a:effectLst/>
+              </a:rPr>
+              <a:t>', '</a:t>
+            </a:r>
+            <a:r>
+              <a:rPr lang="fr-FR" dirty="0" err="1">
+                <a:effectLst/>
+              </a:rPr>
+              <a:t>special_needs</a:t>
+            </a:r>
+            <a:r>
+              <a:rPr lang="fr-FR" dirty="0">
+                <a:effectLst/>
+              </a:rPr>
+              <a:t>'</a:t>
+            </a:r>
+          </a:p>
+          <a:p>
+            <a:pPr marL="171450" indent="-171450" algn="l">
+              <a:buFont typeface="Arial" panose="020B0604020202020204" pitchFamily="34" charset="0"/>
+              <a:buChar char="•"/>
+            </a:pPr>
+            <a:r>
+              <a:rPr lang="fr-FR" dirty="0" err="1">
+                <a:effectLst/>
+              </a:rPr>
+              <a:t>Number</a:t>
+            </a:r>
+            <a:r>
+              <a:rPr lang="fr-FR" dirty="0">
+                <a:effectLst/>
+              </a:rPr>
+              <a:t> of </a:t>
+            </a:r>
+            <a:r>
+              <a:rPr lang="fr-FR" dirty="0" err="1">
+                <a:effectLst/>
+              </a:rPr>
+              <a:t>rows</a:t>
+            </a:r>
+            <a:r>
+              <a:rPr lang="fr-FR" dirty="0">
+                <a:effectLst/>
+              </a:rPr>
+              <a:t>: 21226</a:t>
+            </a:r>
+          </a:p>
+          <a:p>
+            <a:pPr marL="171450" indent="-171450" algn="l">
+              <a:buFont typeface="Arial" panose="020B0604020202020204" pitchFamily="34" charset="0"/>
+              <a:buChar char="•"/>
+            </a:pPr>
+            <a:r>
+              <a:rPr lang="fr-FR" dirty="0" err="1">
+                <a:effectLst/>
+              </a:rPr>
+              <a:t>Number</a:t>
+            </a:r>
+            <a:r>
+              <a:rPr lang="fr-FR" dirty="0">
+                <a:effectLst/>
+              </a:rPr>
+              <a:t> of </a:t>
+            </a:r>
+            <a:r>
+              <a:rPr lang="fr-FR" dirty="0" err="1">
+                <a:effectLst/>
+              </a:rPr>
+              <a:t>columns</a:t>
+            </a:r>
+            <a:r>
+              <a:rPr lang="fr-FR" dirty="0">
+                <a:effectLst/>
+              </a:rPr>
+              <a:t>: 50</a:t>
+            </a:r>
+          </a:p>
+          <a:p>
+            <a:pPr algn="l"/>
+            <a:endParaRPr lang="fr-FR" dirty="0">
+              <a:effectLst/>
+            </a:endParaRPr>
+          </a:p>
+          <a:p>
+            <a:pPr algn="l"/>
+            <a:r>
+              <a:rPr lang="fr-FR" b="1" dirty="0">
+                <a:effectLst/>
+              </a:rPr>
+              <a:t>Final Data Set:</a:t>
+            </a:r>
+          </a:p>
+          <a:p>
+            <a:pPr marL="171450" indent="-171450" algn="l">
+              <a:buFont typeface="Arial" panose="020B0604020202020204" pitchFamily="34" charset="0"/>
+              <a:buChar char="•"/>
+            </a:pPr>
+            <a:r>
+              <a:rPr lang="fr-FR" dirty="0">
+                <a:effectLst/>
+              </a:rPr>
+              <a:t>Data Variables: '</a:t>
+            </a:r>
+            <a:r>
+              <a:rPr lang="fr-FR" dirty="0" err="1">
+                <a:effectLst/>
+              </a:rPr>
+              <a:t>mrn</a:t>
+            </a:r>
+            <a:r>
+              <a:rPr lang="fr-FR" dirty="0">
+                <a:effectLst/>
+              </a:rPr>
+              <a:t>', '</a:t>
+            </a:r>
+            <a:r>
+              <a:rPr lang="fr-FR" dirty="0" err="1">
+                <a:effectLst/>
+              </a:rPr>
+              <a:t>dob</a:t>
+            </a:r>
+            <a:r>
+              <a:rPr lang="fr-FR" dirty="0">
+                <a:effectLst/>
+              </a:rPr>
+              <a:t>', '</a:t>
+            </a:r>
+            <a:r>
+              <a:rPr lang="fr-FR" dirty="0" err="1">
+                <a:effectLst/>
+              </a:rPr>
+              <a:t>age</a:t>
+            </a:r>
+            <a:r>
+              <a:rPr lang="fr-FR" dirty="0">
+                <a:effectLst/>
+              </a:rPr>
+              <a:t>', '</a:t>
+            </a:r>
+            <a:r>
+              <a:rPr lang="fr-FR" dirty="0" err="1">
+                <a:effectLst/>
+              </a:rPr>
+              <a:t>sex</a:t>
+            </a:r>
+            <a:r>
+              <a:rPr lang="fr-FR" dirty="0">
+                <a:effectLst/>
+              </a:rPr>
+              <a:t>', '</a:t>
+            </a:r>
+            <a:r>
+              <a:rPr lang="fr-FR" dirty="0" err="1">
+                <a:effectLst/>
+              </a:rPr>
+              <a:t>sex_id</a:t>
+            </a:r>
+            <a:r>
+              <a:rPr lang="fr-FR" dirty="0">
+                <a:effectLst/>
+              </a:rPr>
+              <a:t>', 'phone', '</a:t>
+            </a:r>
+            <a:r>
+              <a:rPr lang="fr-FR" dirty="0" err="1">
+                <a:effectLst/>
+              </a:rPr>
+              <a:t>encounter_provider</a:t>
+            </a:r>
+            <a:r>
+              <a:rPr lang="fr-FR" dirty="0">
+                <a:effectLst/>
+              </a:rPr>
+              <a:t>', '</a:t>
+            </a:r>
+            <a:r>
+              <a:rPr lang="fr-FR" dirty="0" err="1">
+                <a:effectLst/>
+              </a:rPr>
+              <a:t>visit_date</a:t>
+            </a:r>
+            <a:r>
+              <a:rPr lang="fr-FR" dirty="0">
+                <a:effectLst/>
+              </a:rPr>
+              <a:t>', '</a:t>
+            </a:r>
+            <a:r>
+              <a:rPr lang="fr-FR" dirty="0" err="1">
+                <a:effectLst/>
+              </a:rPr>
+              <a:t>appt_time</a:t>
+            </a:r>
+            <a:r>
+              <a:rPr lang="fr-FR" dirty="0">
+                <a:effectLst/>
+              </a:rPr>
+              <a:t>', '</a:t>
+            </a:r>
+            <a:r>
+              <a:rPr lang="fr-FR" dirty="0" err="1">
+                <a:effectLst/>
+              </a:rPr>
+              <a:t>month</a:t>
+            </a:r>
+            <a:r>
+              <a:rPr lang="fr-FR" dirty="0">
+                <a:effectLst/>
+              </a:rPr>
+              <a:t>', '</a:t>
+            </a:r>
+            <a:r>
+              <a:rPr lang="fr-FR" dirty="0" err="1">
+                <a:effectLst/>
+              </a:rPr>
+              <a:t>year</a:t>
+            </a:r>
+            <a:r>
+              <a:rPr lang="fr-FR" dirty="0">
+                <a:effectLst/>
+              </a:rPr>
+              <a:t>', '</a:t>
+            </a:r>
+            <a:r>
+              <a:rPr lang="fr-FR" dirty="0" err="1">
+                <a:effectLst/>
+              </a:rPr>
+              <a:t>day_of_the_week</a:t>
+            </a:r>
+            <a:r>
+              <a:rPr lang="fr-FR" dirty="0">
+                <a:effectLst/>
+              </a:rPr>
+              <a:t>',  '</a:t>
+            </a:r>
+            <a:r>
+              <a:rPr lang="fr-FR" dirty="0" err="1">
+                <a:effectLst/>
+              </a:rPr>
+              <a:t>holiday</a:t>
+            </a:r>
+            <a:r>
+              <a:rPr lang="fr-FR" dirty="0">
+                <a:effectLst/>
+              </a:rPr>
+              <a:t>', '</a:t>
+            </a:r>
+            <a:r>
+              <a:rPr lang="fr-FR" dirty="0" err="1">
+                <a:effectLst/>
+              </a:rPr>
+              <a:t>weather_type</a:t>
+            </a:r>
+            <a:r>
+              <a:rPr lang="fr-FR" dirty="0">
+                <a:effectLst/>
+              </a:rPr>
+              <a:t>', '</a:t>
+            </a:r>
+            <a:r>
+              <a:rPr lang="fr-FR" dirty="0" err="1">
+                <a:effectLst/>
+              </a:rPr>
+              <a:t>avg_temp</a:t>
+            </a:r>
+            <a:r>
+              <a:rPr lang="fr-FR" dirty="0">
+                <a:effectLst/>
+              </a:rPr>
+              <a:t>', '</a:t>
+            </a:r>
+            <a:r>
+              <a:rPr lang="fr-FR" dirty="0" err="1">
+                <a:effectLst/>
+              </a:rPr>
+              <a:t>precipitation</a:t>
+            </a:r>
+            <a:r>
+              <a:rPr lang="fr-FR" dirty="0">
+                <a:effectLst/>
+              </a:rPr>
+              <a:t>', '</a:t>
+            </a:r>
+            <a:r>
+              <a:rPr lang="fr-FR" dirty="0" err="1">
+                <a:effectLst/>
+              </a:rPr>
+              <a:t>new_snow</a:t>
+            </a:r>
+            <a:r>
+              <a:rPr lang="fr-FR" dirty="0">
+                <a:effectLst/>
+              </a:rPr>
+              <a:t>',  '</a:t>
+            </a:r>
+            <a:r>
+              <a:rPr lang="fr-FR" dirty="0" err="1">
+                <a:effectLst/>
+              </a:rPr>
+              <a:t>dept</a:t>
+            </a:r>
+            <a:r>
+              <a:rPr lang="fr-FR" dirty="0">
+                <a:effectLst/>
+              </a:rPr>
+              <a:t>', '</a:t>
+            </a:r>
+            <a:r>
+              <a:rPr lang="fr-FR" dirty="0" err="1">
+                <a:effectLst/>
+              </a:rPr>
+              <a:t>dept_id</a:t>
+            </a:r>
+            <a:r>
+              <a:rPr lang="fr-FR" dirty="0">
+                <a:effectLst/>
+              </a:rPr>
+              <a:t>', '</a:t>
+            </a:r>
+            <a:r>
+              <a:rPr lang="fr-FR" dirty="0" err="1">
+                <a:effectLst/>
+              </a:rPr>
+              <a:t>Avg_payment</a:t>
+            </a:r>
+            <a:r>
+              <a:rPr lang="fr-FR" dirty="0">
+                <a:effectLst/>
+              </a:rPr>
+              <a:t>', '</a:t>
+            </a:r>
+            <a:r>
+              <a:rPr lang="fr-FR" dirty="0" err="1">
+                <a:effectLst/>
+              </a:rPr>
+              <a:t>visit_type</a:t>
+            </a:r>
+            <a:r>
+              <a:rPr lang="fr-FR" dirty="0">
+                <a:effectLst/>
+              </a:rPr>
+              <a:t>', '</a:t>
+            </a:r>
+            <a:r>
+              <a:rPr lang="fr-FR" dirty="0" err="1">
+                <a:effectLst/>
+              </a:rPr>
+              <a:t>visit_type_id</a:t>
+            </a:r>
+            <a:r>
+              <a:rPr lang="fr-FR" dirty="0">
+                <a:effectLst/>
+              </a:rPr>
+              <a:t>',  '</a:t>
+            </a:r>
+            <a:r>
+              <a:rPr lang="fr-FR" dirty="0" err="1">
+                <a:effectLst/>
+              </a:rPr>
+              <a:t>encounter_diagnoses</a:t>
+            </a:r>
+            <a:r>
+              <a:rPr lang="fr-FR" dirty="0">
+                <a:effectLst/>
+              </a:rPr>
+              <a:t>', '</a:t>
+            </a:r>
+            <a:r>
+              <a:rPr lang="fr-FR" dirty="0" err="1">
+                <a:effectLst/>
+              </a:rPr>
+              <a:t>appt_type</a:t>
+            </a:r>
+            <a:r>
+              <a:rPr lang="fr-FR" dirty="0">
+                <a:effectLst/>
+              </a:rPr>
+              <a:t>', '</a:t>
+            </a:r>
+            <a:r>
+              <a:rPr lang="fr-FR" dirty="0" err="1">
+                <a:effectLst/>
+              </a:rPr>
+              <a:t>patient_employer</a:t>
+            </a:r>
+            <a:r>
+              <a:rPr lang="fr-FR" dirty="0">
+                <a:effectLst/>
+              </a:rPr>
+              <a:t>', '</a:t>
+            </a:r>
+            <a:r>
+              <a:rPr lang="fr-FR" dirty="0" err="1">
+                <a:effectLst/>
+              </a:rPr>
+              <a:t>employer_state</a:t>
+            </a:r>
+            <a:r>
+              <a:rPr lang="fr-FR" dirty="0">
+                <a:effectLst/>
+              </a:rPr>
+              <a:t>', '</a:t>
+            </a:r>
+            <a:r>
+              <a:rPr lang="fr-FR" dirty="0" err="1">
+                <a:effectLst/>
+              </a:rPr>
+              <a:t>patient_state</a:t>
+            </a:r>
+            <a:r>
+              <a:rPr lang="fr-FR" dirty="0">
+                <a:effectLst/>
+              </a:rPr>
+              <a:t>', '</a:t>
+            </a:r>
+            <a:r>
+              <a:rPr lang="fr-FR" dirty="0" err="1">
+                <a:effectLst/>
+              </a:rPr>
+              <a:t>zip_code</a:t>
+            </a:r>
+            <a:r>
+              <a:rPr lang="fr-FR" dirty="0">
+                <a:effectLst/>
+              </a:rPr>
+              <a:t>', '</a:t>
+            </a:r>
+            <a:r>
+              <a:rPr lang="fr-FR" dirty="0" err="1">
+                <a:effectLst/>
+              </a:rPr>
+              <a:t>pcp</a:t>
+            </a:r>
+            <a:r>
+              <a:rPr lang="fr-FR" dirty="0">
+                <a:effectLst/>
+              </a:rPr>
+              <a:t>', '</a:t>
+            </a:r>
+            <a:r>
+              <a:rPr lang="fr-FR" dirty="0" err="1">
+                <a:effectLst/>
+              </a:rPr>
+              <a:t>reason_for_visit</a:t>
+            </a:r>
+            <a:r>
+              <a:rPr lang="fr-FR" dirty="0">
+                <a:effectLst/>
+              </a:rPr>
+              <a:t>', '</a:t>
+            </a:r>
+            <a:r>
+              <a:rPr lang="fr-FR" dirty="0" err="1">
+                <a:effectLst/>
+              </a:rPr>
+              <a:t>employer_zip</a:t>
+            </a:r>
+            <a:r>
+              <a:rPr lang="fr-FR" dirty="0">
+                <a:effectLst/>
+              </a:rPr>
+              <a:t>', '</a:t>
+            </a:r>
+            <a:r>
+              <a:rPr lang="fr-FR" dirty="0" err="1">
+                <a:effectLst/>
+              </a:rPr>
+              <a:t>attending_provider</a:t>
+            </a:r>
+            <a:r>
+              <a:rPr lang="fr-FR" dirty="0">
+                <a:effectLst/>
+              </a:rPr>
+              <a:t>', 'service', '</a:t>
+            </a:r>
+            <a:r>
+              <a:rPr lang="fr-FR" dirty="0" err="1">
+                <a:effectLst/>
+              </a:rPr>
+              <a:t>language</a:t>
+            </a:r>
+            <a:r>
+              <a:rPr lang="fr-FR" dirty="0">
+                <a:effectLst/>
+              </a:rPr>
+              <a:t>', 'religion', '</a:t>
+            </a:r>
+            <a:r>
+              <a:rPr lang="fr-FR" dirty="0" err="1">
+                <a:effectLst/>
+              </a:rPr>
+              <a:t>special_needs</a:t>
+            </a:r>
+            <a:r>
+              <a:rPr lang="fr-FR" dirty="0">
+                <a:effectLst/>
+              </a:rPr>
+              <a:t>', '</a:t>
+            </a:r>
+            <a:r>
+              <a:rPr lang="fr-FR" dirty="0" err="1">
+                <a:effectLst/>
+              </a:rPr>
+              <a:t>value_count</a:t>
+            </a:r>
+            <a:r>
+              <a:rPr lang="fr-FR" dirty="0">
+                <a:effectLst/>
+              </a:rPr>
+              <a:t>'</a:t>
+            </a:r>
+          </a:p>
+          <a:p>
+            <a:pPr marL="171450" indent="-171450" algn="l">
+              <a:buFont typeface="Arial" panose="020B0604020202020204" pitchFamily="34" charset="0"/>
+              <a:buChar char="•"/>
+            </a:pPr>
+            <a:r>
+              <a:rPr lang="fr-FR" dirty="0" err="1">
+                <a:effectLst/>
+              </a:rPr>
+              <a:t>Number</a:t>
+            </a:r>
+            <a:r>
+              <a:rPr lang="fr-FR" dirty="0">
+                <a:effectLst/>
+              </a:rPr>
+              <a:t> of </a:t>
+            </a:r>
+            <a:r>
+              <a:rPr lang="fr-FR" dirty="0" err="1">
+                <a:effectLst/>
+              </a:rPr>
+              <a:t>rows</a:t>
+            </a:r>
+            <a:r>
+              <a:rPr lang="fr-FR" dirty="0">
+                <a:effectLst/>
+              </a:rPr>
+              <a:t>: 21225</a:t>
+            </a:r>
+          </a:p>
+          <a:p>
+            <a:pPr marL="171450" indent="-171450" algn="l">
+              <a:buFont typeface="Arial" panose="020B0604020202020204" pitchFamily="34" charset="0"/>
+              <a:buChar char="•"/>
+            </a:pPr>
+            <a:r>
+              <a:rPr lang="fr-FR" dirty="0" err="1">
+                <a:effectLst/>
+              </a:rPr>
+              <a:t>Number</a:t>
+            </a:r>
+            <a:r>
+              <a:rPr lang="fr-FR" dirty="0">
+                <a:effectLst/>
+              </a:rPr>
+              <a:t> of </a:t>
+            </a:r>
+            <a:r>
+              <a:rPr lang="fr-FR" dirty="0" err="1">
+                <a:effectLst/>
+              </a:rPr>
+              <a:t>columns</a:t>
+            </a:r>
+            <a:r>
+              <a:rPr lang="fr-FR" dirty="0">
+                <a:effectLst/>
+              </a:rPr>
+              <a:t>: 37</a:t>
+            </a:r>
+          </a:p>
+          <a:p>
+            <a:pPr algn="l"/>
+            <a:endParaRPr lang="fr-FR" dirty="0">
+              <a:effectLst/>
+            </a:endParaRPr>
           </a:p>
         </p:txBody>
       </p:sp>
@@ -878,7 +2047,7 @@
           <a:p>
             <a:fld id="{D17A38DF-8A95-4BD1-9DCE-37BC151E2653}" type="slidenum">
               <a:rPr lang="en-US" smtClean="0"/>
-              <a:t>13</a:t>
+              <a:t>4</a:t>
             </a:fld>
             <a:endParaRPr lang="en-US"/>
           </a:p>
@@ -887,7 +2056,7 @@
     </p:spTree>
     <p:extLst>
       <p:ext uri="{BB962C8B-B14F-4D97-AF65-F5344CB8AC3E}">
-        <p14:creationId xmlns:p14="http://schemas.microsoft.com/office/powerpoint/2010/main" val="4063437826"/>
+        <p14:creationId xmlns:p14="http://schemas.microsoft.com/office/powerpoint/2010/main" val="3310424464"/>
       </p:ext>
     </p:extLst>
   </p:cSld>
@@ -941,6 +2110,398 @@
           <a:bodyPr/>
           <a:lstStyle/>
           <a:p>
+            <a:pPr marL="171450" marR="0" lvl="0" indent="-171450" algn="l" defTabSz="914400" rtl="0" eaLnBrk="1" fontAlgn="auto" latinLnBrk="0" hangingPunct="1">
+              <a:lnSpc>
+                <a:spcPct val="100000"/>
+              </a:lnSpc>
+              <a:spcBef>
+                <a:spcPts val="0"/>
+              </a:spcBef>
+              <a:spcAft>
+                <a:spcPts val="0"/>
+              </a:spcAft>
+              <a:buClrTx/>
+              <a:buSzTx/>
+              <a:buFont typeface="Arial" panose="020B0604020202020204" pitchFamily="34" charset="0"/>
+              <a:buChar char="•"/>
+              <a:tabLst/>
+              <a:defRPr/>
+            </a:pPr>
+            <a:r>
+              <a:rPr lang="en-US" dirty="0"/>
+              <a:t>All sensitive data was changed our deleted from the file</a:t>
+            </a:r>
+          </a:p>
+          <a:p>
+            <a:pPr marL="171450" marR="0" lvl="0" indent="-171450" algn="l" defTabSz="914400" rtl="0" eaLnBrk="1" fontAlgn="auto" latinLnBrk="0" hangingPunct="1">
+              <a:lnSpc>
+                <a:spcPct val="100000"/>
+              </a:lnSpc>
+              <a:spcBef>
+                <a:spcPts val="0"/>
+              </a:spcBef>
+              <a:spcAft>
+                <a:spcPts val="0"/>
+              </a:spcAft>
+              <a:buClrTx/>
+              <a:buSzTx/>
+              <a:buFont typeface="Arial" panose="020B0604020202020204" pitchFamily="34" charset="0"/>
+              <a:buChar char="•"/>
+              <a:tabLst/>
+              <a:defRPr/>
+            </a:pPr>
+            <a:r>
+              <a:rPr lang="en-US" dirty="0"/>
+              <a:t>Initial data set was in .</a:t>
+            </a:r>
+            <a:r>
+              <a:rPr lang="en-US" dirty="0" err="1"/>
+              <a:t>xlxs</a:t>
+            </a:r>
+            <a:r>
+              <a:rPr lang="en-US" dirty="0"/>
+              <a:t> file which was converted to .csv file</a:t>
+            </a:r>
+          </a:p>
+          <a:p>
+            <a:pPr marL="171450" marR="0" lvl="0" indent="-171450" algn="l" defTabSz="914400" rtl="0" eaLnBrk="1" fontAlgn="auto" latinLnBrk="0" hangingPunct="1">
+              <a:lnSpc>
+                <a:spcPct val="100000"/>
+              </a:lnSpc>
+              <a:spcBef>
+                <a:spcPts val="0"/>
+              </a:spcBef>
+              <a:spcAft>
+                <a:spcPts val="0"/>
+              </a:spcAft>
+              <a:buClrTx/>
+              <a:buSzTx/>
+              <a:buFont typeface="Arial" panose="020B0604020202020204" pitchFamily="34" charset="0"/>
+              <a:buChar char="•"/>
+              <a:tabLst/>
+              <a:defRPr/>
+            </a:pPr>
+            <a:r>
+              <a:rPr lang="en-US" dirty="0"/>
+              <a:t>CSV file was uploaded in </a:t>
+            </a:r>
+            <a:r>
+              <a:rPr lang="en-US" dirty="0" err="1"/>
+              <a:t>Github</a:t>
+            </a:r>
+            <a:r>
+              <a:rPr lang="en-US" dirty="0"/>
+              <a:t> for easy reference for Python analysis</a:t>
+            </a:r>
+          </a:p>
+          <a:p>
+            <a:pPr marL="171450" marR="0" lvl="0" indent="-171450" algn="l" defTabSz="914400" rtl="0" eaLnBrk="1" fontAlgn="auto" latinLnBrk="0" hangingPunct="1">
+              <a:lnSpc>
+                <a:spcPct val="100000"/>
+              </a:lnSpc>
+              <a:spcBef>
+                <a:spcPts val="0"/>
+              </a:spcBef>
+              <a:spcAft>
+                <a:spcPts val="0"/>
+              </a:spcAft>
+              <a:buClrTx/>
+              <a:buSzTx/>
+              <a:buFont typeface="Arial" panose="020B0604020202020204" pitchFamily="34" charset="0"/>
+              <a:buChar char="•"/>
+              <a:tabLst/>
+              <a:defRPr/>
+            </a:pPr>
+            <a:r>
+              <a:rPr lang="en-US" dirty="0"/>
+              <a:t>Google </a:t>
+            </a:r>
+            <a:r>
+              <a:rPr lang="en-US" dirty="0" err="1"/>
+              <a:t>Colab</a:t>
+            </a:r>
+            <a:r>
+              <a:rPr lang="en-US" dirty="0"/>
+              <a:t> was used for python analysis</a:t>
+            </a:r>
+          </a:p>
+          <a:p>
+            <a:pPr marL="171450" marR="0" lvl="0" indent="-171450" algn="l" defTabSz="914400" rtl="0" eaLnBrk="1" fontAlgn="auto" latinLnBrk="0" hangingPunct="1">
+              <a:lnSpc>
+                <a:spcPct val="100000"/>
+              </a:lnSpc>
+              <a:spcBef>
+                <a:spcPts val="0"/>
+              </a:spcBef>
+              <a:spcAft>
+                <a:spcPts val="0"/>
+              </a:spcAft>
+              <a:buClrTx/>
+              <a:buSzTx/>
+              <a:buFont typeface="Arial" panose="020B0604020202020204" pitchFamily="34" charset="0"/>
+              <a:buChar char="•"/>
+              <a:tabLst/>
+              <a:defRPr/>
+            </a:pPr>
+            <a:r>
+              <a:rPr lang="en-US" dirty="0"/>
+              <a:t>Python libraries used: pandas, </a:t>
+            </a:r>
+            <a:r>
+              <a:rPr lang="en-US" dirty="0" err="1"/>
+              <a:t>numpys</a:t>
+            </a:r>
+            <a:r>
+              <a:rPr lang="en-US" dirty="0"/>
+              <a:t>, </a:t>
+            </a:r>
+            <a:r>
+              <a:rPr lang="en-US" dirty="0" err="1"/>
+              <a:t>matplotlib.pyplot</a:t>
+            </a:r>
+            <a:r>
+              <a:rPr lang="en-US" dirty="0"/>
+              <a:t>, matplotlib inline, </a:t>
+            </a:r>
+            <a:r>
+              <a:rPr lang="en-US" dirty="0" err="1"/>
+              <a:t>plotly.express</a:t>
+            </a:r>
+            <a:r>
+              <a:rPr lang="en-US" dirty="0"/>
+              <a:t>, seaborn, </a:t>
+            </a:r>
+            <a:r>
+              <a:rPr lang="en-US" dirty="0" err="1"/>
+              <a:t>sodapy</a:t>
+            </a:r>
+            <a:endParaRPr lang="en-US" dirty="0"/>
+          </a:p>
+          <a:p>
+            <a:pPr marL="171450" marR="0" lvl="0" indent="-171450" algn="l" defTabSz="914400" rtl="0" eaLnBrk="1" fontAlgn="auto" latinLnBrk="0" hangingPunct="1">
+              <a:lnSpc>
+                <a:spcPct val="100000"/>
+              </a:lnSpc>
+              <a:spcBef>
+                <a:spcPts val="0"/>
+              </a:spcBef>
+              <a:spcAft>
+                <a:spcPts val="0"/>
+              </a:spcAft>
+              <a:buClrTx/>
+              <a:buSzTx/>
+              <a:buFont typeface="Arial" panose="020B0604020202020204" pitchFamily="34" charset="0"/>
+              <a:buChar char="•"/>
+              <a:tabLst/>
+              <a:defRPr/>
+            </a:pPr>
+            <a:r>
+              <a:rPr lang="en-US" dirty="0"/>
+              <a:t>Data cleaning and wrangling was done using Excel and Python</a:t>
+            </a:r>
+          </a:p>
+          <a:p>
+            <a:pPr marL="171450" marR="0" lvl="0" indent="-171450" algn="l" defTabSz="914400" rtl="0" eaLnBrk="1" fontAlgn="auto" latinLnBrk="0" hangingPunct="1">
+              <a:lnSpc>
+                <a:spcPct val="100000"/>
+              </a:lnSpc>
+              <a:spcBef>
+                <a:spcPts val="0"/>
+              </a:spcBef>
+              <a:spcAft>
+                <a:spcPts val="0"/>
+              </a:spcAft>
+              <a:buClrTx/>
+              <a:buSzTx/>
+              <a:buFont typeface="Arial" panose="020B0604020202020204" pitchFamily="34" charset="0"/>
+              <a:buChar char="•"/>
+              <a:tabLst/>
+              <a:defRPr/>
+            </a:pPr>
+            <a:r>
+              <a:rPr lang="en-US" dirty="0"/>
+              <a:t>Dropping unnecessary columns &amp; empty rows</a:t>
+            </a:r>
+          </a:p>
+          <a:p>
+            <a:pPr marL="171450" marR="0" lvl="0" indent="-171450" algn="l" defTabSz="914400" rtl="0" eaLnBrk="1" fontAlgn="auto" latinLnBrk="0" hangingPunct="1">
+              <a:lnSpc>
+                <a:spcPct val="100000"/>
+              </a:lnSpc>
+              <a:spcBef>
+                <a:spcPts val="0"/>
+              </a:spcBef>
+              <a:spcAft>
+                <a:spcPts val="0"/>
+              </a:spcAft>
+              <a:buClrTx/>
+              <a:buSzTx/>
+              <a:buFont typeface="Arial" panose="020B0604020202020204" pitchFamily="34" charset="0"/>
+              <a:buChar char="•"/>
+              <a:tabLst/>
+              <a:defRPr/>
+            </a:pPr>
+            <a:r>
+              <a:rPr lang="en-US" dirty="0"/>
+              <a:t>Adding columns for quantitative analysis</a:t>
+            </a:r>
+          </a:p>
+          <a:p>
+            <a:pPr marL="171450" marR="0" lvl="0" indent="-171450" algn="l" defTabSz="914400" rtl="0" eaLnBrk="1" fontAlgn="auto" latinLnBrk="0" hangingPunct="1">
+              <a:lnSpc>
+                <a:spcPct val="100000"/>
+              </a:lnSpc>
+              <a:spcBef>
+                <a:spcPts val="0"/>
+              </a:spcBef>
+              <a:spcAft>
+                <a:spcPts val="0"/>
+              </a:spcAft>
+              <a:buClrTx/>
+              <a:buSzTx/>
+              <a:buFont typeface="Arial" panose="020B0604020202020204" pitchFamily="34" charset="0"/>
+              <a:buChar char="•"/>
+              <a:tabLst/>
+              <a:defRPr/>
+            </a:pPr>
+            <a:r>
+              <a:rPr lang="en-US" dirty="0"/>
+              <a:t>Analyzing average payments for insurances</a:t>
+            </a:r>
+          </a:p>
+          <a:p>
+            <a:pPr marL="171450" marR="0" lvl="0" indent="-171450" algn="l" defTabSz="914400" rtl="0" eaLnBrk="1" fontAlgn="auto" latinLnBrk="0" hangingPunct="1">
+              <a:lnSpc>
+                <a:spcPct val="100000"/>
+              </a:lnSpc>
+              <a:spcBef>
+                <a:spcPts val="0"/>
+              </a:spcBef>
+              <a:spcAft>
+                <a:spcPts val="0"/>
+              </a:spcAft>
+              <a:buClrTx/>
+              <a:buSzTx/>
+              <a:buFont typeface="Arial" panose="020B0604020202020204" pitchFamily="34" charset="0"/>
+              <a:buChar char="•"/>
+              <a:tabLst/>
+              <a:defRPr/>
+            </a:pPr>
+            <a:r>
+              <a:rPr lang="en-US" dirty="0"/>
+              <a:t>Python visualization used: bar plots, scatterplots, histograms</a:t>
+            </a:r>
+          </a:p>
+          <a:p>
+            <a:pPr marL="171450" marR="0" lvl="0" indent="-171450" algn="l" defTabSz="914400" rtl="0" eaLnBrk="1" fontAlgn="auto" latinLnBrk="0" hangingPunct="1">
+              <a:lnSpc>
+                <a:spcPct val="100000"/>
+              </a:lnSpc>
+              <a:spcBef>
+                <a:spcPts val="0"/>
+              </a:spcBef>
+              <a:spcAft>
+                <a:spcPts val="0"/>
+              </a:spcAft>
+              <a:buClrTx/>
+              <a:buSzTx/>
+              <a:buFont typeface="Arial" panose="020B0604020202020204" pitchFamily="34" charset="0"/>
+              <a:buChar char="•"/>
+              <a:tabLst/>
+              <a:defRPr/>
+            </a:pPr>
+            <a:r>
+              <a:rPr lang="en-US" dirty="0"/>
+              <a:t>Tableau was used to create dashboard and graphs for easy data visualization and presentation</a:t>
+            </a:r>
+          </a:p>
+          <a:p>
+            <a:pPr marL="171450" marR="0" lvl="0" indent="-171450" algn="l" defTabSz="914400" rtl="0" eaLnBrk="1" fontAlgn="auto" latinLnBrk="0" hangingPunct="1">
+              <a:lnSpc>
+                <a:spcPct val="100000"/>
+              </a:lnSpc>
+              <a:spcBef>
+                <a:spcPts val="0"/>
+              </a:spcBef>
+              <a:spcAft>
+                <a:spcPts val="0"/>
+              </a:spcAft>
+              <a:buClrTx/>
+              <a:buSzTx/>
+              <a:buFont typeface="Arial" panose="020B0604020202020204" pitchFamily="34" charset="0"/>
+              <a:buChar char="•"/>
+              <a:tabLst/>
+              <a:defRPr/>
+            </a:pPr>
+            <a:r>
+              <a:rPr lang="en-US" dirty="0"/>
+              <a:t>PowerPoint presentation was used for presentation purposes</a:t>
+            </a:r>
+          </a:p>
+          <a:p>
+            <a:pPr marL="0" marR="0" lvl="0" indent="0" algn="l" defTabSz="914400" rtl="0" eaLnBrk="1" fontAlgn="auto" latinLnBrk="0" hangingPunct="1">
+              <a:lnSpc>
+                <a:spcPct val="100000"/>
+              </a:lnSpc>
+              <a:spcBef>
+                <a:spcPts val="0"/>
+              </a:spcBef>
+              <a:spcAft>
+                <a:spcPts val="0"/>
+              </a:spcAft>
+              <a:buClrTx/>
+              <a:buSzTx/>
+              <a:buFontTx/>
+              <a:buNone/>
+              <a:tabLst/>
+              <a:defRPr/>
+            </a:pPr>
+            <a:endParaRPr lang="en-US" dirty="0"/>
+          </a:p>
+          <a:p>
+            <a:pPr marL="0" marR="0" lvl="0" indent="0" algn="l" defTabSz="914400" rtl="0" eaLnBrk="1" fontAlgn="auto" latinLnBrk="0" hangingPunct="1">
+              <a:lnSpc>
+                <a:spcPct val="100000"/>
+              </a:lnSpc>
+              <a:spcBef>
+                <a:spcPts val="0"/>
+              </a:spcBef>
+              <a:spcAft>
+                <a:spcPts val="0"/>
+              </a:spcAft>
+              <a:buClrTx/>
+              <a:buSzTx/>
+              <a:buFontTx/>
+              <a:buNone/>
+              <a:tabLst/>
+              <a:defRPr/>
+            </a:pPr>
+            <a:endParaRPr lang="en-US" dirty="0"/>
+          </a:p>
+          <a:p>
+            <a:pPr marL="0" marR="0" lvl="0" indent="0" algn="l" defTabSz="914400" rtl="0" eaLnBrk="1" fontAlgn="auto" latinLnBrk="0" hangingPunct="1">
+              <a:lnSpc>
+                <a:spcPct val="100000"/>
+              </a:lnSpc>
+              <a:spcBef>
+                <a:spcPts val="0"/>
+              </a:spcBef>
+              <a:spcAft>
+                <a:spcPts val="0"/>
+              </a:spcAft>
+              <a:buClrTx/>
+              <a:buSzTx/>
+              <a:buFontTx/>
+              <a:buNone/>
+              <a:tabLst/>
+              <a:defRPr/>
+            </a:pPr>
+            <a:r>
+              <a:rPr lang="en-US" dirty="0"/>
+              <a:t>NEXT - We are going to show you baseline analysis of the data set and then the final analysis and conclusive findings using Python and Tableau</a:t>
+            </a:r>
+          </a:p>
+          <a:p>
             <a:endParaRPr lang="en-US" dirty="0"/>
           </a:p>
         </p:txBody>
@@ -962,7 +2523,7 @@
           <a:p>
             <a:fld id="{D17A38DF-8A95-4BD1-9DCE-37BC151E2653}" type="slidenum">
               <a:rPr lang="en-US" smtClean="0"/>
-              <a:t>25</a:t>
+              <a:t>5</a:t>
             </a:fld>
             <a:endParaRPr lang="en-US"/>
           </a:p>
@@ -971,7 +2532,430 @@
     </p:spTree>
     <p:extLst>
       <p:ext uri="{BB962C8B-B14F-4D97-AF65-F5344CB8AC3E}">
-        <p14:creationId xmlns:p14="http://schemas.microsoft.com/office/powerpoint/2010/main" val="29433464"/>
+        <p14:creationId xmlns:p14="http://schemas.microsoft.com/office/powerpoint/2010/main" val="4284533306"/>
+      </p:ext>
+    </p:extLst>
+  </p:cSld>
+  <p:clrMapOvr>
+    <a:masterClrMapping/>
+  </p:clrMapOvr>
+</p:notes>
+</file>
+
+<file path=ppt/notesSlides/notesSlide5.xml><?xml version="1.0" encoding="utf-8"?>
+<p:notes xmlns:a="http://schemas.openxmlformats.org/drawingml/2006/main" xmlns:r="http://schemas.openxmlformats.org/officeDocument/2006/relationships" xmlns:p="http://schemas.openxmlformats.org/presentationml/2006/main">
+  <p:cSld>
+    <p:spTree>
+      <p:nvGrpSpPr>
+        <p:cNvPr id="1" name=""/>
+        <p:cNvGrpSpPr/>
+        <p:nvPr/>
+      </p:nvGrpSpPr>
+      <p:grpSpPr>
+        <a:xfrm>
+          <a:off x="0" y="0"/>
+          <a:ext cx="0" cy="0"/>
+          <a:chOff x="0" y="0"/>
+          <a:chExt cx="0" cy="0"/>
+        </a:xfrm>
+      </p:grpSpPr>
+      <p:sp>
+        <p:nvSpPr>
+          <p:cNvPr id="2" name="Slide Image Placeholder 1"/>
+          <p:cNvSpPr>
+            <a:spLocks noGrp="1" noRot="1" noChangeAspect="1"/>
+          </p:cNvSpPr>
+          <p:nvPr>
+            <p:ph type="sldImg"/>
+          </p:nvPr>
+        </p:nvSpPr>
+        <p:spPr/>
+      </p:sp>
+      <p:sp>
+        <p:nvSpPr>
+          <p:cNvPr id="3" name="Notes Placeholder 2"/>
+          <p:cNvSpPr>
+            <a:spLocks noGrp="1"/>
+          </p:cNvSpPr>
+          <p:nvPr>
+            <p:ph type="body" idx="1"/>
+          </p:nvPr>
+        </p:nvSpPr>
+        <p:spPr/>
+        <p:txBody>
+          <a:bodyPr/>
+          <a:lstStyle/>
+          <a:p>
+            <a:r>
+              <a:rPr lang="en-US" dirty="0"/>
+              <a:t>We are going to show you baseline analysis of the data set and then the final analysis and conclusive findings using Python and Tableau</a:t>
+            </a:r>
+          </a:p>
+        </p:txBody>
+      </p:sp>
+      <p:sp>
+        <p:nvSpPr>
+          <p:cNvPr id="4" name="Slide Number Placeholder 3"/>
+          <p:cNvSpPr>
+            <a:spLocks noGrp="1"/>
+          </p:cNvSpPr>
+          <p:nvPr>
+            <p:ph type="sldNum" sz="quarter" idx="5"/>
+          </p:nvPr>
+        </p:nvSpPr>
+        <p:spPr/>
+        <p:txBody>
+          <a:bodyPr/>
+          <a:lstStyle/>
+          <a:p>
+            <a:fld id="{D17A38DF-8A95-4BD1-9DCE-37BC151E2653}" type="slidenum">
+              <a:rPr lang="en-US" smtClean="0"/>
+              <a:t>6</a:t>
+            </a:fld>
+            <a:endParaRPr lang="en-US"/>
+          </a:p>
+        </p:txBody>
+      </p:sp>
+    </p:spTree>
+    <p:extLst>
+      <p:ext uri="{BB962C8B-B14F-4D97-AF65-F5344CB8AC3E}">
+        <p14:creationId xmlns:p14="http://schemas.microsoft.com/office/powerpoint/2010/main" val="2418322829"/>
+      </p:ext>
+    </p:extLst>
+  </p:cSld>
+  <p:clrMapOvr>
+    <a:masterClrMapping/>
+  </p:clrMapOvr>
+</p:notes>
+</file>
+
+<file path=ppt/notesSlides/notesSlide6.xml><?xml version="1.0" encoding="utf-8"?>
+<p:notes xmlns:a="http://schemas.openxmlformats.org/drawingml/2006/main" xmlns:r="http://schemas.openxmlformats.org/officeDocument/2006/relationships" xmlns:p="http://schemas.openxmlformats.org/presentationml/2006/main">
+  <p:cSld>
+    <p:spTree>
+      <p:nvGrpSpPr>
+        <p:cNvPr id="1" name=""/>
+        <p:cNvGrpSpPr/>
+        <p:nvPr/>
+      </p:nvGrpSpPr>
+      <p:grpSpPr>
+        <a:xfrm>
+          <a:off x="0" y="0"/>
+          <a:ext cx="0" cy="0"/>
+          <a:chOff x="0" y="0"/>
+          <a:chExt cx="0" cy="0"/>
+        </a:xfrm>
+      </p:grpSpPr>
+      <p:sp>
+        <p:nvSpPr>
+          <p:cNvPr id="2" name="Slide Image Placeholder 1"/>
+          <p:cNvSpPr>
+            <a:spLocks noGrp="1" noRot="1" noChangeAspect="1"/>
+          </p:cNvSpPr>
+          <p:nvPr>
+            <p:ph type="sldImg"/>
+          </p:nvPr>
+        </p:nvSpPr>
+        <p:spPr/>
+      </p:sp>
+      <p:sp>
+        <p:nvSpPr>
+          <p:cNvPr id="3" name="Notes Placeholder 2"/>
+          <p:cNvSpPr>
+            <a:spLocks noGrp="1"/>
+          </p:cNvSpPr>
+          <p:nvPr>
+            <p:ph type="body" idx="1"/>
+          </p:nvPr>
+        </p:nvSpPr>
+        <p:spPr/>
+        <p:txBody>
+          <a:bodyPr/>
+          <a:lstStyle/>
+          <a:p>
+            <a:endParaRPr lang="en-US" dirty="0"/>
+          </a:p>
+        </p:txBody>
+      </p:sp>
+      <p:sp>
+        <p:nvSpPr>
+          <p:cNvPr id="4" name="Slide Number Placeholder 3"/>
+          <p:cNvSpPr>
+            <a:spLocks noGrp="1"/>
+          </p:cNvSpPr>
+          <p:nvPr>
+            <p:ph type="sldNum" sz="quarter" idx="5"/>
+          </p:nvPr>
+        </p:nvSpPr>
+        <p:spPr/>
+        <p:txBody>
+          <a:bodyPr/>
+          <a:lstStyle/>
+          <a:p>
+            <a:fld id="{D17A38DF-8A95-4BD1-9DCE-37BC151E2653}" type="slidenum">
+              <a:rPr lang="en-US" smtClean="0"/>
+              <a:t>7</a:t>
+            </a:fld>
+            <a:endParaRPr lang="en-US"/>
+          </a:p>
+        </p:txBody>
+      </p:sp>
+    </p:spTree>
+    <p:extLst>
+      <p:ext uri="{BB962C8B-B14F-4D97-AF65-F5344CB8AC3E}">
+        <p14:creationId xmlns:p14="http://schemas.microsoft.com/office/powerpoint/2010/main" val="736412098"/>
+      </p:ext>
+    </p:extLst>
+  </p:cSld>
+  <p:clrMapOvr>
+    <a:masterClrMapping/>
+  </p:clrMapOvr>
+</p:notes>
+</file>
+
+<file path=ppt/notesSlides/notesSlide7.xml><?xml version="1.0" encoding="utf-8"?>
+<p:notes xmlns:a="http://schemas.openxmlformats.org/drawingml/2006/main" xmlns:r="http://schemas.openxmlformats.org/officeDocument/2006/relationships" xmlns:p="http://schemas.openxmlformats.org/presentationml/2006/main">
+  <p:cSld>
+    <p:spTree>
+      <p:nvGrpSpPr>
+        <p:cNvPr id="1" name=""/>
+        <p:cNvGrpSpPr/>
+        <p:nvPr/>
+      </p:nvGrpSpPr>
+      <p:grpSpPr>
+        <a:xfrm>
+          <a:off x="0" y="0"/>
+          <a:ext cx="0" cy="0"/>
+          <a:chOff x="0" y="0"/>
+          <a:chExt cx="0" cy="0"/>
+        </a:xfrm>
+      </p:grpSpPr>
+      <p:sp>
+        <p:nvSpPr>
+          <p:cNvPr id="2" name="Slide Image Placeholder 1"/>
+          <p:cNvSpPr>
+            <a:spLocks noGrp="1" noRot="1" noChangeAspect="1"/>
+          </p:cNvSpPr>
+          <p:nvPr>
+            <p:ph type="sldImg"/>
+          </p:nvPr>
+        </p:nvSpPr>
+        <p:spPr/>
+      </p:sp>
+      <p:sp>
+        <p:nvSpPr>
+          <p:cNvPr id="3" name="Notes Placeholder 2"/>
+          <p:cNvSpPr>
+            <a:spLocks noGrp="1"/>
+          </p:cNvSpPr>
+          <p:nvPr>
+            <p:ph type="body" idx="1"/>
+          </p:nvPr>
+        </p:nvSpPr>
+        <p:spPr/>
+        <p:txBody>
+          <a:bodyPr/>
+          <a:lstStyle/>
+          <a:p>
+            <a:endParaRPr lang="en-US" dirty="0"/>
+          </a:p>
+        </p:txBody>
+      </p:sp>
+      <p:sp>
+        <p:nvSpPr>
+          <p:cNvPr id="4" name="Slide Number Placeholder 3"/>
+          <p:cNvSpPr>
+            <a:spLocks noGrp="1"/>
+          </p:cNvSpPr>
+          <p:nvPr>
+            <p:ph type="sldNum" sz="quarter" idx="5"/>
+          </p:nvPr>
+        </p:nvSpPr>
+        <p:spPr/>
+        <p:txBody>
+          <a:bodyPr/>
+          <a:lstStyle/>
+          <a:p>
+            <a:fld id="{D17A38DF-8A95-4BD1-9DCE-37BC151E2653}" type="slidenum">
+              <a:rPr lang="en-US" smtClean="0"/>
+              <a:t>10</a:t>
+            </a:fld>
+            <a:endParaRPr lang="en-US"/>
+          </a:p>
+        </p:txBody>
+      </p:sp>
+    </p:spTree>
+    <p:extLst>
+      <p:ext uri="{BB962C8B-B14F-4D97-AF65-F5344CB8AC3E}">
+        <p14:creationId xmlns:p14="http://schemas.microsoft.com/office/powerpoint/2010/main" val="3703891924"/>
+      </p:ext>
+    </p:extLst>
+  </p:cSld>
+  <p:clrMapOvr>
+    <a:masterClrMapping/>
+  </p:clrMapOvr>
+</p:notes>
+</file>
+
+<file path=ppt/notesSlides/notesSlide8.xml><?xml version="1.0" encoding="utf-8"?>
+<p:notes xmlns:a="http://schemas.openxmlformats.org/drawingml/2006/main" xmlns:r="http://schemas.openxmlformats.org/officeDocument/2006/relationships" xmlns:p="http://schemas.openxmlformats.org/presentationml/2006/main">
+  <p:cSld>
+    <p:spTree>
+      <p:nvGrpSpPr>
+        <p:cNvPr id="1" name=""/>
+        <p:cNvGrpSpPr/>
+        <p:nvPr/>
+      </p:nvGrpSpPr>
+      <p:grpSpPr>
+        <a:xfrm>
+          <a:off x="0" y="0"/>
+          <a:ext cx="0" cy="0"/>
+          <a:chOff x="0" y="0"/>
+          <a:chExt cx="0" cy="0"/>
+        </a:xfrm>
+      </p:grpSpPr>
+      <p:sp>
+        <p:nvSpPr>
+          <p:cNvPr id="2" name="Slide Image Placeholder 1"/>
+          <p:cNvSpPr>
+            <a:spLocks noGrp="1" noRot="1" noChangeAspect="1"/>
+          </p:cNvSpPr>
+          <p:nvPr>
+            <p:ph type="sldImg"/>
+          </p:nvPr>
+        </p:nvSpPr>
+        <p:spPr/>
+      </p:sp>
+      <p:sp>
+        <p:nvSpPr>
+          <p:cNvPr id="3" name="Notes Placeholder 2"/>
+          <p:cNvSpPr>
+            <a:spLocks noGrp="1"/>
+          </p:cNvSpPr>
+          <p:nvPr>
+            <p:ph type="body" idx="1"/>
+          </p:nvPr>
+        </p:nvSpPr>
+        <p:spPr/>
+        <p:txBody>
+          <a:bodyPr/>
+          <a:lstStyle/>
+          <a:p>
+            <a:endParaRPr lang="en-US" dirty="0"/>
+          </a:p>
+        </p:txBody>
+      </p:sp>
+      <p:sp>
+        <p:nvSpPr>
+          <p:cNvPr id="4" name="Slide Number Placeholder 3"/>
+          <p:cNvSpPr>
+            <a:spLocks noGrp="1"/>
+          </p:cNvSpPr>
+          <p:nvPr>
+            <p:ph type="sldNum" sz="quarter" idx="5"/>
+          </p:nvPr>
+        </p:nvSpPr>
+        <p:spPr/>
+        <p:txBody>
+          <a:bodyPr/>
+          <a:lstStyle/>
+          <a:p>
+            <a:fld id="{D17A38DF-8A95-4BD1-9DCE-37BC151E2653}" type="slidenum">
+              <a:rPr lang="en-US" smtClean="0"/>
+              <a:t>11</a:t>
+            </a:fld>
+            <a:endParaRPr lang="en-US"/>
+          </a:p>
+        </p:txBody>
+      </p:sp>
+    </p:spTree>
+    <p:extLst>
+      <p:ext uri="{BB962C8B-B14F-4D97-AF65-F5344CB8AC3E}">
+        <p14:creationId xmlns:p14="http://schemas.microsoft.com/office/powerpoint/2010/main" val="2671106150"/>
+      </p:ext>
+    </p:extLst>
+  </p:cSld>
+  <p:clrMapOvr>
+    <a:masterClrMapping/>
+  </p:clrMapOvr>
+</p:notes>
+</file>
+
+<file path=ppt/notesSlides/notesSlide9.xml><?xml version="1.0" encoding="utf-8"?>
+<p:notes xmlns:a="http://schemas.openxmlformats.org/drawingml/2006/main" xmlns:r="http://schemas.openxmlformats.org/officeDocument/2006/relationships" xmlns:p="http://schemas.openxmlformats.org/presentationml/2006/main">
+  <p:cSld>
+    <p:spTree>
+      <p:nvGrpSpPr>
+        <p:cNvPr id="1" name=""/>
+        <p:cNvGrpSpPr/>
+        <p:nvPr/>
+      </p:nvGrpSpPr>
+      <p:grpSpPr>
+        <a:xfrm>
+          <a:off x="0" y="0"/>
+          <a:ext cx="0" cy="0"/>
+          <a:chOff x="0" y="0"/>
+          <a:chExt cx="0" cy="0"/>
+        </a:xfrm>
+      </p:grpSpPr>
+      <p:sp>
+        <p:nvSpPr>
+          <p:cNvPr id="2" name="Slide Image Placeholder 1"/>
+          <p:cNvSpPr>
+            <a:spLocks noGrp="1" noRot="1" noChangeAspect="1"/>
+          </p:cNvSpPr>
+          <p:nvPr>
+            <p:ph type="sldImg"/>
+          </p:nvPr>
+        </p:nvSpPr>
+        <p:spPr/>
+      </p:sp>
+      <p:sp>
+        <p:nvSpPr>
+          <p:cNvPr id="3" name="Notes Placeholder 2"/>
+          <p:cNvSpPr>
+            <a:spLocks noGrp="1"/>
+          </p:cNvSpPr>
+          <p:nvPr>
+            <p:ph type="body" idx="1"/>
+          </p:nvPr>
+        </p:nvSpPr>
+        <p:spPr/>
+        <p:txBody>
+          <a:bodyPr/>
+          <a:lstStyle/>
+          <a:p>
+            <a:endParaRPr lang="en-US"/>
+          </a:p>
+        </p:txBody>
+      </p:sp>
+      <p:sp>
+        <p:nvSpPr>
+          <p:cNvPr id="4" name="Slide Number Placeholder 3"/>
+          <p:cNvSpPr>
+            <a:spLocks noGrp="1"/>
+          </p:cNvSpPr>
+          <p:nvPr>
+            <p:ph type="sldNum" sz="quarter" idx="5"/>
+          </p:nvPr>
+        </p:nvSpPr>
+        <p:spPr/>
+        <p:txBody>
+          <a:bodyPr/>
+          <a:lstStyle/>
+          <a:p>
+            <a:fld id="{D17A38DF-8A95-4BD1-9DCE-37BC151E2653}" type="slidenum">
+              <a:rPr lang="en-US" smtClean="0"/>
+              <a:t>13</a:t>
+            </a:fld>
+            <a:endParaRPr lang="en-US"/>
+          </a:p>
+        </p:txBody>
+      </p:sp>
+    </p:spTree>
+    <p:extLst>
+      <p:ext uri="{BB962C8B-B14F-4D97-AF65-F5344CB8AC3E}">
+        <p14:creationId xmlns:p14="http://schemas.microsoft.com/office/powerpoint/2010/main" val="4063437826"/>
       </p:ext>
     </p:extLst>
   </p:cSld>
@@ -7472,7 +9456,7 @@
           <p:nvPr/>
         </p:nvPicPr>
         <p:blipFill rotWithShape="1">
-          <a:blip r:embed="rId2"/>
+          <a:blip r:embed="rId3"/>
           <a:srcRect r="10328"/>
           <a:stretch/>
         </p:blipFill>
@@ -7501,7 +9485,7 @@
           <p:nvPr/>
         </p:nvPicPr>
         <p:blipFill rotWithShape="1">
-          <a:blip r:embed="rId3"/>
+          <a:blip r:embed="rId4"/>
           <a:srcRect l="13460" t="4787" r="4285"/>
           <a:stretch/>
         </p:blipFill>
@@ -7639,7 +9623,7 @@
           <p:nvPr/>
         </p:nvPicPr>
         <p:blipFill>
-          <a:blip r:embed="rId4"/>
+          <a:blip r:embed="rId5"/>
           <a:stretch>
             <a:fillRect/>
           </a:stretch>
@@ -8653,7 +10637,7 @@
         <p:spPr>
           <a:xfrm>
             <a:off x="575175" y="1843950"/>
-            <a:ext cx="10681173" cy="4087786"/>
+            <a:ext cx="10681173" cy="4401205"/>
           </a:xfrm>
           <a:prstGeom prst="rect">
             <a:avLst/>
@@ -8667,9 +10651,6 @@
           <a:lstStyle/>
           <a:p>
             <a:pPr marL="0" marR="0">
-              <a:lnSpc>
-                <a:spcPct val="115000"/>
-              </a:lnSpc>
               <a:spcBef>
                 <a:spcPts val="0"/>
               </a:spcBef>
@@ -8678,9 +10659,8 @@
               </a:spcAft>
             </a:pPr>
             <a:r>
-              <a:rPr lang="en-US" sz="1800" dirty="0">
-                <a:effectLst/>
-                <a:latin typeface="Calibri" panose="020F0502020204030204" pitchFamily="34" charset="0"/>
+              <a:rPr lang="en-US" dirty="0">
+                <a:effectLst/>
                 <a:ea typeface="Calibri" panose="020F0502020204030204" pitchFamily="34" charset="0"/>
               </a:rPr>
               <a:t>Throughout the fiscal year 2019-2020, the missed appointments or “no-show” data has been recorded at Harlem Hospital Center. Analysis of the data and other variables recorded could potentially give us an insight as to how this information may impact financial sustainability and quality of care given to patients. </a:t>
@@ -8688,9 +10668,6 @@
           </a:p>
           <a:p>
             <a:pPr marL="0" marR="0">
-              <a:lnSpc>
-                <a:spcPct val="115000"/>
-              </a:lnSpc>
               <a:spcBef>
                 <a:spcPts val="0"/>
               </a:spcBef>
@@ -8698,20 +10675,13 @@
                 <a:spcPts val="1000"/>
               </a:spcAft>
             </a:pPr>
-            <a:r>
-              <a:rPr lang="en-US" sz="1800" dirty="0">
-                <a:effectLst/>
-                <a:latin typeface="Calibri" panose="020F0502020204030204" pitchFamily="34" charset="0"/>
-                <a:ea typeface="Calibri" panose="020F0502020204030204" pitchFamily="34" charset="0"/>
-              </a:rPr>
-              <a:t>Understanding baseline information and trend analysis is a vital component when undergoing quality improvement projects that may impact the overall vision, mission, and strategic goals of the institution and the health system as a whole.</a:t>
-            </a:r>
+            <a:endParaRPr lang="en-US" sz="1000" dirty="0">
+              <a:effectLst/>
+              <a:ea typeface="Calibri" panose="020F0502020204030204" pitchFamily="34" charset="0"/>
+            </a:endParaRPr>
           </a:p>
           <a:p>
             <a:pPr marL="0" marR="0">
-              <a:lnSpc>
-                <a:spcPct val="115000"/>
-              </a:lnSpc>
               <a:spcBef>
                 <a:spcPts val="0"/>
               </a:spcBef>
@@ -8720,9 +10690,39 @@
               </a:spcAft>
             </a:pPr>
             <a:r>
-              <a:rPr lang="en-US" sz="1800" dirty="0">
-                <a:effectLst/>
-                <a:latin typeface="Calibri" panose="020F0502020204030204" pitchFamily="34" charset="0"/>
+              <a:rPr lang="en-US" dirty="0">
+                <a:effectLst/>
+                <a:ea typeface="Calibri" panose="020F0502020204030204" pitchFamily="34" charset="0"/>
+              </a:rPr>
+              <a:t>Understanding baseline information and trend analysis is a vital component when undergoing quality improvement projects that may impact the overall vision, mission, and strategic goals of the institution and the health system.</a:t>
+            </a:r>
+          </a:p>
+          <a:p>
+            <a:pPr marL="0" marR="0">
+              <a:spcBef>
+                <a:spcPts val="0"/>
+              </a:spcBef>
+              <a:spcAft>
+                <a:spcPts val="1000"/>
+              </a:spcAft>
+            </a:pPr>
+            <a:endParaRPr lang="en-US" dirty="0">
+              <a:effectLst/>
+              <a:ea typeface="Calibri" panose="020F0502020204030204" pitchFamily="34" charset="0"/>
+            </a:endParaRPr>
+          </a:p>
+          <a:p>
+            <a:pPr marL="0" marR="0">
+              <a:spcBef>
+                <a:spcPts val="0"/>
+              </a:spcBef>
+              <a:spcAft>
+                <a:spcPts val="1000"/>
+              </a:spcAft>
+            </a:pPr>
+            <a:r>
+              <a:rPr lang="en-US" dirty="0">
+                <a:effectLst/>
                 <a:ea typeface="Calibri" panose="020F0502020204030204" pitchFamily="34" charset="0"/>
               </a:rPr>
               <a:t>This data set and analysis may affect the NYC Health and Hospital’s strategic pillars (SP) which aligns with Harlem Hospital Centers long term goals for the growth and development of the institution. The specific strategic pillars involved are:</a:t>
@@ -8740,12 +10740,11 @@
               <a:buChar char="•"/>
             </a:pPr>
             <a:r>
-              <a:rPr lang="en-US" sz="2000" dirty="0">
+              <a:rPr lang="en-US" sz="2000" b="1" dirty="0">
                 <a:solidFill>
                   <a:schemeClr val="tx2"/>
                 </a:solidFill>
                 <a:effectLst/>
-                <a:latin typeface="Noto Sans Symbols"/>
                 <a:ea typeface="Noto Sans Symbols"/>
                 <a:cs typeface="Noto Sans Symbols"/>
               </a:rPr>
@@ -8758,17 +10757,16 @@
               <a:buChar char="•"/>
             </a:pPr>
             <a:r>
-              <a:rPr lang="en-US" sz="2000" dirty="0">
+              <a:rPr lang="en-US" sz="2000" b="1" dirty="0">
                 <a:solidFill>
                   <a:schemeClr val="tx2"/>
                 </a:solidFill>
                 <a:effectLst/>
-                <a:latin typeface="Calibri" panose="020F0502020204030204" pitchFamily="34" charset="0"/>
                 <a:ea typeface="Calibri" panose="020F0502020204030204" pitchFamily="34" charset="0"/>
               </a:rPr>
               <a:t>Increase revenue streams (SP: Financial Sustainability)</a:t>
             </a:r>
-            <a:endParaRPr lang="en-US" sz="2000" dirty="0">
+            <a:endParaRPr lang="en-US" sz="2000" b="1" dirty="0">
               <a:solidFill>
                 <a:schemeClr val="tx2"/>
               </a:solidFill>
@@ -9656,7 +11654,7 @@
           <a:lstStyle/>
           <a:p>
             <a:r>
-              <a:rPr lang="en-US" sz="2800" dirty="0">
+              <a:rPr lang="en-US" sz="2800" b="1" dirty="0">
                 <a:solidFill>
                   <a:srgbClr val="FFFFFF"/>
                 </a:solidFill>
@@ -9684,8 +11682,8 @@
         </p:nvSpPr>
         <p:spPr>
           <a:xfrm>
-            <a:off x="1478128" y="801023"/>
-            <a:ext cx="10016971" cy="723150"/>
+            <a:off x="531628" y="747861"/>
+            <a:ext cx="11472530" cy="723150"/>
           </a:xfrm>
         </p:spPr>
         <p:txBody>
@@ -9694,29 +11692,16 @@
           </a:bodyPr>
           <a:lstStyle/>
           <a:p>
+            <a:pPr marL="36900" indent="0" algn="ctr">
+              <a:buNone/>
+            </a:pPr>
             <a:r>
               <a:rPr lang="en-US" dirty="0">
                 <a:solidFill>
                   <a:srgbClr val="FFFFFF"/>
                 </a:solidFill>
               </a:rPr>
-              <a:t>78% of the no show population has English listed as their first language followed by Spanish at 17%. These stats tells us about diversity granularity of </a:t>
-            </a:r>
-            <a:r>
-              <a:rPr lang="en-US" dirty="0" err="1">
-                <a:solidFill>
-                  <a:srgbClr val="FFFFFF"/>
-                </a:solidFill>
-              </a:rPr>
-              <a:t>Harlems</a:t>
-            </a:r>
-            <a:r>
-              <a:rPr lang="en-US" dirty="0">
-                <a:solidFill>
-                  <a:srgbClr val="FFFFFF"/>
-                </a:solidFill>
-              </a:rPr>
-              <a:t> community.</a:t>
+              <a:t>78% of the no show population has English listed as their first language followed by Spanish at 17%. These stats tells us about diversity granularity of Harlem community.</a:t>
             </a:r>
           </a:p>
         </p:txBody>
@@ -9743,8 +11728,8 @@
         </p:blipFill>
         <p:spPr>
           <a:xfrm>
-            <a:off x="1633491" y="1762788"/>
-            <a:ext cx="9627814" cy="4904341"/>
+            <a:off x="1697287" y="1664579"/>
+            <a:ext cx="9328676" cy="4751962"/>
           </a:xfrm>
           <a:prstGeom prst="rect">
             <a:avLst/>
@@ -10758,7 +12743,7 @@
           <a:p>
             <a:r>
               <a:rPr lang="en-US" dirty="0"/>
-              <a:t>What variables have an impact to the missed appointments or no-show rate? Example of data variables: Weather, holidays, geographical location, type of service, religion, language, special needs, etc..</a:t>
+              <a:t>What variables have an impact to the missed appointments or no-show rate? Example of data variables: Weather, holidays, geographical location, type of service, religion, language, special needs, appointment time, etc..</a:t>
             </a:r>
           </a:p>
           <a:p>
@@ -11376,7 +13361,7 @@
           <p:nvPr/>
         </p:nvPicPr>
         <p:blipFill>
-          <a:blip r:embed="rId2">
+          <a:blip r:embed="rId3">
             <a:extLst>
               <a:ext uri="{28A0092B-C50C-407E-A947-70E740481C1C}">
                 <a14:useLocalDpi xmlns:a14="http://schemas.microsoft.com/office/drawing/2010/main" val="0"/>
@@ -11409,15 +13394,6 @@
           <a:effectLst>
             <a:reflection blurRad="12700" stA="38000" endPos="28000" dist="5000" dir="5400000" sy="-100000" algn="bl" rotWithShape="0"/>
           </a:effectLst>
-          <a:extLst>
-            <a:ext uri="{909E8E84-426E-40DD-AFC4-6F175D3DCCD1}">
-              <a14:hiddenFill xmlns:a14="http://schemas.microsoft.com/office/drawing/2010/main">
-                <a:solidFill>
-                  <a:srgbClr val="FFFFFF"/>
-                </a:solidFill>
-              </a14:hiddenFill>
-            </a:ext>
-          </a:extLst>
         </p:spPr>
       </p:pic>
       <p:pic>
@@ -11435,7 +13411,7 @@
           <p:nvPr/>
         </p:nvPicPr>
         <p:blipFill>
-          <a:blip r:embed="rId3"/>
+          <a:blip r:embed="rId4"/>
           <a:stretch>
             <a:fillRect/>
           </a:stretch>
@@ -12024,7 +14000,15 @@
             </a:pPr>
             <a:r>
               <a:rPr lang="en-US" dirty="0"/>
-              <a:t>   MS Excel Spreadsheet (CSV)– raw data gathering and initial visualization</a:t>
+              <a:t>   </a:t>
+            </a:r>
+            <a:r>
+              <a:rPr lang="en-US" b="1" u="sng" dirty="0"/>
+              <a:t>MS Excel Spreadsheet (CSV</a:t>
+            </a:r>
+            <a:r>
+              <a:rPr lang="en-US" dirty="0"/>
+              <a:t>)– raw data gathering and initial visualization</a:t>
             </a:r>
           </a:p>
           <a:p>
@@ -12040,16 +14024,24 @@
               <a:buChar char="•"/>
             </a:pPr>
             <a:r>
+              <a:rPr lang="en-US" b="1" dirty="0"/>
+              <a:t>   </a:t>
+            </a:r>
+            <a:r>
+              <a:rPr lang="en-US" b="1" u="sng" dirty="0"/>
+              <a:t>Python using Google </a:t>
+            </a:r>
+            <a:r>
+              <a:rPr lang="en-US" b="1" u="sng" dirty="0" err="1"/>
+              <a:t>Colab</a:t>
+            </a:r>
+            <a:r>
+              <a:rPr lang="en-US" b="1" u="sng" dirty="0"/>
+              <a:t> </a:t>
+            </a:r>
+            <a:r>
               <a:rPr lang="en-US" dirty="0"/>
-              <a:t>   Python using Google </a:t>
-            </a:r>
-            <a:r>
-              <a:rPr lang="en-US" dirty="0" err="1"/>
-              <a:t>Colab</a:t>
-            </a:r>
-            <a:r>
-              <a:rPr lang="en-US" dirty="0"/>
-              <a:t> – data cleaning, data wrangling, and exploratory data analysis</a:t>
+              <a:t>– data cleaning, data wrangling, and exploratory data analysis</a:t>
             </a:r>
           </a:p>
           <a:p>
@@ -12066,7 +14058,15 @@
             </a:pPr>
             <a:r>
               <a:rPr lang="en-US" dirty="0"/>
-              <a:t>   Tableau – data visualization using worksheets, dashboards, and storyboards</a:t>
+              <a:t>   </a:t>
+            </a:r>
+            <a:r>
+              <a:rPr lang="en-US" b="1" u="sng" dirty="0"/>
+              <a:t>Tableau</a:t>
+            </a:r>
+            <a:r>
+              <a:rPr lang="en-US" dirty="0"/>
+              <a:t> – data visualization using worksheets, dashboards, and storyboards</a:t>
             </a:r>
           </a:p>
           <a:p>
@@ -12076,7 +14076,15 @@
             </a:pPr>
             <a:r>
               <a:rPr lang="en-US" dirty="0"/>
-              <a:t>   MS PowerPoint Presentation – presentation of final data</a:t>
+              <a:t>   </a:t>
+            </a:r>
+            <a:r>
+              <a:rPr lang="en-US" b="1" u="sng" dirty="0"/>
+              <a:t>MS PowerPoint Presentation </a:t>
+            </a:r>
+            <a:r>
+              <a:rPr lang="en-US" dirty="0"/>
+              <a:t>– presentation of final data</a:t>
             </a:r>
           </a:p>
           <a:p>
@@ -12086,7 +14094,15 @@
             </a:pPr>
             <a:r>
               <a:rPr lang="en-US" dirty="0"/>
-              <a:t>   GitHub – data and file storage</a:t>
+              <a:t>   </a:t>
+            </a:r>
+            <a:r>
+              <a:rPr lang="en-US" b="1" u="sng" dirty="0"/>
+              <a:t>GitHub</a:t>
+            </a:r>
+            <a:r>
+              <a:rPr lang="en-US" dirty="0"/>
+              <a:t> – data and file storage</a:t>
             </a:r>
           </a:p>
           <a:p>
